--- a/presentation/final_presentation.pptx
+++ b/presentation/final_presentation.pptx
@@ -6,11 +6,22 @@
     <p:sldMasterId id="2147483702" r:id="rId2"/>
     <p:sldMasterId id="2147483714" r:id="rId3"/>
     <p:sldMasterId id="2147483726" r:id="rId4"/>
-    <p:sldMasterId id="2147484074" r:id="rId5"/>
+    <p:sldMasterId id="2147484122" r:id="rId5"/>
   </p:sldMasterIdLst>
+  <p:notesMasterIdLst>
+    <p:notesMasterId r:id="rId16"/>
+  </p:notesMasterIdLst>
   <p:sldIdLst>
     <p:sldId id="256" r:id="rId6"/>
     <p:sldId id="257" r:id="rId7"/>
+    <p:sldId id="258" r:id="rId8"/>
+    <p:sldId id="262" r:id="rId9"/>
+    <p:sldId id="261" r:id="rId10"/>
+    <p:sldId id="260" r:id="rId11"/>
+    <p:sldId id="259" r:id="rId12"/>
+    <p:sldId id="263" r:id="rId13"/>
+    <p:sldId id="265" r:id="rId14"/>
+    <p:sldId id="264" r:id="rId15"/>
   </p:sldIdLst>
   <p:sldSz cx="9144000" cy="6858000" type="screen4x3"/>
   <p:notesSz cx="6858000" cy="9144000"/>
@@ -126,6 +137,3487 @@
     </p:ext>
   </p:extLst>
 </p:presentation>
+</file>
+
+<file path=ppt/diagrams/colors1.xml><?xml version="1.0" encoding="utf-8"?>
+<dgm:colorsDef xmlns:dgm="http://schemas.openxmlformats.org/drawingml/2006/diagram" xmlns:a="http://schemas.openxmlformats.org/drawingml/2006/main" uniqueId="urn:microsoft.com/office/officeart/2005/8/colors/accent3_3">
+  <dgm:title val=""/>
+  <dgm:desc val=""/>
+  <dgm:catLst>
+    <dgm:cat type="accent3" pri="11300"/>
+  </dgm:catLst>
+  <dgm:styleLbl name="node0">
+    <dgm:fillClrLst meth="repeat">
+      <a:schemeClr val="accent3">
+        <a:shade val="80000"/>
+      </a:schemeClr>
+    </dgm:fillClrLst>
+    <dgm:linClrLst meth="repeat">
+      <a:schemeClr val="lt1"/>
+    </dgm:linClrLst>
+    <dgm:effectClrLst/>
+    <dgm:txLinClrLst/>
+    <dgm:txFillClrLst/>
+    <dgm:txEffectClrLst/>
+  </dgm:styleLbl>
+  <dgm:styleLbl name="node1">
+    <dgm:fillClrLst>
+      <a:schemeClr val="accent3">
+        <a:shade val="80000"/>
+      </a:schemeClr>
+      <a:schemeClr val="accent3">
+        <a:tint val="70000"/>
+      </a:schemeClr>
+    </dgm:fillClrLst>
+    <dgm:linClrLst meth="repeat">
+      <a:schemeClr val="lt1"/>
+    </dgm:linClrLst>
+    <dgm:effectClrLst/>
+    <dgm:txLinClrLst/>
+    <dgm:txFillClrLst/>
+    <dgm:txEffectClrLst/>
+  </dgm:styleLbl>
+  <dgm:styleLbl name="alignNode1">
+    <dgm:fillClrLst>
+      <a:schemeClr val="accent3">
+        <a:shade val="80000"/>
+      </a:schemeClr>
+      <a:schemeClr val="accent3">
+        <a:tint val="70000"/>
+      </a:schemeClr>
+    </dgm:fillClrLst>
+    <dgm:linClrLst>
+      <a:schemeClr val="accent3">
+        <a:shade val="80000"/>
+      </a:schemeClr>
+      <a:schemeClr val="accent3">
+        <a:tint val="70000"/>
+      </a:schemeClr>
+    </dgm:linClrLst>
+    <dgm:effectClrLst/>
+    <dgm:txLinClrLst/>
+    <dgm:txFillClrLst/>
+    <dgm:txEffectClrLst/>
+  </dgm:styleLbl>
+  <dgm:styleLbl name="lnNode1">
+    <dgm:fillClrLst>
+      <a:schemeClr val="accent3">
+        <a:shade val="80000"/>
+      </a:schemeClr>
+      <a:schemeClr val="accent3">
+        <a:tint val="70000"/>
+      </a:schemeClr>
+    </dgm:fillClrLst>
+    <dgm:linClrLst meth="repeat">
+      <a:schemeClr val="lt1"/>
+    </dgm:linClrLst>
+    <dgm:effectClrLst/>
+    <dgm:txLinClrLst/>
+    <dgm:txFillClrLst/>
+    <dgm:txEffectClrLst/>
+  </dgm:styleLbl>
+  <dgm:styleLbl name="vennNode1">
+    <dgm:fillClrLst>
+      <a:schemeClr val="accent3">
+        <a:shade val="80000"/>
+        <a:alpha val="50000"/>
+      </a:schemeClr>
+      <a:schemeClr val="accent3">
+        <a:tint val="70000"/>
+        <a:alpha val="50000"/>
+      </a:schemeClr>
+    </dgm:fillClrLst>
+    <dgm:linClrLst meth="repeat">
+      <a:schemeClr val="lt1"/>
+    </dgm:linClrLst>
+    <dgm:effectClrLst/>
+    <dgm:txLinClrLst/>
+    <dgm:txFillClrLst/>
+    <dgm:txEffectClrLst/>
+  </dgm:styleLbl>
+  <dgm:styleLbl name="node2">
+    <dgm:fillClrLst>
+      <a:schemeClr val="accent3">
+        <a:tint val="99000"/>
+      </a:schemeClr>
+    </dgm:fillClrLst>
+    <dgm:linClrLst meth="repeat">
+      <a:schemeClr val="lt1"/>
+    </dgm:linClrLst>
+    <dgm:effectClrLst/>
+    <dgm:txLinClrLst/>
+    <dgm:txFillClrLst/>
+    <dgm:txEffectClrLst/>
+  </dgm:styleLbl>
+  <dgm:styleLbl name="node3">
+    <dgm:fillClrLst>
+      <a:schemeClr val="accent3">
+        <a:tint val="80000"/>
+      </a:schemeClr>
+    </dgm:fillClrLst>
+    <dgm:linClrLst meth="repeat">
+      <a:schemeClr val="lt1"/>
+    </dgm:linClrLst>
+    <dgm:effectClrLst/>
+    <dgm:txLinClrLst/>
+    <dgm:txFillClrLst/>
+    <dgm:txEffectClrLst/>
+  </dgm:styleLbl>
+  <dgm:styleLbl name="node4">
+    <dgm:fillClrLst>
+      <a:schemeClr val="accent3">
+        <a:tint val="70000"/>
+      </a:schemeClr>
+    </dgm:fillClrLst>
+    <dgm:linClrLst meth="repeat">
+      <a:schemeClr val="lt1"/>
+    </dgm:linClrLst>
+    <dgm:effectClrLst/>
+    <dgm:txLinClrLst/>
+    <dgm:txFillClrLst/>
+    <dgm:txEffectClrLst/>
+  </dgm:styleLbl>
+  <dgm:styleLbl name="fgImgPlace1">
+    <dgm:fillClrLst>
+      <a:schemeClr val="accent3">
+        <a:tint val="50000"/>
+      </a:schemeClr>
+      <a:schemeClr val="accent3">
+        <a:tint val="20000"/>
+      </a:schemeClr>
+    </dgm:fillClrLst>
+    <dgm:linClrLst meth="repeat">
+      <a:schemeClr val="lt1"/>
+    </dgm:linClrLst>
+    <dgm:effectClrLst/>
+    <dgm:txLinClrLst/>
+    <dgm:txFillClrLst meth="repeat">
+      <a:schemeClr val="lt1"/>
+    </dgm:txFillClrLst>
+    <dgm:txEffectClrLst/>
+  </dgm:styleLbl>
+  <dgm:styleLbl name="alignImgPlace1">
+    <dgm:fillClrLst>
+      <a:schemeClr val="accent3">
+        <a:tint val="50000"/>
+      </a:schemeClr>
+      <a:schemeClr val="accent3">
+        <a:tint val="20000"/>
+      </a:schemeClr>
+    </dgm:fillClrLst>
+    <dgm:linClrLst meth="repeat">
+      <a:schemeClr val="lt1"/>
+    </dgm:linClrLst>
+    <dgm:effectClrLst/>
+    <dgm:txLinClrLst/>
+    <dgm:txFillClrLst meth="repeat">
+      <a:schemeClr val="lt1"/>
+    </dgm:txFillClrLst>
+    <dgm:txEffectClrLst/>
+  </dgm:styleLbl>
+  <dgm:styleLbl name="bgImgPlace1">
+    <dgm:fillClrLst>
+      <a:schemeClr val="accent3">
+        <a:tint val="50000"/>
+      </a:schemeClr>
+      <a:schemeClr val="accent3">
+        <a:tint val="20000"/>
+      </a:schemeClr>
+    </dgm:fillClrLst>
+    <dgm:linClrLst meth="repeat">
+      <a:schemeClr val="lt1"/>
+    </dgm:linClrLst>
+    <dgm:effectClrLst/>
+    <dgm:txLinClrLst/>
+    <dgm:txFillClrLst meth="repeat">
+      <a:schemeClr val="lt1"/>
+    </dgm:txFillClrLst>
+    <dgm:txEffectClrLst/>
+  </dgm:styleLbl>
+  <dgm:styleLbl name="sibTrans2D1">
+    <dgm:fillClrLst>
+      <a:schemeClr val="accent3">
+        <a:shade val="90000"/>
+      </a:schemeClr>
+      <a:schemeClr val="accent3">
+        <a:tint val="70000"/>
+      </a:schemeClr>
+    </dgm:fillClrLst>
+    <dgm:linClrLst>
+      <a:schemeClr val="accent3">
+        <a:shade val="90000"/>
+      </a:schemeClr>
+      <a:schemeClr val="accent3">
+        <a:tint val="70000"/>
+      </a:schemeClr>
+    </dgm:linClrLst>
+    <dgm:effectClrLst/>
+    <dgm:txLinClrLst/>
+    <dgm:txFillClrLst/>
+    <dgm:txEffectClrLst/>
+  </dgm:styleLbl>
+  <dgm:styleLbl name="fgSibTrans2D1">
+    <dgm:fillClrLst>
+      <a:schemeClr val="accent3">
+        <a:shade val="90000"/>
+      </a:schemeClr>
+      <a:schemeClr val="accent3">
+        <a:tint val="70000"/>
+      </a:schemeClr>
+    </dgm:fillClrLst>
+    <dgm:linClrLst>
+      <a:schemeClr val="accent3">
+        <a:shade val="90000"/>
+      </a:schemeClr>
+      <a:schemeClr val="accent3">
+        <a:tint val="70000"/>
+      </a:schemeClr>
+    </dgm:linClrLst>
+    <dgm:effectClrLst/>
+    <dgm:txLinClrLst/>
+    <dgm:txFillClrLst meth="repeat">
+      <a:schemeClr val="lt1"/>
+    </dgm:txFillClrLst>
+    <dgm:txEffectClrLst/>
+  </dgm:styleLbl>
+  <dgm:styleLbl name="bgSibTrans2D1">
+    <dgm:fillClrLst>
+      <a:schemeClr val="accent3">
+        <a:shade val="90000"/>
+      </a:schemeClr>
+      <a:schemeClr val="accent3">
+        <a:tint val="70000"/>
+      </a:schemeClr>
+    </dgm:fillClrLst>
+    <dgm:linClrLst>
+      <a:schemeClr val="accent3">
+        <a:shade val="90000"/>
+      </a:schemeClr>
+      <a:schemeClr val="accent3">
+        <a:tint val="70000"/>
+      </a:schemeClr>
+    </dgm:linClrLst>
+    <dgm:effectClrLst/>
+    <dgm:txLinClrLst/>
+    <dgm:txFillClrLst meth="repeat">
+      <a:schemeClr val="lt1"/>
+    </dgm:txFillClrLst>
+    <dgm:txEffectClrLst/>
+  </dgm:styleLbl>
+  <dgm:styleLbl name="sibTrans1D1">
+    <dgm:fillClrLst>
+      <a:schemeClr val="accent3">
+        <a:shade val="90000"/>
+      </a:schemeClr>
+      <a:schemeClr val="accent3">
+        <a:tint val="70000"/>
+      </a:schemeClr>
+    </dgm:fillClrLst>
+    <dgm:linClrLst>
+      <a:schemeClr val="accent3">
+        <a:shade val="90000"/>
+      </a:schemeClr>
+      <a:schemeClr val="accent3">
+        <a:tint val="70000"/>
+      </a:schemeClr>
+    </dgm:linClrLst>
+    <dgm:effectClrLst/>
+    <dgm:txLinClrLst/>
+    <dgm:txFillClrLst meth="repeat">
+      <a:schemeClr val="tx1"/>
+    </dgm:txFillClrLst>
+    <dgm:txEffectClrLst/>
+  </dgm:styleLbl>
+  <dgm:styleLbl name="callout">
+    <dgm:fillClrLst meth="repeat">
+      <a:schemeClr val="accent3"/>
+    </dgm:fillClrLst>
+    <dgm:linClrLst meth="repeat">
+      <a:schemeClr val="accent3"/>
+    </dgm:linClrLst>
+    <dgm:effectClrLst/>
+    <dgm:txLinClrLst/>
+    <dgm:txFillClrLst meth="repeat">
+      <a:schemeClr val="tx1"/>
+    </dgm:txFillClrLst>
+    <dgm:txEffectClrLst/>
+  </dgm:styleLbl>
+  <dgm:styleLbl name="asst0">
+    <dgm:fillClrLst meth="repeat">
+      <a:schemeClr val="accent3">
+        <a:shade val="80000"/>
+      </a:schemeClr>
+    </dgm:fillClrLst>
+    <dgm:linClrLst meth="repeat">
+      <a:schemeClr val="lt1"/>
+    </dgm:linClrLst>
+    <dgm:effectClrLst/>
+    <dgm:txLinClrLst/>
+    <dgm:txFillClrLst/>
+    <dgm:txEffectClrLst/>
+  </dgm:styleLbl>
+  <dgm:styleLbl name="asst1">
+    <dgm:fillClrLst meth="repeat">
+      <a:schemeClr val="accent3">
+        <a:shade val="80000"/>
+      </a:schemeClr>
+    </dgm:fillClrLst>
+    <dgm:linClrLst meth="repeat">
+      <a:schemeClr val="lt1"/>
+    </dgm:linClrLst>
+    <dgm:effectClrLst/>
+    <dgm:txLinClrLst/>
+    <dgm:txFillClrLst/>
+    <dgm:txEffectClrLst/>
+  </dgm:styleLbl>
+  <dgm:styleLbl name="asst2">
+    <dgm:fillClrLst>
+      <a:schemeClr val="accent3">
+        <a:tint val="99000"/>
+      </a:schemeClr>
+    </dgm:fillClrLst>
+    <dgm:linClrLst meth="repeat">
+      <a:schemeClr val="lt1"/>
+    </dgm:linClrLst>
+    <dgm:effectClrLst/>
+    <dgm:txLinClrLst/>
+    <dgm:txFillClrLst/>
+    <dgm:txEffectClrLst/>
+  </dgm:styleLbl>
+  <dgm:styleLbl name="asst3">
+    <dgm:fillClrLst>
+      <a:schemeClr val="accent3">
+        <a:tint val="80000"/>
+      </a:schemeClr>
+    </dgm:fillClrLst>
+    <dgm:linClrLst meth="repeat">
+      <a:schemeClr val="lt1"/>
+    </dgm:linClrLst>
+    <dgm:effectClrLst/>
+    <dgm:txLinClrLst/>
+    <dgm:txFillClrLst/>
+    <dgm:txEffectClrLst/>
+  </dgm:styleLbl>
+  <dgm:styleLbl name="asst4">
+    <dgm:fillClrLst>
+      <a:schemeClr val="accent3">
+        <a:tint val="70000"/>
+      </a:schemeClr>
+    </dgm:fillClrLst>
+    <dgm:linClrLst meth="repeat">
+      <a:schemeClr val="lt1"/>
+    </dgm:linClrLst>
+    <dgm:effectClrLst/>
+    <dgm:txLinClrLst/>
+    <dgm:txFillClrLst/>
+    <dgm:txEffectClrLst/>
+  </dgm:styleLbl>
+  <dgm:styleLbl name="parChTrans2D1">
+    <dgm:fillClrLst meth="repeat">
+      <a:schemeClr val="accent3">
+        <a:tint val="60000"/>
+      </a:schemeClr>
+    </dgm:fillClrLst>
+    <dgm:linClrLst meth="repeat">
+      <a:schemeClr val="accent3">
+        <a:tint val="60000"/>
+      </a:schemeClr>
+    </dgm:linClrLst>
+    <dgm:effectClrLst/>
+    <dgm:txLinClrLst/>
+    <dgm:txFillClrLst meth="repeat">
+      <a:schemeClr val="lt1"/>
+    </dgm:txFillClrLst>
+    <dgm:txEffectClrLst/>
+  </dgm:styleLbl>
+  <dgm:styleLbl name="parChTrans2D2">
+    <dgm:fillClrLst meth="repeat">
+      <a:schemeClr val="accent3">
+        <a:tint val="90000"/>
+      </a:schemeClr>
+    </dgm:fillClrLst>
+    <dgm:linClrLst meth="repeat">
+      <a:schemeClr val="accent3">
+        <a:tint val="90000"/>
+      </a:schemeClr>
+    </dgm:linClrLst>
+    <dgm:effectClrLst/>
+    <dgm:txLinClrLst/>
+    <dgm:txFillClrLst/>
+    <dgm:txEffectClrLst/>
+  </dgm:styleLbl>
+  <dgm:styleLbl name="parChTrans2D3">
+    <dgm:fillClrLst meth="repeat">
+      <a:schemeClr val="accent3">
+        <a:tint val="70000"/>
+      </a:schemeClr>
+    </dgm:fillClrLst>
+    <dgm:linClrLst meth="repeat">
+      <a:schemeClr val="accent3">
+        <a:tint val="70000"/>
+      </a:schemeClr>
+    </dgm:linClrLst>
+    <dgm:effectClrLst/>
+    <dgm:txLinClrLst/>
+    <dgm:txFillClrLst/>
+    <dgm:txEffectClrLst/>
+  </dgm:styleLbl>
+  <dgm:styleLbl name="parChTrans2D4">
+    <dgm:fillClrLst meth="repeat">
+      <a:schemeClr val="accent3">
+        <a:tint val="50000"/>
+      </a:schemeClr>
+    </dgm:fillClrLst>
+    <dgm:linClrLst meth="repeat">
+      <a:schemeClr val="accent3">
+        <a:tint val="50000"/>
+      </a:schemeClr>
+    </dgm:linClrLst>
+    <dgm:effectClrLst/>
+    <dgm:txLinClrLst/>
+    <dgm:txFillClrLst meth="repeat">
+      <a:schemeClr val="lt1"/>
+    </dgm:txFillClrLst>
+    <dgm:txEffectClrLst/>
+  </dgm:styleLbl>
+  <dgm:styleLbl name="parChTrans1D1">
+    <dgm:fillClrLst meth="repeat">
+      <a:schemeClr val="accent3">
+        <a:shade val="80000"/>
+      </a:schemeClr>
+    </dgm:fillClrLst>
+    <dgm:linClrLst meth="repeat">
+      <a:schemeClr val="accent3">
+        <a:shade val="80000"/>
+      </a:schemeClr>
+    </dgm:linClrLst>
+    <dgm:effectClrLst/>
+    <dgm:txLinClrLst/>
+    <dgm:txFillClrLst meth="repeat">
+      <a:schemeClr val="tx1"/>
+    </dgm:txFillClrLst>
+    <dgm:txEffectClrLst/>
+  </dgm:styleLbl>
+  <dgm:styleLbl name="parChTrans1D2">
+    <dgm:fillClrLst meth="repeat">
+      <a:schemeClr val="accent3">
+        <a:tint val="99000"/>
+      </a:schemeClr>
+    </dgm:fillClrLst>
+    <dgm:linClrLst meth="repeat">
+      <a:schemeClr val="accent3">
+        <a:tint val="99000"/>
+      </a:schemeClr>
+    </dgm:linClrLst>
+    <dgm:effectClrLst/>
+    <dgm:txLinClrLst/>
+    <dgm:txFillClrLst meth="repeat">
+      <a:schemeClr val="tx1"/>
+    </dgm:txFillClrLst>
+    <dgm:txEffectClrLst/>
+  </dgm:styleLbl>
+  <dgm:styleLbl name="parChTrans1D3">
+    <dgm:fillClrLst meth="repeat">
+      <a:schemeClr val="accent3">
+        <a:tint val="80000"/>
+      </a:schemeClr>
+    </dgm:fillClrLst>
+    <dgm:linClrLst meth="repeat">
+      <a:schemeClr val="accent3">
+        <a:tint val="80000"/>
+      </a:schemeClr>
+    </dgm:linClrLst>
+    <dgm:effectClrLst/>
+    <dgm:txLinClrLst/>
+    <dgm:txFillClrLst meth="repeat">
+      <a:schemeClr val="tx1"/>
+    </dgm:txFillClrLst>
+    <dgm:txEffectClrLst/>
+  </dgm:styleLbl>
+  <dgm:styleLbl name="parChTrans1D4">
+    <dgm:fillClrLst meth="repeat">
+      <a:schemeClr val="accent3">
+        <a:tint val="70000"/>
+      </a:schemeClr>
+    </dgm:fillClrLst>
+    <dgm:linClrLst meth="repeat">
+      <a:schemeClr val="accent3">
+        <a:tint val="70000"/>
+      </a:schemeClr>
+    </dgm:linClrLst>
+    <dgm:effectClrLst/>
+    <dgm:txLinClrLst/>
+    <dgm:txFillClrLst meth="repeat">
+      <a:schemeClr val="tx1"/>
+    </dgm:txFillClrLst>
+    <dgm:txEffectClrLst/>
+  </dgm:styleLbl>
+  <dgm:styleLbl name="fgAcc1">
+    <dgm:fillClrLst meth="repeat">
+      <a:schemeClr val="lt1">
+        <a:alpha val="90000"/>
+      </a:schemeClr>
+    </dgm:fillClrLst>
+    <dgm:linClrLst>
+      <a:schemeClr val="accent3">
+        <a:shade val="80000"/>
+      </a:schemeClr>
+      <a:schemeClr val="accent3">
+        <a:tint val="70000"/>
+      </a:schemeClr>
+    </dgm:linClrLst>
+    <dgm:effectClrLst/>
+    <dgm:txLinClrLst/>
+    <dgm:txFillClrLst meth="repeat">
+      <a:schemeClr val="dk1"/>
+    </dgm:txFillClrLst>
+    <dgm:txEffectClrLst/>
+  </dgm:styleLbl>
+  <dgm:styleLbl name="conFgAcc1">
+    <dgm:fillClrLst meth="repeat">
+      <a:schemeClr val="lt1">
+        <a:alpha val="90000"/>
+      </a:schemeClr>
+    </dgm:fillClrLst>
+    <dgm:linClrLst>
+      <a:schemeClr val="accent3">
+        <a:shade val="80000"/>
+      </a:schemeClr>
+      <a:schemeClr val="accent3">
+        <a:tint val="70000"/>
+      </a:schemeClr>
+    </dgm:linClrLst>
+    <dgm:effectClrLst/>
+    <dgm:txLinClrLst/>
+    <dgm:txFillClrLst meth="repeat">
+      <a:schemeClr val="dk1"/>
+    </dgm:txFillClrLst>
+    <dgm:txEffectClrLst/>
+  </dgm:styleLbl>
+  <dgm:styleLbl name="alignAcc1">
+    <dgm:fillClrLst meth="repeat">
+      <a:schemeClr val="lt1">
+        <a:alpha val="90000"/>
+      </a:schemeClr>
+    </dgm:fillClrLst>
+    <dgm:linClrLst>
+      <a:schemeClr val="accent3">
+        <a:shade val="80000"/>
+      </a:schemeClr>
+      <a:schemeClr val="accent3">
+        <a:tint val="70000"/>
+      </a:schemeClr>
+    </dgm:linClrLst>
+    <dgm:effectClrLst/>
+    <dgm:txLinClrLst/>
+    <dgm:txFillClrLst meth="repeat">
+      <a:schemeClr val="dk1"/>
+    </dgm:txFillClrLst>
+    <dgm:txEffectClrLst/>
+  </dgm:styleLbl>
+  <dgm:styleLbl name="trAlignAcc1">
+    <dgm:fillClrLst meth="repeat">
+      <a:schemeClr val="lt1">
+        <a:alpha val="40000"/>
+      </a:schemeClr>
+    </dgm:fillClrLst>
+    <dgm:linClrLst meth="repeat">
+      <a:schemeClr val="accent3"/>
+    </dgm:linClrLst>
+    <dgm:effectClrLst/>
+    <dgm:txLinClrLst/>
+    <dgm:txFillClrLst meth="repeat">
+      <a:schemeClr val="dk1"/>
+    </dgm:txFillClrLst>
+    <dgm:txEffectClrLst/>
+  </dgm:styleLbl>
+  <dgm:styleLbl name="bgAcc1">
+    <dgm:fillClrLst meth="repeat">
+      <a:schemeClr val="lt1">
+        <a:alpha val="90000"/>
+      </a:schemeClr>
+    </dgm:fillClrLst>
+    <dgm:linClrLst>
+      <a:schemeClr val="accent3">
+        <a:shade val="80000"/>
+      </a:schemeClr>
+      <a:schemeClr val="accent3">
+        <a:tint val="70000"/>
+      </a:schemeClr>
+    </dgm:linClrLst>
+    <dgm:effectClrLst/>
+    <dgm:txLinClrLst/>
+    <dgm:txFillClrLst meth="repeat">
+      <a:schemeClr val="dk1"/>
+    </dgm:txFillClrLst>
+    <dgm:txEffectClrLst/>
+  </dgm:styleLbl>
+  <dgm:styleLbl name="solidFgAcc1">
+    <dgm:fillClrLst meth="repeat">
+      <a:schemeClr val="lt1"/>
+    </dgm:fillClrLst>
+    <dgm:linClrLst>
+      <a:schemeClr val="accent3">
+        <a:shade val="80000"/>
+      </a:schemeClr>
+      <a:schemeClr val="accent3">
+        <a:tint val="70000"/>
+      </a:schemeClr>
+    </dgm:linClrLst>
+    <dgm:effectClrLst/>
+    <dgm:txLinClrLst/>
+    <dgm:txFillClrLst meth="repeat">
+      <a:schemeClr val="dk1"/>
+    </dgm:txFillClrLst>
+    <dgm:txEffectClrLst/>
+  </dgm:styleLbl>
+  <dgm:styleLbl name="solidAlignAcc1">
+    <dgm:fillClrLst meth="repeat">
+      <a:schemeClr val="lt1"/>
+    </dgm:fillClrLst>
+    <dgm:linClrLst meth="repeat">
+      <a:schemeClr val="accent3"/>
+    </dgm:linClrLst>
+    <dgm:effectClrLst/>
+    <dgm:txLinClrLst/>
+    <dgm:txFillClrLst meth="repeat">
+      <a:schemeClr val="dk1"/>
+    </dgm:txFillClrLst>
+    <dgm:txEffectClrLst/>
+  </dgm:styleLbl>
+  <dgm:styleLbl name="solidBgAcc1">
+    <dgm:fillClrLst meth="repeat">
+      <a:schemeClr val="lt1"/>
+    </dgm:fillClrLst>
+    <dgm:linClrLst meth="repeat">
+      <a:schemeClr val="accent3"/>
+    </dgm:linClrLst>
+    <dgm:effectClrLst/>
+    <dgm:txLinClrLst/>
+    <dgm:txFillClrLst meth="repeat">
+      <a:schemeClr val="dk1"/>
+    </dgm:txFillClrLst>
+    <dgm:txEffectClrLst/>
+  </dgm:styleLbl>
+  <dgm:styleLbl name="fgAccFollowNode1">
+    <dgm:fillClrLst meth="repeat">
+      <a:schemeClr val="accent3">
+        <a:alpha val="90000"/>
+        <a:tint val="40000"/>
+      </a:schemeClr>
+    </dgm:fillClrLst>
+    <dgm:linClrLst meth="repeat">
+      <a:schemeClr val="accent3">
+        <a:alpha val="90000"/>
+        <a:tint val="40000"/>
+      </a:schemeClr>
+    </dgm:linClrLst>
+    <dgm:effectClrLst/>
+    <dgm:txLinClrLst/>
+    <dgm:txFillClrLst meth="repeat">
+      <a:schemeClr val="dk1"/>
+    </dgm:txFillClrLst>
+    <dgm:txEffectClrLst/>
+  </dgm:styleLbl>
+  <dgm:styleLbl name="alignAccFollowNode1">
+    <dgm:fillClrLst meth="repeat">
+      <a:schemeClr val="accent3">
+        <a:alpha val="90000"/>
+        <a:tint val="40000"/>
+      </a:schemeClr>
+    </dgm:fillClrLst>
+    <dgm:linClrLst meth="repeat">
+      <a:schemeClr val="accent3">
+        <a:alpha val="90000"/>
+        <a:tint val="40000"/>
+      </a:schemeClr>
+    </dgm:linClrLst>
+    <dgm:effectClrLst/>
+    <dgm:txLinClrLst/>
+    <dgm:txFillClrLst meth="repeat">
+      <a:schemeClr val="dk1"/>
+    </dgm:txFillClrLst>
+    <dgm:txEffectClrLst/>
+  </dgm:styleLbl>
+  <dgm:styleLbl name="bgAccFollowNode1">
+    <dgm:fillClrLst meth="repeat">
+      <a:schemeClr val="accent3">
+        <a:alpha val="90000"/>
+        <a:tint val="40000"/>
+      </a:schemeClr>
+    </dgm:fillClrLst>
+    <dgm:linClrLst meth="repeat">
+      <a:schemeClr val="lt1"/>
+    </dgm:linClrLst>
+    <dgm:effectClrLst/>
+    <dgm:txLinClrLst/>
+    <dgm:txFillClrLst meth="repeat">
+      <a:schemeClr val="dk1"/>
+    </dgm:txFillClrLst>
+    <dgm:txEffectClrLst/>
+  </dgm:styleLbl>
+  <dgm:styleLbl name="fgAcc0">
+    <dgm:fillClrLst meth="repeat">
+      <a:schemeClr val="lt1">
+        <a:alpha val="90000"/>
+      </a:schemeClr>
+    </dgm:fillClrLst>
+    <dgm:linClrLst meth="repeat">
+      <a:schemeClr val="accent3">
+        <a:shade val="80000"/>
+      </a:schemeClr>
+    </dgm:linClrLst>
+    <dgm:effectClrLst/>
+    <dgm:txLinClrLst/>
+    <dgm:txFillClrLst meth="repeat">
+      <a:schemeClr val="dk1"/>
+    </dgm:txFillClrLst>
+    <dgm:txEffectClrLst/>
+  </dgm:styleLbl>
+  <dgm:styleLbl name="fgAcc2">
+    <dgm:fillClrLst meth="repeat">
+      <a:schemeClr val="lt1">
+        <a:alpha val="90000"/>
+      </a:schemeClr>
+    </dgm:fillClrLst>
+    <dgm:linClrLst meth="repeat">
+      <a:schemeClr val="accent3">
+        <a:tint val="99000"/>
+      </a:schemeClr>
+    </dgm:linClrLst>
+    <dgm:effectClrLst/>
+    <dgm:txLinClrLst/>
+    <dgm:txFillClrLst meth="repeat">
+      <a:schemeClr val="dk1"/>
+    </dgm:txFillClrLst>
+    <dgm:txEffectClrLst/>
+  </dgm:styleLbl>
+  <dgm:styleLbl name="fgAcc3">
+    <dgm:fillClrLst meth="repeat">
+      <a:schemeClr val="lt1">
+        <a:alpha val="90000"/>
+      </a:schemeClr>
+    </dgm:fillClrLst>
+    <dgm:linClrLst meth="repeat">
+      <a:schemeClr val="accent3">
+        <a:tint val="80000"/>
+      </a:schemeClr>
+    </dgm:linClrLst>
+    <dgm:effectClrLst/>
+    <dgm:txLinClrLst/>
+    <dgm:txFillClrLst meth="repeat">
+      <a:schemeClr val="dk1"/>
+    </dgm:txFillClrLst>
+    <dgm:txEffectClrLst/>
+  </dgm:styleLbl>
+  <dgm:styleLbl name="fgAcc4">
+    <dgm:fillClrLst meth="repeat">
+      <a:schemeClr val="lt1">
+        <a:alpha val="90000"/>
+      </a:schemeClr>
+    </dgm:fillClrLst>
+    <dgm:linClrLst meth="repeat">
+      <a:schemeClr val="accent3">
+        <a:tint val="70000"/>
+      </a:schemeClr>
+    </dgm:linClrLst>
+    <dgm:effectClrLst/>
+    <dgm:txLinClrLst/>
+    <dgm:txFillClrLst meth="repeat">
+      <a:schemeClr val="dk1"/>
+    </dgm:txFillClrLst>
+    <dgm:txEffectClrLst/>
+  </dgm:styleLbl>
+  <dgm:styleLbl name="bgShp">
+    <dgm:fillClrLst meth="repeat">
+      <a:schemeClr val="accent3">
+        <a:tint val="40000"/>
+      </a:schemeClr>
+    </dgm:fillClrLst>
+    <dgm:linClrLst meth="repeat">
+      <a:schemeClr val="dk1"/>
+    </dgm:linClrLst>
+    <dgm:effectClrLst/>
+    <dgm:txLinClrLst/>
+    <dgm:txFillClrLst meth="repeat">
+      <a:schemeClr val="dk1"/>
+    </dgm:txFillClrLst>
+    <dgm:txEffectClrLst/>
+  </dgm:styleLbl>
+  <dgm:styleLbl name="dkBgShp">
+    <dgm:fillClrLst meth="repeat">
+      <a:schemeClr val="accent3">
+        <a:shade val="90000"/>
+      </a:schemeClr>
+    </dgm:fillClrLst>
+    <dgm:linClrLst meth="repeat">
+      <a:schemeClr val="dk1"/>
+    </dgm:linClrLst>
+    <dgm:effectClrLst/>
+    <dgm:txLinClrLst/>
+    <dgm:txFillClrLst meth="repeat">
+      <a:schemeClr val="lt1"/>
+    </dgm:txFillClrLst>
+    <dgm:txEffectClrLst/>
+  </dgm:styleLbl>
+  <dgm:styleLbl name="trBgShp">
+    <dgm:fillClrLst meth="repeat">
+      <a:schemeClr val="accent3">
+        <a:tint val="50000"/>
+        <a:alpha val="40000"/>
+      </a:schemeClr>
+    </dgm:fillClrLst>
+    <dgm:linClrLst meth="repeat">
+      <a:schemeClr val="accent3"/>
+    </dgm:linClrLst>
+    <dgm:effectClrLst/>
+    <dgm:txLinClrLst/>
+    <dgm:txFillClrLst meth="repeat">
+      <a:schemeClr val="lt1"/>
+    </dgm:txFillClrLst>
+    <dgm:txEffectClrLst/>
+  </dgm:styleLbl>
+  <dgm:styleLbl name="fgShp">
+    <dgm:fillClrLst meth="repeat">
+      <a:schemeClr val="accent3">
+        <a:tint val="40000"/>
+      </a:schemeClr>
+    </dgm:fillClrLst>
+    <dgm:linClrLst meth="repeat">
+      <a:schemeClr val="lt1"/>
+    </dgm:linClrLst>
+    <dgm:effectClrLst/>
+    <dgm:txLinClrLst/>
+    <dgm:txFillClrLst meth="repeat">
+      <a:schemeClr val="dk1"/>
+    </dgm:txFillClrLst>
+    <dgm:txEffectClrLst/>
+  </dgm:styleLbl>
+  <dgm:styleLbl name="revTx">
+    <dgm:fillClrLst meth="repeat">
+      <a:schemeClr val="lt1">
+        <a:alpha val="0"/>
+      </a:schemeClr>
+    </dgm:fillClrLst>
+    <dgm:linClrLst meth="repeat">
+      <a:schemeClr val="dk1">
+        <a:alpha val="0"/>
+      </a:schemeClr>
+    </dgm:linClrLst>
+    <dgm:effectClrLst/>
+    <dgm:txLinClrLst/>
+    <dgm:txFillClrLst meth="repeat">
+      <a:schemeClr val="tx1"/>
+    </dgm:txFillClrLst>
+    <dgm:txEffectClrLst/>
+  </dgm:styleLbl>
+</dgm:colorsDef>
+</file>
+
+<file path=ppt/diagrams/data1.xml><?xml version="1.0" encoding="utf-8"?>
+<dgm:dataModel xmlns:dgm="http://schemas.openxmlformats.org/drawingml/2006/diagram" xmlns:a="http://schemas.openxmlformats.org/drawingml/2006/main">
+  <dgm:ptLst>
+    <dgm:pt modelId="{CE1E91F1-2839-0C40-9A8D-A524A922D3E4}" type="doc">
+      <dgm:prSet loTypeId="urn:microsoft.com/office/officeart/2005/8/layout/list1" loCatId="" qsTypeId="urn:microsoft.com/office/officeart/2005/8/quickstyle/simple4" qsCatId="simple" csTypeId="urn:microsoft.com/office/officeart/2005/8/colors/accent3_3" csCatId="accent3" phldr="1"/>
+      <dgm:spPr/>
+      <dgm:t>
+        <a:bodyPr/>
+        <a:lstStyle/>
+        <a:p>
+          <a:endParaRPr lang="en-US"/>
+        </a:p>
+      </dgm:t>
+    </dgm:pt>
+    <dgm:pt modelId="{55DD615F-34EE-3F46-AA25-0B75F070D99E}">
+      <dgm:prSet phldrT="[Text]"/>
+      <dgm:spPr/>
+      <dgm:t>
+        <a:bodyPr/>
+        <a:lstStyle/>
+        <a:p>
+          <a:r>
+            <a:rPr lang="en-US" dirty="0" smtClean="0"/>
+            <a:t>Backbone</a:t>
+          </a:r>
+          <a:endParaRPr lang="en-US" dirty="0"/>
+        </a:p>
+      </dgm:t>
+    </dgm:pt>
+    <dgm:pt modelId="{118891D0-FFD7-2549-946A-0CE0BDCD8272}" type="parTrans" cxnId="{EBFBC574-236A-C742-BA4D-8E337A9A7A18}">
+      <dgm:prSet/>
+      <dgm:spPr/>
+      <dgm:t>
+        <a:bodyPr/>
+        <a:lstStyle/>
+        <a:p>
+          <a:endParaRPr lang="en-US"/>
+        </a:p>
+      </dgm:t>
+    </dgm:pt>
+    <dgm:pt modelId="{A61947D6-015D-4645-A97F-8547EA996E47}" type="sibTrans" cxnId="{EBFBC574-236A-C742-BA4D-8E337A9A7A18}">
+      <dgm:prSet/>
+      <dgm:spPr/>
+      <dgm:t>
+        <a:bodyPr/>
+        <a:lstStyle/>
+        <a:p>
+          <a:endParaRPr lang="en-US"/>
+        </a:p>
+      </dgm:t>
+    </dgm:pt>
+    <dgm:pt modelId="{1F633B24-9E60-2840-BAF6-1F2EF0A05005}">
+      <dgm:prSet phldrT="[Text]"/>
+      <dgm:spPr/>
+      <dgm:t>
+        <a:bodyPr/>
+        <a:lstStyle/>
+        <a:p>
+          <a:r>
+            <a:rPr lang="en-US" dirty="0" smtClean="0"/>
+            <a:t>EMOTIV</a:t>
+          </a:r>
+          <a:endParaRPr lang="en-US" dirty="0"/>
+        </a:p>
+      </dgm:t>
+    </dgm:pt>
+    <dgm:pt modelId="{FAD4A59E-BB67-C244-B02C-21D904ABE64D}" type="parTrans" cxnId="{378A061E-D6D7-B849-823E-56E0979ABC91}">
+      <dgm:prSet/>
+      <dgm:spPr/>
+      <dgm:t>
+        <a:bodyPr/>
+        <a:lstStyle/>
+        <a:p>
+          <a:endParaRPr lang="en-US"/>
+        </a:p>
+      </dgm:t>
+    </dgm:pt>
+    <dgm:pt modelId="{7FBBD907-88D1-A74D-9253-049A74709A4E}" type="sibTrans" cxnId="{378A061E-D6D7-B849-823E-56E0979ABC91}">
+      <dgm:prSet/>
+      <dgm:spPr/>
+      <dgm:t>
+        <a:bodyPr/>
+        <a:lstStyle/>
+        <a:p>
+          <a:endParaRPr lang="en-US"/>
+        </a:p>
+      </dgm:t>
+    </dgm:pt>
+    <dgm:pt modelId="{A3D0B1EA-B856-6242-A423-5EE369F2DAC0}">
+      <dgm:prSet phldrT="[Text]"/>
+      <dgm:spPr/>
+      <dgm:t>
+        <a:bodyPr/>
+        <a:lstStyle/>
+        <a:p>
+          <a:r>
+            <a:rPr lang="en-US" dirty="0" smtClean="0"/>
+            <a:t>iRobot </a:t>
+          </a:r>
+          <a:endParaRPr lang="en-US" dirty="0"/>
+        </a:p>
+      </dgm:t>
+    </dgm:pt>
+    <dgm:pt modelId="{27876884-484C-864C-A0BB-4DF79959E450}" type="sibTrans" cxnId="{F0433668-541B-604C-8779-83B249335C46}">
+      <dgm:prSet/>
+      <dgm:spPr/>
+      <dgm:t>
+        <a:bodyPr/>
+        <a:lstStyle/>
+        <a:p>
+          <a:endParaRPr lang="en-US"/>
+        </a:p>
+      </dgm:t>
+    </dgm:pt>
+    <dgm:pt modelId="{4A9BBC90-305C-5140-9AC6-16A3B39E61EF}" type="parTrans" cxnId="{F0433668-541B-604C-8779-83B249335C46}">
+      <dgm:prSet/>
+      <dgm:spPr/>
+      <dgm:t>
+        <a:bodyPr/>
+        <a:lstStyle/>
+        <a:p>
+          <a:endParaRPr lang="en-US"/>
+        </a:p>
+      </dgm:t>
+    </dgm:pt>
+    <dgm:pt modelId="{25817188-6F6F-014D-9520-05969BA36CA8}">
+      <dgm:prSet/>
+      <dgm:spPr/>
+      <dgm:t>
+        <a:bodyPr/>
+        <a:lstStyle/>
+        <a:p>
+          <a:r>
+            <a:rPr lang="en-US" dirty="0" smtClean="0"/>
+            <a:t>Speech Recognition and Web APIs</a:t>
+          </a:r>
+          <a:endParaRPr lang="en-US" dirty="0"/>
+        </a:p>
+      </dgm:t>
+    </dgm:pt>
+    <dgm:pt modelId="{E9316381-F654-FA46-A134-B6B0762FAD7E}" type="parTrans" cxnId="{708E4BED-24BB-344C-B744-C30666CBCB11}">
+      <dgm:prSet/>
+      <dgm:spPr/>
+      <dgm:t>
+        <a:bodyPr/>
+        <a:lstStyle/>
+        <a:p>
+          <a:endParaRPr lang="en-US"/>
+        </a:p>
+      </dgm:t>
+    </dgm:pt>
+    <dgm:pt modelId="{226143E9-C2EB-E54F-8255-8755AA8F8570}" type="sibTrans" cxnId="{708E4BED-24BB-344C-B744-C30666CBCB11}">
+      <dgm:prSet/>
+      <dgm:spPr/>
+      <dgm:t>
+        <a:bodyPr/>
+        <a:lstStyle/>
+        <a:p>
+          <a:endParaRPr lang="en-US"/>
+        </a:p>
+      </dgm:t>
+    </dgm:pt>
+    <dgm:pt modelId="{736ED2A4-C45C-BC4F-8BA4-14389BE7FB31}" type="pres">
+      <dgm:prSet presAssocID="{CE1E91F1-2839-0C40-9A8D-A524A922D3E4}" presName="linear" presStyleCnt="0">
+        <dgm:presLayoutVars>
+          <dgm:dir/>
+          <dgm:animLvl val="lvl"/>
+          <dgm:resizeHandles val="exact"/>
+        </dgm:presLayoutVars>
+      </dgm:prSet>
+      <dgm:spPr/>
+    </dgm:pt>
+    <dgm:pt modelId="{62E823C7-051A-B14A-A506-887A9CB9CF07}" type="pres">
+      <dgm:prSet presAssocID="{55DD615F-34EE-3F46-AA25-0B75F070D99E}" presName="parentLin" presStyleCnt="0"/>
+      <dgm:spPr/>
+    </dgm:pt>
+    <dgm:pt modelId="{90DFC6DA-F0CD-F142-9842-E5B690CB777C}" type="pres">
+      <dgm:prSet presAssocID="{55DD615F-34EE-3F46-AA25-0B75F070D99E}" presName="parentLeftMargin" presStyleLbl="node1" presStyleIdx="0" presStyleCnt="4"/>
+      <dgm:spPr/>
+    </dgm:pt>
+    <dgm:pt modelId="{FA93F558-4EE1-164F-A645-A1871FD8A6E3}" type="pres">
+      <dgm:prSet presAssocID="{55DD615F-34EE-3F46-AA25-0B75F070D99E}" presName="parentText" presStyleLbl="node1" presStyleIdx="0" presStyleCnt="4">
+        <dgm:presLayoutVars>
+          <dgm:chMax val="0"/>
+          <dgm:bulletEnabled val="1"/>
+        </dgm:presLayoutVars>
+      </dgm:prSet>
+      <dgm:spPr/>
+      <dgm:t>
+        <a:bodyPr/>
+        <a:lstStyle/>
+        <a:p>
+          <a:endParaRPr lang="en-US"/>
+        </a:p>
+      </dgm:t>
+    </dgm:pt>
+    <dgm:pt modelId="{3C259A1D-2B79-324F-B8A1-4B024C59DED4}" type="pres">
+      <dgm:prSet presAssocID="{55DD615F-34EE-3F46-AA25-0B75F070D99E}" presName="negativeSpace" presStyleCnt="0"/>
+      <dgm:spPr/>
+    </dgm:pt>
+    <dgm:pt modelId="{706B846F-A836-1C40-80E2-09E2EF417962}" type="pres">
+      <dgm:prSet presAssocID="{55DD615F-34EE-3F46-AA25-0B75F070D99E}" presName="childText" presStyleLbl="conFgAcc1" presStyleIdx="0" presStyleCnt="4">
+        <dgm:presLayoutVars>
+          <dgm:bulletEnabled val="1"/>
+        </dgm:presLayoutVars>
+      </dgm:prSet>
+      <dgm:spPr/>
+    </dgm:pt>
+    <dgm:pt modelId="{53AFCAF9-FB26-7642-BED5-0FA68AB0F2EA}" type="pres">
+      <dgm:prSet presAssocID="{A61947D6-015D-4645-A97F-8547EA996E47}" presName="spaceBetweenRectangles" presStyleCnt="0"/>
+      <dgm:spPr/>
+    </dgm:pt>
+    <dgm:pt modelId="{AA27161D-5D98-D448-A374-B6B693F6980A}" type="pres">
+      <dgm:prSet presAssocID="{1F633B24-9E60-2840-BAF6-1F2EF0A05005}" presName="parentLin" presStyleCnt="0"/>
+      <dgm:spPr/>
+    </dgm:pt>
+    <dgm:pt modelId="{3C690C1C-6221-DF4C-AC7B-C98B804840AC}" type="pres">
+      <dgm:prSet presAssocID="{1F633B24-9E60-2840-BAF6-1F2EF0A05005}" presName="parentLeftMargin" presStyleLbl="node1" presStyleIdx="0" presStyleCnt="4"/>
+      <dgm:spPr/>
+    </dgm:pt>
+    <dgm:pt modelId="{DD9A73EE-3E74-4147-87A7-D5D42E5BD946}" type="pres">
+      <dgm:prSet presAssocID="{1F633B24-9E60-2840-BAF6-1F2EF0A05005}" presName="parentText" presStyleLbl="node1" presStyleIdx="1" presStyleCnt="4">
+        <dgm:presLayoutVars>
+          <dgm:chMax val="0"/>
+          <dgm:bulletEnabled val="1"/>
+        </dgm:presLayoutVars>
+      </dgm:prSet>
+      <dgm:spPr/>
+      <dgm:t>
+        <a:bodyPr/>
+        <a:lstStyle/>
+        <a:p>
+          <a:endParaRPr lang="en-US"/>
+        </a:p>
+      </dgm:t>
+    </dgm:pt>
+    <dgm:pt modelId="{1DC42632-4F83-334B-93F4-6A65A02707C5}" type="pres">
+      <dgm:prSet presAssocID="{1F633B24-9E60-2840-BAF6-1F2EF0A05005}" presName="negativeSpace" presStyleCnt="0"/>
+      <dgm:spPr/>
+    </dgm:pt>
+    <dgm:pt modelId="{6E052389-7955-774C-AE5F-46F63F58F32C}" type="pres">
+      <dgm:prSet presAssocID="{1F633B24-9E60-2840-BAF6-1F2EF0A05005}" presName="childText" presStyleLbl="conFgAcc1" presStyleIdx="1" presStyleCnt="4">
+        <dgm:presLayoutVars>
+          <dgm:bulletEnabled val="1"/>
+        </dgm:presLayoutVars>
+      </dgm:prSet>
+      <dgm:spPr/>
+    </dgm:pt>
+    <dgm:pt modelId="{0D2CCF2D-6BAA-964F-900D-442876510399}" type="pres">
+      <dgm:prSet presAssocID="{7FBBD907-88D1-A74D-9253-049A74709A4E}" presName="spaceBetweenRectangles" presStyleCnt="0"/>
+      <dgm:spPr/>
+    </dgm:pt>
+    <dgm:pt modelId="{51FBAE4C-81AB-C045-A4CE-9CAF1F54FA25}" type="pres">
+      <dgm:prSet presAssocID="{A3D0B1EA-B856-6242-A423-5EE369F2DAC0}" presName="parentLin" presStyleCnt="0"/>
+      <dgm:spPr/>
+    </dgm:pt>
+    <dgm:pt modelId="{FA06A813-020F-CD4B-9748-42117992610F}" type="pres">
+      <dgm:prSet presAssocID="{A3D0B1EA-B856-6242-A423-5EE369F2DAC0}" presName="parentLeftMargin" presStyleLbl="node1" presStyleIdx="1" presStyleCnt="4"/>
+      <dgm:spPr/>
+    </dgm:pt>
+    <dgm:pt modelId="{3EBE824C-896F-634A-816A-EC6F971FEA5E}" type="pres">
+      <dgm:prSet presAssocID="{A3D0B1EA-B856-6242-A423-5EE369F2DAC0}" presName="parentText" presStyleLbl="node1" presStyleIdx="2" presStyleCnt="4">
+        <dgm:presLayoutVars>
+          <dgm:chMax val="0"/>
+          <dgm:bulletEnabled val="1"/>
+        </dgm:presLayoutVars>
+      </dgm:prSet>
+      <dgm:spPr/>
+      <dgm:t>
+        <a:bodyPr/>
+        <a:lstStyle/>
+        <a:p>
+          <a:endParaRPr lang="en-US"/>
+        </a:p>
+      </dgm:t>
+    </dgm:pt>
+    <dgm:pt modelId="{3F2EB519-B2D2-B944-AE92-902ED052135D}" type="pres">
+      <dgm:prSet presAssocID="{A3D0B1EA-B856-6242-A423-5EE369F2DAC0}" presName="negativeSpace" presStyleCnt="0"/>
+      <dgm:spPr/>
+    </dgm:pt>
+    <dgm:pt modelId="{99F21C1E-A798-9E4D-8DDE-FB5E4E40396A}" type="pres">
+      <dgm:prSet presAssocID="{A3D0B1EA-B856-6242-A423-5EE369F2DAC0}" presName="childText" presStyleLbl="conFgAcc1" presStyleIdx="2" presStyleCnt="4">
+        <dgm:presLayoutVars>
+          <dgm:bulletEnabled val="1"/>
+        </dgm:presLayoutVars>
+      </dgm:prSet>
+      <dgm:spPr/>
+    </dgm:pt>
+    <dgm:pt modelId="{C9CF226B-DA4F-0B47-9A65-DE15E8AA65AF}" type="pres">
+      <dgm:prSet presAssocID="{27876884-484C-864C-A0BB-4DF79959E450}" presName="spaceBetweenRectangles" presStyleCnt="0"/>
+      <dgm:spPr/>
+    </dgm:pt>
+    <dgm:pt modelId="{47FFC74C-EA9C-054B-922A-A7F1F245681E}" type="pres">
+      <dgm:prSet presAssocID="{25817188-6F6F-014D-9520-05969BA36CA8}" presName="parentLin" presStyleCnt="0"/>
+      <dgm:spPr/>
+    </dgm:pt>
+    <dgm:pt modelId="{D769CBE5-5A80-4240-A924-27E5E26CE757}" type="pres">
+      <dgm:prSet presAssocID="{25817188-6F6F-014D-9520-05969BA36CA8}" presName="parentLeftMargin" presStyleLbl="node1" presStyleIdx="2" presStyleCnt="4"/>
+      <dgm:spPr/>
+    </dgm:pt>
+    <dgm:pt modelId="{33242AD7-DB1B-8043-B119-580377F66446}" type="pres">
+      <dgm:prSet presAssocID="{25817188-6F6F-014D-9520-05969BA36CA8}" presName="parentText" presStyleLbl="node1" presStyleIdx="3" presStyleCnt="4">
+        <dgm:presLayoutVars>
+          <dgm:chMax val="0"/>
+          <dgm:bulletEnabled val="1"/>
+        </dgm:presLayoutVars>
+      </dgm:prSet>
+      <dgm:spPr/>
+      <dgm:t>
+        <a:bodyPr/>
+        <a:lstStyle/>
+        <a:p>
+          <a:endParaRPr lang="en-US"/>
+        </a:p>
+      </dgm:t>
+    </dgm:pt>
+    <dgm:pt modelId="{E6965637-36DF-C148-9857-CF690C051281}" type="pres">
+      <dgm:prSet presAssocID="{25817188-6F6F-014D-9520-05969BA36CA8}" presName="negativeSpace" presStyleCnt="0"/>
+      <dgm:spPr/>
+    </dgm:pt>
+    <dgm:pt modelId="{453AE6EF-3E73-F948-9997-2591A6572512}" type="pres">
+      <dgm:prSet presAssocID="{25817188-6F6F-014D-9520-05969BA36CA8}" presName="childText" presStyleLbl="conFgAcc1" presStyleIdx="3" presStyleCnt="4">
+        <dgm:presLayoutVars>
+          <dgm:bulletEnabled val="1"/>
+        </dgm:presLayoutVars>
+      </dgm:prSet>
+      <dgm:spPr/>
+    </dgm:pt>
+  </dgm:ptLst>
+  <dgm:cxnLst>
+    <dgm:cxn modelId="{378A061E-D6D7-B849-823E-56E0979ABC91}" srcId="{CE1E91F1-2839-0C40-9A8D-A524A922D3E4}" destId="{1F633B24-9E60-2840-BAF6-1F2EF0A05005}" srcOrd="1" destOrd="0" parTransId="{FAD4A59E-BB67-C244-B02C-21D904ABE64D}" sibTransId="{7FBBD907-88D1-A74D-9253-049A74709A4E}"/>
+    <dgm:cxn modelId="{2B395FB4-FBF1-124D-AC9A-9A079544B225}" type="presOf" srcId="{A3D0B1EA-B856-6242-A423-5EE369F2DAC0}" destId="{3EBE824C-896F-634A-816A-EC6F971FEA5E}" srcOrd="1" destOrd="0" presId="urn:microsoft.com/office/officeart/2005/8/layout/list1"/>
+    <dgm:cxn modelId="{D299F437-CE51-5B49-83B4-81802F8C71D0}" type="presOf" srcId="{25817188-6F6F-014D-9520-05969BA36CA8}" destId="{D769CBE5-5A80-4240-A924-27E5E26CE757}" srcOrd="0" destOrd="0" presId="urn:microsoft.com/office/officeart/2005/8/layout/list1"/>
+    <dgm:cxn modelId="{EBFBC574-236A-C742-BA4D-8E337A9A7A18}" srcId="{CE1E91F1-2839-0C40-9A8D-A524A922D3E4}" destId="{55DD615F-34EE-3F46-AA25-0B75F070D99E}" srcOrd="0" destOrd="0" parTransId="{118891D0-FFD7-2549-946A-0CE0BDCD8272}" sibTransId="{A61947D6-015D-4645-A97F-8547EA996E47}"/>
+    <dgm:cxn modelId="{970A8395-9347-0545-8990-D9C2352DA85F}" type="presOf" srcId="{1F633B24-9E60-2840-BAF6-1F2EF0A05005}" destId="{DD9A73EE-3E74-4147-87A7-D5D42E5BD946}" srcOrd="1" destOrd="0" presId="urn:microsoft.com/office/officeart/2005/8/layout/list1"/>
+    <dgm:cxn modelId="{6B7A885C-51C3-034E-BC27-31CFA931A97F}" type="presOf" srcId="{55DD615F-34EE-3F46-AA25-0B75F070D99E}" destId="{FA93F558-4EE1-164F-A645-A1871FD8A6E3}" srcOrd="1" destOrd="0" presId="urn:microsoft.com/office/officeart/2005/8/layout/list1"/>
+    <dgm:cxn modelId="{D4135B37-E846-0041-8AE3-823ED1AF7468}" type="presOf" srcId="{A3D0B1EA-B856-6242-A423-5EE369F2DAC0}" destId="{FA06A813-020F-CD4B-9748-42117992610F}" srcOrd="0" destOrd="0" presId="urn:microsoft.com/office/officeart/2005/8/layout/list1"/>
+    <dgm:cxn modelId="{708E4BED-24BB-344C-B744-C30666CBCB11}" srcId="{CE1E91F1-2839-0C40-9A8D-A524A922D3E4}" destId="{25817188-6F6F-014D-9520-05969BA36CA8}" srcOrd="3" destOrd="0" parTransId="{E9316381-F654-FA46-A134-B6B0762FAD7E}" sibTransId="{226143E9-C2EB-E54F-8255-8755AA8F8570}"/>
+    <dgm:cxn modelId="{F0433668-541B-604C-8779-83B249335C46}" srcId="{CE1E91F1-2839-0C40-9A8D-A524A922D3E4}" destId="{A3D0B1EA-B856-6242-A423-5EE369F2DAC0}" srcOrd="2" destOrd="0" parTransId="{4A9BBC90-305C-5140-9AC6-16A3B39E61EF}" sibTransId="{27876884-484C-864C-A0BB-4DF79959E450}"/>
+    <dgm:cxn modelId="{6782D368-90BD-E348-BF24-754367134AA4}" type="presOf" srcId="{1F633B24-9E60-2840-BAF6-1F2EF0A05005}" destId="{3C690C1C-6221-DF4C-AC7B-C98B804840AC}" srcOrd="0" destOrd="0" presId="urn:microsoft.com/office/officeart/2005/8/layout/list1"/>
+    <dgm:cxn modelId="{5B0F6DB2-B15C-D148-98D7-39D9A6C2610A}" type="presOf" srcId="{25817188-6F6F-014D-9520-05969BA36CA8}" destId="{33242AD7-DB1B-8043-B119-580377F66446}" srcOrd="1" destOrd="0" presId="urn:microsoft.com/office/officeart/2005/8/layout/list1"/>
+    <dgm:cxn modelId="{93AAF193-129B-5E48-84AC-88E8BC48819F}" type="presOf" srcId="{55DD615F-34EE-3F46-AA25-0B75F070D99E}" destId="{90DFC6DA-F0CD-F142-9842-E5B690CB777C}" srcOrd="0" destOrd="0" presId="urn:microsoft.com/office/officeart/2005/8/layout/list1"/>
+    <dgm:cxn modelId="{9D558059-8165-9D40-B857-82C051E1395F}" type="presOf" srcId="{CE1E91F1-2839-0C40-9A8D-A524A922D3E4}" destId="{736ED2A4-C45C-BC4F-8BA4-14389BE7FB31}" srcOrd="0" destOrd="0" presId="urn:microsoft.com/office/officeart/2005/8/layout/list1"/>
+    <dgm:cxn modelId="{37341422-B849-924B-A377-981829679AE8}" type="presParOf" srcId="{736ED2A4-C45C-BC4F-8BA4-14389BE7FB31}" destId="{62E823C7-051A-B14A-A506-887A9CB9CF07}" srcOrd="0" destOrd="0" presId="urn:microsoft.com/office/officeart/2005/8/layout/list1"/>
+    <dgm:cxn modelId="{63AEDC92-6490-FF46-833F-B98AC3A8D39D}" type="presParOf" srcId="{62E823C7-051A-B14A-A506-887A9CB9CF07}" destId="{90DFC6DA-F0CD-F142-9842-E5B690CB777C}" srcOrd="0" destOrd="0" presId="urn:microsoft.com/office/officeart/2005/8/layout/list1"/>
+    <dgm:cxn modelId="{DEA4ABAE-EED2-FF4D-AD18-1063323AE627}" type="presParOf" srcId="{62E823C7-051A-B14A-A506-887A9CB9CF07}" destId="{FA93F558-4EE1-164F-A645-A1871FD8A6E3}" srcOrd="1" destOrd="0" presId="urn:microsoft.com/office/officeart/2005/8/layout/list1"/>
+    <dgm:cxn modelId="{83CF1866-799C-CF4B-9AD3-E5A115DD37A3}" type="presParOf" srcId="{736ED2A4-C45C-BC4F-8BA4-14389BE7FB31}" destId="{3C259A1D-2B79-324F-B8A1-4B024C59DED4}" srcOrd="1" destOrd="0" presId="urn:microsoft.com/office/officeart/2005/8/layout/list1"/>
+    <dgm:cxn modelId="{0C1B0CB9-D140-274D-9E2A-1134E8CEC0BF}" type="presParOf" srcId="{736ED2A4-C45C-BC4F-8BA4-14389BE7FB31}" destId="{706B846F-A836-1C40-80E2-09E2EF417962}" srcOrd="2" destOrd="0" presId="urn:microsoft.com/office/officeart/2005/8/layout/list1"/>
+    <dgm:cxn modelId="{4238C185-E584-854C-BA1C-05306B318563}" type="presParOf" srcId="{736ED2A4-C45C-BC4F-8BA4-14389BE7FB31}" destId="{53AFCAF9-FB26-7642-BED5-0FA68AB0F2EA}" srcOrd="3" destOrd="0" presId="urn:microsoft.com/office/officeart/2005/8/layout/list1"/>
+    <dgm:cxn modelId="{1EA66593-1146-4242-A90C-2544413DA8CF}" type="presParOf" srcId="{736ED2A4-C45C-BC4F-8BA4-14389BE7FB31}" destId="{AA27161D-5D98-D448-A374-B6B693F6980A}" srcOrd="4" destOrd="0" presId="urn:microsoft.com/office/officeart/2005/8/layout/list1"/>
+    <dgm:cxn modelId="{B6F655E0-86C8-4B43-9465-3C8A0B08772A}" type="presParOf" srcId="{AA27161D-5D98-D448-A374-B6B693F6980A}" destId="{3C690C1C-6221-DF4C-AC7B-C98B804840AC}" srcOrd="0" destOrd="0" presId="urn:microsoft.com/office/officeart/2005/8/layout/list1"/>
+    <dgm:cxn modelId="{C438992C-574A-A14A-AD31-D396274CDEEF}" type="presParOf" srcId="{AA27161D-5D98-D448-A374-B6B693F6980A}" destId="{DD9A73EE-3E74-4147-87A7-D5D42E5BD946}" srcOrd="1" destOrd="0" presId="urn:microsoft.com/office/officeart/2005/8/layout/list1"/>
+    <dgm:cxn modelId="{2DAD2245-3C07-5249-BC56-7F15301682F6}" type="presParOf" srcId="{736ED2A4-C45C-BC4F-8BA4-14389BE7FB31}" destId="{1DC42632-4F83-334B-93F4-6A65A02707C5}" srcOrd="5" destOrd="0" presId="urn:microsoft.com/office/officeart/2005/8/layout/list1"/>
+    <dgm:cxn modelId="{0B567BF6-40B0-DB43-9824-165CC1ECD7FC}" type="presParOf" srcId="{736ED2A4-C45C-BC4F-8BA4-14389BE7FB31}" destId="{6E052389-7955-774C-AE5F-46F63F58F32C}" srcOrd="6" destOrd="0" presId="urn:microsoft.com/office/officeart/2005/8/layout/list1"/>
+    <dgm:cxn modelId="{978A8E1A-9212-DE42-91D4-03F2B7A5176E}" type="presParOf" srcId="{736ED2A4-C45C-BC4F-8BA4-14389BE7FB31}" destId="{0D2CCF2D-6BAA-964F-900D-442876510399}" srcOrd="7" destOrd="0" presId="urn:microsoft.com/office/officeart/2005/8/layout/list1"/>
+    <dgm:cxn modelId="{096A8CD2-2C7B-2448-A298-889CD1617C04}" type="presParOf" srcId="{736ED2A4-C45C-BC4F-8BA4-14389BE7FB31}" destId="{51FBAE4C-81AB-C045-A4CE-9CAF1F54FA25}" srcOrd="8" destOrd="0" presId="urn:microsoft.com/office/officeart/2005/8/layout/list1"/>
+    <dgm:cxn modelId="{FF5B44CF-4B06-8D47-9FA8-C4A5E876C2C5}" type="presParOf" srcId="{51FBAE4C-81AB-C045-A4CE-9CAF1F54FA25}" destId="{FA06A813-020F-CD4B-9748-42117992610F}" srcOrd="0" destOrd="0" presId="urn:microsoft.com/office/officeart/2005/8/layout/list1"/>
+    <dgm:cxn modelId="{ED9470A9-D34D-9F42-A546-696EA3402749}" type="presParOf" srcId="{51FBAE4C-81AB-C045-A4CE-9CAF1F54FA25}" destId="{3EBE824C-896F-634A-816A-EC6F971FEA5E}" srcOrd="1" destOrd="0" presId="urn:microsoft.com/office/officeart/2005/8/layout/list1"/>
+    <dgm:cxn modelId="{5FD4E89B-01DE-3D46-A56F-ED94E52A79BC}" type="presParOf" srcId="{736ED2A4-C45C-BC4F-8BA4-14389BE7FB31}" destId="{3F2EB519-B2D2-B944-AE92-902ED052135D}" srcOrd="9" destOrd="0" presId="urn:microsoft.com/office/officeart/2005/8/layout/list1"/>
+    <dgm:cxn modelId="{B339FE6B-144A-D141-A5F3-29ABD6BE8C16}" type="presParOf" srcId="{736ED2A4-C45C-BC4F-8BA4-14389BE7FB31}" destId="{99F21C1E-A798-9E4D-8DDE-FB5E4E40396A}" srcOrd="10" destOrd="0" presId="urn:microsoft.com/office/officeart/2005/8/layout/list1"/>
+    <dgm:cxn modelId="{3857EE66-5E7C-AB48-83EF-E86C5FAE64A0}" type="presParOf" srcId="{736ED2A4-C45C-BC4F-8BA4-14389BE7FB31}" destId="{C9CF226B-DA4F-0B47-9A65-DE15E8AA65AF}" srcOrd="11" destOrd="0" presId="urn:microsoft.com/office/officeart/2005/8/layout/list1"/>
+    <dgm:cxn modelId="{BAE66C76-7D1F-F749-8400-8FF675BCE4E4}" type="presParOf" srcId="{736ED2A4-C45C-BC4F-8BA4-14389BE7FB31}" destId="{47FFC74C-EA9C-054B-922A-A7F1F245681E}" srcOrd="12" destOrd="0" presId="urn:microsoft.com/office/officeart/2005/8/layout/list1"/>
+    <dgm:cxn modelId="{ED6E2E3E-404F-224C-8B51-89F7804B0C86}" type="presParOf" srcId="{47FFC74C-EA9C-054B-922A-A7F1F245681E}" destId="{D769CBE5-5A80-4240-A924-27E5E26CE757}" srcOrd="0" destOrd="0" presId="urn:microsoft.com/office/officeart/2005/8/layout/list1"/>
+    <dgm:cxn modelId="{88494980-3A68-884E-AF75-D02CDB2371C8}" type="presParOf" srcId="{47FFC74C-EA9C-054B-922A-A7F1F245681E}" destId="{33242AD7-DB1B-8043-B119-580377F66446}" srcOrd="1" destOrd="0" presId="urn:microsoft.com/office/officeart/2005/8/layout/list1"/>
+    <dgm:cxn modelId="{81419F9F-4B4B-A24C-8992-0BAB793DDC39}" type="presParOf" srcId="{736ED2A4-C45C-BC4F-8BA4-14389BE7FB31}" destId="{E6965637-36DF-C148-9857-CF690C051281}" srcOrd="13" destOrd="0" presId="urn:microsoft.com/office/officeart/2005/8/layout/list1"/>
+    <dgm:cxn modelId="{97708433-1C69-584C-AFF6-E50512C0F78D}" type="presParOf" srcId="{736ED2A4-C45C-BC4F-8BA4-14389BE7FB31}" destId="{453AE6EF-3E73-F948-9997-2591A6572512}" srcOrd="14" destOrd="0" presId="urn:microsoft.com/office/officeart/2005/8/layout/list1"/>
+  </dgm:cxnLst>
+  <dgm:bg/>
+  <dgm:whole/>
+  <dgm:extLst>
+    <a:ext uri="http://schemas.microsoft.com/office/drawing/2008/diagram">
+      <dsp:dataModelExt xmlns:dsp="http://schemas.microsoft.com/office/drawing/2008/diagram" relId="rId6" minVer="http://schemas.openxmlformats.org/drawingml/2006/diagram"/>
+    </a:ext>
+  </dgm:extLst>
+</dgm:dataModel>
+</file>
+
+<file path=ppt/diagrams/drawing1.xml><?xml version="1.0" encoding="utf-8"?>
+<dsp:drawing xmlns:dgm="http://schemas.openxmlformats.org/drawingml/2006/diagram" xmlns:dsp="http://schemas.microsoft.com/office/drawing/2008/diagram" xmlns:a="http://schemas.openxmlformats.org/drawingml/2006/main">
+  <dsp:spTree>
+    <dsp:nvGrpSpPr>
+      <dsp:cNvPr id="0" name=""/>
+      <dsp:cNvGrpSpPr/>
+    </dsp:nvGrpSpPr>
+    <dsp:grpSpPr/>
+    <dsp:sp modelId="{706B846F-A836-1C40-80E2-09E2EF417962}">
+      <dsp:nvSpPr>
+        <dsp:cNvPr id="0" name=""/>
+        <dsp:cNvSpPr/>
+      </dsp:nvSpPr>
+      <dsp:spPr>
+        <a:xfrm>
+          <a:off x="0" y="732401"/>
+          <a:ext cx="7886700" cy="705600"/>
+        </a:xfrm>
+        <a:prstGeom prst="rect">
+          <a:avLst/>
+        </a:prstGeom>
+        <a:solidFill>
+          <a:schemeClr val="lt1">
+            <a:alpha val="90000"/>
+            <a:hueOff val="0"/>
+            <a:satOff val="0"/>
+            <a:lumOff val="0"/>
+            <a:alphaOff val="0"/>
+          </a:schemeClr>
+        </a:solidFill>
+        <a:ln w="6350" cap="flat" cmpd="sng" algn="ctr">
+          <a:solidFill>
+            <a:schemeClr val="accent3">
+              <a:shade val="80000"/>
+              <a:hueOff val="0"/>
+              <a:satOff val="0"/>
+              <a:lumOff val="0"/>
+              <a:alphaOff val="0"/>
+            </a:schemeClr>
+          </a:solidFill>
+          <a:prstDash val="solid"/>
+          <a:miter lim="800000"/>
+        </a:ln>
+        <a:effectLst/>
+      </dsp:spPr>
+      <dsp:style>
+        <a:lnRef idx="1">
+          <a:scrgbClr r="0" g="0" b="0"/>
+        </a:lnRef>
+        <a:fillRef idx="1">
+          <a:scrgbClr r="0" g="0" b="0"/>
+        </a:fillRef>
+        <a:effectRef idx="0">
+          <a:scrgbClr r="0" g="0" b="0"/>
+        </a:effectRef>
+        <a:fontRef idx="minor"/>
+      </dsp:style>
+    </dsp:sp>
+    <dsp:sp modelId="{FA93F558-4EE1-164F-A645-A1871FD8A6E3}">
+      <dsp:nvSpPr>
+        <dsp:cNvPr id="0" name=""/>
+        <dsp:cNvSpPr/>
+      </dsp:nvSpPr>
+      <dsp:spPr>
+        <a:xfrm>
+          <a:off x="394335" y="319121"/>
+          <a:ext cx="5520690" cy="826560"/>
+        </a:xfrm>
+        <a:prstGeom prst="roundRect">
+          <a:avLst/>
+        </a:prstGeom>
+        <a:gradFill rotWithShape="0">
+          <a:gsLst>
+            <a:gs pos="0">
+              <a:schemeClr val="accent3">
+                <a:shade val="80000"/>
+                <a:hueOff val="0"/>
+                <a:satOff val="0"/>
+                <a:lumOff val="0"/>
+                <a:alphaOff val="0"/>
+                <a:satMod val="103000"/>
+                <a:lumMod val="102000"/>
+                <a:tint val="94000"/>
+              </a:schemeClr>
+            </a:gs>
+            <a:gs pos="50000">
+              <a:schemeClr val="accent3">
+                <a:shade val="80000"/>
+                <a:hueOff val="0"/>
+                <a:satOff val="0"/>
+                <a:lumOff val="0"/>
+                <a:alphaOff val="0"/>
+                <a:satMod val="110000"/>
+                <a:lumMod val="100000"/>
+                <a:shade val="100000"/>
+              </a:schemeClr>
+            </a:gs>
+            <a:gs pos="100000">
+              <a:schemeClr val="accent3">
+                <a:shade val="80000"/>
+                <a:hueOff val="0"/>
+                <a:satOff val="0"/>
+                <a:lumOff val="0"/>
+                <a:alphaOff val="0"/>
+                <a:lumMod val="99000"/>
+                <a:satMod val="120000"/>
+                <a:shade val="78000"/>
+              </a:schemeClr>
+            </a:gs>
+          </a:gsLst>
+          <a:lin ang="5400000" scaled="0"/>
+        </a:gradFill>
+        <a:ln>
+          <a:noFill/>
+        </a:ln>
+        <a:effectLst/>
+      </dsp:spPr>
+      <dsp:style>
+        <a:lnRef idx="0">
+          <a:scrgbClr r="0" g="0" b="0"/>
+        </a:lnRef>
+        <a:fillRef idx="3">
+          <a:scrgbClr r="0" g="0" b="0"/>
+        </a:fillRef>
+        <a:effectRef idx="2">
+          <a:scrgbClr r="0" g="0" b="0"/>
+        </a:effectRef>
+        <a:fontRef idx="minor">
+          <a:schemeClr val="lt1"/>
+        </a:fontRef>
+      </dsp:style>
+      <dsp:txBody>
+        <a:bodyPr spcFirstLastPara="0" vert="horz" wrap="square" lIns="208669" tIns="0" rIns="208669" bIns="0" numCol="1" spcCol="1270" anchor="ctr" anchorCtr="0">
+          <a:noAutofit/>
+        </a:bodyPr>
+        <a:lstStyle/>
+        <a:p>
+          <a:pPr lvl="0" algn="l" defTabSz="1244600">
+            <a:lnSpc>
+              <a:spcPct val="90000"/>
+            </a:lnSpc>
+            <a:spcBef>
+              <a:spcPct val="0"/>
+            </a:spcBef>
+            <a:spcAft>
+              <a:spcPct val="35000"/>
+            </a:spcAft>
+          </a:pPr>
+          <a:r>
+            <a:rPr lang="en-US" sz="2800" kern="1200" dirty="0" smtClean="0"/>
+            <a:t>Backbone</a:t>
+          </a:r>
+          <a:endParaRPr lang="en-US" sz="2800" kern="1200" dirty="0"/>
+        </a:p>
+      </dsp:txBody>
+      <dsp:txXfrm>
+        <a:off x="434684" y="359470"/>
+        <a:ext cx="5439992" cy="745862"/>
+      </dsp:txXfrm>
+    </dsp:sp>
+    <dsp:sp modelId="{6E052389-7955-774C-AE5F-46F63F58F32C}">
+      <dsp:nvSpPr>
+        <dsp:cNvPr id="0" name=""/>
+        <dsp:cNvSpPr/>
+      </dsp:nvSpPr>
+      <dsp:spPr>
+        <a:xfrm>
+          <a:off x="0" y="2002481"/>
+          <a:ext cx="7886700" cy="705600"/>
+        </a:xfrm>
+        <a:prstGeom prst="rect">
+          <a:avLst/>
+        </a:prstGeom>
+        <a:solidFill>
+          <a:schemeClr val="lt1">
+            <a:alpha val="90000"/>
+            <a:hueOff val="0"/>
+            <a:satOff val="0"/>
+            <a:lumOff val="0"/>
+            <a:alphaOff val="0"/>
+          </a:schemeClr>
+        </a:solidFill>
+        <a:ln w="6350" cap="flat" cmpd="sng" algn="ctr">
+          <a:solidFill>
+            <a:schemeClr val="accent3">
+              <a:shade val="80000"/>
+              <a:hueOff val="88430"/>
+              <a:satOff val="-2770"/>
+              <a:lumOff val="9305"/>
+              <a:alphaOff val="0"/>
+            </a:schemeClr>
+          </a:solidFill>
+          <a:prstDash val="solid"/>
+          <a:miter lim="800000"/>
+        </a:ln>
+        <a:effectLst/>
+      </dsp:spPr>
+      <dsp:style>
+        <a:lnRef idx="1">
+          <a:scrgbClr r="0" g="0" b="0"/>
+        </a:lnRef>
+        <a:fillRef idx="1">
+          <a:scrgbClr r="0" g="0" b="0"/>
+        </a:fillRef>
+        <a:effectRef idx="0">
+          <a:scrgbClr r="0" g="0" b="0"/>
+        </a:effectRef>
+        <a:fontRef idx="minor"/>
+      </dsp:style>
+    </dsp:sp>
+    <dsp:sp modelId="{DD9A73EE-3E74-4147-87A7-D5D42E5BD946}">
+      <dsp:nvSpPr>
+        <dsp:cNvPr id="0" name=""/>
+        <dsp:cNvSpPr/>
+      </dsp:nvSpPr>
+      <dsp:spPr>
+        <a:xfrm>
+          <a:off x="394335" y="1589201"/>
+          <a:ext cx="5520690" cy="826560"/>
+        </a:xfrm>
+        <a:prstGeom prst="roundRect">
+          <a:avLst/>
+        </a:prstGeom>
+        <a:gradFill rotWithShape="0">
+          <a:gsLst>
+            <a:gs pos="0">
+              <a:schemeClr val="accent3">
+                <a:shade val="80000"/>
+                <a:hueOff val="88430"/>
+                <a:satOff val="-2770"/>
+                <a:lumOff val="9305"/>
+                <a:alphaOff val="0"/>
+                <a:satMod val="103000"/>
+                <a:lumMod val="102000"/>
+                <a:tint val="94000"/>
+              </a:schemeClr>
+            </a:gs>
+            <a:gs pos="50000">
+              <a:schemeClr val="accent3">
+                <a:shade val="80000"/>
+                <a:hueOff val="88430"/>
+                <a:satOff val="-2770"/>
+                <a:lumOff val="9305"/>
+                <a:alphaOff val="0"/>
+                <a:satMod val="110000"/>
+                <a:lumMod val="100000"/>
+                <a:shade val="100000"/>
+              </a:schemeClr>
+            </a:gs>
+            <a:gs pos="100000">
+              <a:schemeClr val="accent3">
+                <a:shade val="80000"/>
+                <a:hueOff val="88430"/>
+                <a:satOff val="-2770"/>
+                <a:lumOff val="9305"/>
+                <a:alphaOff val="0"/>
+                <a:lumMod val="99000"/>
+                <a:satMod val="120000"/>
+                <a:shade val="78000"/>
+              </a:schemeClr>
+            </a:gs>
+          </a:gsLst>
+          <a:lin ang="5400000" scaled="0"/>
+        </a:gradFill>
+        <a:ln>
+          <a:noFill/>
+        </a:ln>
+        <a:effectLst/>
+      </dsp:spPr>
+      <dsp:style>
+        <a:lnRef idx="0">
+          <a:scrgbClr r="0" g="0" b="0"/>
+        </a:lnRef>
+        <a:fillRef idx="3">
+          <a:scrgbClr r="0" g="0" b="0"/>
+        </a:fillRef>
+        <a:effectRef idx="2">
+          <a:scrgbClr r="0" g="0" b="0"/>
+        </a:effectRef>
+        <a:fontRef idx="minor">
+          <a:schemeClr val="lt1"/>
+        </a:fontRef>
+      </dsp:style>
+      <dsp:txBody>
+        <a:bodyPr spcFirstLastPara="0" vert="horz" wrap="square" lIns="208669" tIns="0" rIns="208669" bIns="0" numCol="1" spcCol="1270" anchor="ctr" anchorCtr="0">
+          <a:noAutofit/>
+        </a:bodyPr>
+        <a:lstStyle/>
+        <a:p>
+          <a:pPr lvl="0" algn="l" defTabSz="1244600">
+            <a:lnSpc>
+              <a:spcPct val="90000"/>
+            </a:lnSpc>
+            <a:spcBef>
+              <a:spcPct val="0"/>
+            </a:spcBef>
+            <a:spcAft>
+              <a:spcPct val="35000"/>
+            </a:spcAft>
+          </a:pPr>
+          <a:r>
+            <a:rPr lang="en-US" sz="2800" kern="1200" dirty="0" smtClean="0"/>
+            <a:t>EMOTIV</a:t>
+          </a:r>
+          <a:endParaRPr lang="en-US" sz="2800" kern="1200" dirty="0"/>
+        </a:p>
+      </dsp:txBody>
+      <dsp:txXfrm>
+        <a:off x="434684" y="1629550"/>
+        <a:ext cx="5439992" cy="745862"/>
+      </dsp:txXfrm>
+    </dsp:sp>
+    <dsp:sp modelId="{99F21C1E-A798-9E4D-8DDE-FB5E4E40396A}">
+      <dsp:nvSpPr>
+        <dsp:cNvPr id="0" name=""/>
+        <dsp:cNvSpPr/>
+      </dsp:nvSpPr>
+      <dsp:spPr>
+        <a:xfrm>
+          <a:off x="0" y="3272561"/>
+          <a:ext cx="7886700" cy="705600"/>
+        </a:xfrm>
+        <a:prstGeom prst="rect">
+          <a:avLst/>
+        </a:prstGeom>
+        <a:solidFill>
+          <a:schemeClr val="lt1">
+            <a:alpha val="90000"/>
+            <a:hueOff val="0"/>
+            <a:satOff val="0"/>
+            <a:lumOff val="0"/>
+            <a:alphaOff val="0"/>
+          </a:schemeClr>
+        </a:solidFill>
+        <a:ln w="6350" cap="flat" cmpd="sng" algn="ctr">
+          <a:solidFill>
+            <a:schemeClr val="accent3">
+              <a:shade val="80000"/>
+              <a:hueOff val="176861"/>
+              <a:satOff val="-5540"/>
+              <a:lumOff val="18610"/>
+              <a:alphaOff val="0"/>
+            </a:schemeClr>
+          </a:solidFill>
+          <a:prstDash val="solid"/>
+          <a:miter lim="800000"/>
+        </a:ln>
+        <a:effectLst/>
+      </dsp:spPr>
+      <dsp:style>
+        <a:lnRef idx="1">
+          <a:scrgbClr r="0" g="0" b="0"/>
+        </a:lnRef>
+        <a:fillRef idx="1">
+          <a:scrgbClr r="0" g="0" b="0"/>
+        </a:fillRef>
+        <a:effectRef idx="0">
+          <a:scrgbClr r="0" g="0" b="0"/>
+        </a:effectRef>
+        <a:fontRef idx="minor"/>
+      </dsp:style>
+    </dsp:sp>
+    <dsp:sp modelId="{3EBE824C-896F-634A-816A-EC6F971FEA5E}">
+      <dsp:nvSpPr>
+        <dsp:cNvPr id="0" name=""/>
+        <dsp:cNvSpPr/>
+      </dsp:nvSpPr>
+      <dsp:spPr>
+        <a:xfrm>
+          <a:off x="394335" y="2859281"/>
+          <a:ext cx="5520690" cy="826560"/>
+        </a:xfrm>
+        <a:prstGeom prst="roundRect">
+          <a:avLst/>
+        </a:prstGeom>
+        <a:gradFill rotWithShape="0">
+          <a:gsLst>
+            <a:gs pos="0">
+              <a:schemeClr val="accent3">
+                <a:shade val="80000"/>
+                <a:hueOff val="176861"/>
+                <a:satOff val="-5540"/>
+                <a:lumOff val="18610"/>
+                <a:alphaOff val="0"/>
+                <a:satMod val="103000"/>
+                <a:lumMod val="102000"/>
+                <a:tint val="94000"/>
+              </a:schemeClr>
+            </a:gs>
+            <a:gs pos="50000">
+              <a:schemeClr val="accent3">
+                <a:shade val="80000"/>
+                <a:hueOff val="176861"/>
+                <a:satOff val="-5540"/>
+                <a:lumOff val="18610"/>
+                <a:alphaOff val="0"/>
+                <a:satMod val="110000"/>
+                <a:lumMod val="100000"/>
+                <a:shade val="100000"/>
+              </a:schemeClr>
+            </a:gs>
+            <a:gs pos="100000">
+              <a:schemeClr val="accent3">
+                <a:shade val="80000"/>
+                <a:hueOff val="176861"/>
+                <a:satOff val="-5540"/>
+                <a:lumOff val="18610"/>
+                <a:alphaOff val="0"/>
+                <a:lumMod val="99000"/>
+                <a:satMod val="120000"/>
+                <a:shade val="78000"/>
+              </a:schemeClr>
+            </a:gs>
+          </a:gsLst>
+          <a:lin ang="5400000" scaled="0"/>
+        </a:gradFill>
+        <a:ln>
+          <a:noFill/>
+        </a:ln>
+        <a:effectLst/>
+      </dsp:spPr>
+      <dsp:style>
+        <a:lnRef idx="0">
+          <a:scrgbClr r="0" g="0" b="0"/>
+        </a:lnRef>
+        <a:fillRef idx="3">
+          <a:scrgbClr r="0" g="0" b="0"/>
+        </a:fillRef>
+        <a:effectRef idx="2">
+          <a:scrgbClr r="0" g="0" b="0"/>
+        </a:effectRef>
+        <a:fontRef idx="minor">
+          <a:schemeClr val="lt1"/>
+        </a:fontRef>
+      </dsp:style>
+      <dsp:txBody>
+        <a:bodyPr spcFirstLastPara="0" vert="horz" wrap="square" lIns="208669" tIns="0" rIns="208669" bIns="0" numCol="1" spcCol="1270" anchor="ctr" anchorCtr="0">
+          <a:noAutofit/>
+        </a:bodyPr>
+        <a:lstStyle/>
+        <a:p>
+          <a:pPr lvl="0" algn="l" defTabSz="1244600">
+            <a:lnSpc>
+              <a:spcPct val="90000"/>
+            </a:lnSpc>
+            <a:spcBef>
+              <a:spcPct val="0"/>
+            </a:spcBef>
+            <a:spcAft>
+              <a:spcPct val="35000"/>
+            </a:spcAft>
+          </a:pPr>
+          <a:r>
+            <a:rPr lang="en-US" sz="2800" kern="1200" dirty="0" smtClean="0"/>
+            <a:t>iRobot </a:t>
+          </a:r>
+          <a:endParaRPr lang="en-US" sz="2800" kern="1200" dirty="0"/>
+        </a:p>
+      </dsp:txBody>
+      <dsp:txXfrm>
+        <a:off x="434684" y="2899630"/>
+        <a:ext cx="5439992" cy="745862"/>
+      </dsp:txXfrm>
+    </dsp:sp>
+    <dsp:sp modelId="{453AE6EF-3E73-F948-9997-2591A6572512}">
+      <dsp:nvSpPr>
+        <dsp:cNvPr id="0" name=""/>
+        <dsp:cNvSpPr/>
+      </dsp:nvSpPr>
+      <dsp:spPr>
+        <a:xfrm>
+          <a:off x="0" y="4542641"/>
+          <a:ext cx="7886700" cy="705600"/>
+        </a:xfrm>
+        <a:prstGeom prst="rect">
+          <a:avLst/>
+        </a:prstGeom>
+        <a:solidFill>
+          <a:schemeClr val="lt1">
+            <a:alpha val="90000"/>
+            <a:hueOff val="0"/>
+            <a:satOff val="0"/>
+            <a:lumOff val="0"/>
+            <a:alphaOff val="0"/>
+          </a:schemeClr>
+        </a:solidFill>
+        <a:ln w="6350" cap="flat" cmpd="sng" algn="ctr">
+          <a:solidFill>
+            <a:schemeClr val="accent3">
+              <a:shade val="80000"/>
+              <a:hueOff val="265291"/>
+              <a:satOff val="-8310"/>
+              <a:lumOff val="27915"/>
+              <a:alphaOff val="0"/>
+            </a:schemeClr>
+          </a:solidFill>
+          <a:prstDash val="solid"/>
+          <a:miter lim="800000"/>
+        </a:ln>
+        <a:effectLst/>
+      </dsp:spPr>
+      <dsp:style>
+        <a:lnRef idx="1">
+          <a:scrgbClr r="0" g="0" b="0"/>
+        </a:lnRef>
+        <a:fillRef idx="1">
+          <a:scrgbClr r="0" g="0" b="0"/>
+        </a:fillRef>
+        <a:effectRef idx="0">
+          <a:scrgbClr r="0" g="0" b="0"/>
+        </a:effectRef>
+        <a:fontRef idx="minor"/>
+      </dsp:style>
+    </dsp:sp>
+    <dsp:sp modelId="{33242AD7-DB1B-8043-B119-580377F66446}">
+      <dsp:nvSpPr>
+        <dsp:cNvPr id="0" name=""/>
+        <dsp:cNvSpPr/>
+      </dsp:nvSpPr>
+      <dsp:spPr>
+        <a:xfrm>
+          <a:off x="394335" y="4129361"/>
+          <a:ext cx="5520690" cy="826560"/>
+        </a:xfrm>
+        <a:prstGeom prst="roundRect">
+          <a:avLst/>
+        </a:prstGeom>
+        <a:gradFill rotWithShape="0">
+          <a:gsLst>
+            <a:gs pos="0">
+              <a:schemeClr val="accent3">
+                <a:shade val="80000"/>
+                <a:hueOff val="265291"/>
+                <a:satOff val="-8310"/>
+                <a:lumOff val="27915"/>
+                <a:alphaOff val="0"/>
+                <a:satMod val="103000"/>
+                <a:lumMod val="102000"/>
+                <a:tint val="94000"/>
+              </a:schemeClr>
+            </a:gs>
+            <a:gs pos="50000">
+              <a:schemeClr val="accent3">
+                <a:shade val="80000"/>
+                <a:hueOff val="265291"/>
+                <a:satOff val="-8310"/>
+                <a:lumOff val="27915"/>
+                <a:alphaOff val="0"/>
+                <a:satMod val="110000"/>
+                <a:lumMod val="100000"/>
+                <a:shade val="100000"/>
+              </a:schemeClr>
+            </a:gs>
+            <a:gs pos="100000">
+              <a:schemeClr val="accent3">
+                <a:shade val="80000"/>
+                <a:hueOff val="265291"/>
+                <a:satOff val="-8310"/>
+                <a:lumOff val="27915"/>
+                <a:alphaOff val="0"/>
+                <a:lumMod val="99000"/>
+                <a:satMod val="120000"/>
+                <a:shade val="78000"/>
+              </a:schemeClr>
+            </a:gs>
+          </a:gsLst>
+          <a:lin ang="5400000" scaled="0"/>
+        </a:gradFill>
+        <a:ln>
+          <a:noFill/>
+        </a:ln>
+        <a:effectLst/>
+      </dsp:spPr>
+      <dsp:style>
+        <a:lnRef idx="0">
+          <a:scrgbClr r="0" g="0" b="0"/>
+        </a:lnRef>
+        <a:fillRef idx="3">
+          <a:scrgbClr r="0" g="0" b="0"/>
+        </a:fillRef>
+        <a:effectRef idx="2">
+          <a:scrgbClr r="0" g="0" b="0"/>
+        </a:effectRef>
+        <a:fontRef idx="minor">
+          <a:schemeClr val="lt1"/>
+        </a:fontRef>
+      </dsp:style>
+      <dsp:txBody>
+        <a:bodyPr spcFirstLastPara="0" vert="horz" wrap="square" lIns="208669" tIns="0" rIns="208669" bIns="0" numCol="1" spcCol="1270" anchor="ctr" anchorCtr="0">
+          <a:noAutofit/>
+        </a:bodyPr>
+        <a:lstStyle/>
+        <a:p>
+          <a:pPr lvl="0" algn="l" defTabSz="1244600">
+            <a:lnSpc>
+              <a:spcPct val="90000"/>
+            </a:lnSpc>
+            <a:spcBef>
+              <a:spcPct val="0"/>
+            </a:spcBef>
+            <a:spcAft>
+              <a:spcPct val="35000"/>
+            </a:spcAft>
+          </a:pPr>
+          <a:r>
+            <a:rPr lang="en-US" sz="2800" kern="1200" dirty="0" smtClean="0"/>
+            <a:t>Speech Recognition and Web APIs</a:t>
+          </a:r>
+          <a:endParaRPr lang="en-US" sz="2800" kern="1200" dirty="0"/>
+        </a:p>
+      </dsp:txBody>
+      <dsp:txXfrm>
+        <a:off x="434684" y="4169710"/>
+        <a:ext cx="5439992" cy="745862"/>
+      </dsp:txXfrm>
+    </dsp:sp>
+  </dsp:spTree>
+</dsp:drawing>
+</file>
+
+<file path=ppt/diagrams/layout1.xml><?xml version="1.0" encoding="utf-8"?>
+<dgm:layoutDef xmlns:dgm="http://schemas.openxmlformats.org/drawingml/2006/diagram" xmlns:a="http://schemas.openxmlformats.org/drawingml/2006/main" uniqueId="urn:microsoft.com/office/officeart/2005/8/layout/list1">
+  <dgm:title val=""/>
+  <dgm:desc val=""/>
+  <dgm:catLst>
+    <dgm:cat type="list" pri="4000"/>
+  </dgm:catLst>
+  <dgm:sampData>
+    <dgm:dataModel>
+      <dgm:ptLst>
+        <dgm:pt modelId="0" type="doc"/>
+        <dgm:pt modelId="1">
+          <dgm:prSet phldr="1"/>
+        </dgm:pt>
+        <dgm:pt modelId="2">
+          <dgm:prSet phldr="1"/>
+        </dgm:pt>
+        <dgm:pt modelId="3">
+          <dgm:prSet phldr="1"/>
+        </dgm:pt>
+      </dgm:ptLst>
+      <dgm:cxnLst>
+        <dgm:cxn modelId="4" srcId="0" destId="1" srcOrd="0" destOrd="0"/>
+        <dgm:cxn modelId="5" srcId="0" destId="2" srcOrd="1" destOrd="0"/>
+        <dgm:cxn modelId="6" srcId="0" destId="3" srcOrd="2" destOrd="0"/>
+      </dgm:cxnLst>
+      <dgm:bg/>
+      <dgm:whole/>
+    </dgm:dataModel>
+  </dgm:sampData>
+  <dgm:styleData>
+    <dgm:dataModel>
+      <dgm:ptLst>
+        <dgm:pt modelId="0" type="doc"/>
+        <dgm:pt modelId="1"/>
+        <dgm:pt modelId="2"/>
+      </dgm:ptLst>
+      <dgm:cxnLst>
+        <dgm:cxn modelId="4" srcId="0" destId="1" srcOrd="0" destOrd="0"/>
+        <dgm:cxn modelId="5" srcId="0" destId="2" srcOrd="1" destOrd="0"/>
+      </dgm:cxnLst>
+      <dgm:bg/>
+      <dgm:whole/>
+    </dgm:dataModel>
+  </dgm:styleData>
+  <dgm:clrData>
+    <dgm:dataModel>
+      <dgm:ptLst>
+        <dgm:pt modelId="0" type="doc"/>
+        <dgm:pt modelId="1"/>
+        <dgm:pt modelId="2"/>
+        <dgm:pt modelId="3"/>
+        <dgm:pt modelId="4"/>
+      </dgm:ptLst>
+      <dgm:cxnLst>
+        <dgm:cxn modelId="5" srcId="0" destId="1" srcOrd="0" destOrd="0"/>
+        <dgm:cxn modelId="6" srcId="0" destId="2" srcOrd="1" destOrd="0"/>
+        <dgm:cxn modelId="7" srcId="0" destId="3" srcOrd="2" destOrd="0"/>
+        <dgm:cxn modelId="8" srcId="0" destId="4" srcOrd="3" destOrd="0"/>
+      </dgm:cxnLst>
+      <dgm:bg/>
+      <dgm:whole/>
+    </dgm:dataModel>
+  </dgm:clrData>
+  <dgm:layoutNode name="linear">
+    <dgm:varLst>
+      <dgm:dir/>
+      <dgm:animLvl val="lvl"/>
+      <dgm:resizeHandles val="exact"/>
+    </dgm:varLst>
+    <dgm:choose name="Name0">
+      <dgm:if name="Name1" func="var" arg="dir" op="equ" val="norm">
+        <dgm:alg type="lin">
+          <dgm:param type="linDir" val="fromT"/>
+          <dgm:param type="vertAlign" val="mid"/>
+          <dgm:param type="horzAlign" val="l"/>
+          <dgm:param type="nodeHorzAlign" val="l"/>
+        </dgm:alg>
+      </dgm:if>
+      <dgm:else name="Name2">
+        <dgm:alg type="lin">
+          <dgm:param type="linDir" val="fromT"/>
+          <dgm:param type="vertAlign" val="mid"/>
+          <dgm:param type="horzAlign" val="r"/>
+          <dgm:param type="nodeHorzAlign" val="r"/>
+        </dgm:alg>
+      </dgm:else>
+    </dgm:choose>
+    <dgm:shape xmlns:r="http://schemas.openxmlformats.org/officeDocument/2006/relationships" r:blip="">
+      <dgm:adjLst/>
+    </dgm:shape>
+    <dgm:presOf/>
+    <dgm:constrLst>
+      <dgm:constr type="w" for="ch" forName="parentLin" refType="w"/>
+      <dgm:constr type="h" for="ch" forName="parentLin" val="INF"/>
+      <dgm:constr type="w" for="des" forName="parentLeftMargin" refType="w" fact="0.05"/>
+      <dgm:constr type="w" for="des" forName="parentText" refType="w" fact="0.7"/>
+      <dgm:constr type="h" for="des" forName="parentText" refType="primFontSz" refFor="des" refForName="parentText" fact="0.82"/>
+      <dgm:constr type="h" for="ch" forName="negativeSpace" refType="primFontSz" refFor="des" refForName="parentText" fact="-0.41"/>
+      <dgm:constr type="h" for="ch" forName="negativeSpace" refType="h" refFor="des" refForName="parentText" op="lte" fact="-0.82"/>
+      <dgm:constr type="h" for="ch" forName="negativeSpace" refType="h" refFor="des" refForName="parentText" op="gte" fact="-0.82"/>
+      <dgm:constr type="w" for="ch" forName="childText" refType="w"/>
+      <dgm:constr type="h" for="ch" forName="childText" refType="primFontSz" refFor="des" refForName="parentText" fact="0.7"/>
+      <dgm:constr type="primFontSz" for="des" forName="parentText" val="65"/>
+      <dgm:constr type="primFontSz" for="ch" forName="childText" refType="primFontSz" refFor="des" refForName="parentText"/>
+      <dgm:constr type="tMarg" for="ch" forName="childText" refType="primFontSz" refFor="des" refForName="parentText" fact="1.64"/>
+      <dgm:constr type="tMarg" for="ch" forName="childText" refType="h" refFor="des" refForName="parentText" op="lte" fact="3.28"/>
+      <dgm:constr type="tMarg" for="ch" forName="childText" refType="h" refFor="des" refForName="parentText" op="gte" fact="3.28"/>
+      <dgm:constr type="lMarg" for="ch" forName="childText" refType="w" fact="0.22"/>
+      <dgm:constr type="rMarg" for="ch" forName="childText" refType="lMarg" refFor="ch" refForName="childText"/>
+      <dgm:constr type="lMarg" for="des" forName="parentText" refType="w" fact="0.075"/>
+      <dgm:constr type="rMarg" for="des" forName="parentText" refType="lMarg" refFor="des" refForName="parentText"/>
+      <dgm:constr type="h" for="ch" forName="spaceBetweenRectangles" refType="primFontSz" refFor="des" refForName="parentText" fact="0.15"/>
+    </dgm:constrLst>
+    <dgm:ruleLst>
+      <dgm:rule type="primFontSz" for="des" forName="parentText" val="5" fact="NaN" max="NaN"/>
+    </dgm:ruleLst>
+    <dgm:forEach name="Name3" axis="ch" ptType="node">
+      <dgm:layoutNode name="parentLin">
+        <dgm:choose name="Name4">
+          <dgm:if name="Name5" func="var" arg="dir" op="equ" val="norm">
+            <dgm:alg type="lin">
+              <dgm:param type="linDir" val="fromL"/>
+              <dgm:param type="horzAlign" val="l"/>
+              <dgm:param type="nodeHorzAlign" val="l"/>
+            </dgm:alg>
+          </dgm:if>
+          <dgm:else name="Name6">
+            <dgm:alg type="lin">
+              <dgm:param type="linDir" val="fromR"/>
+              <dgm:param type="horzAlign" val="r"/>
+              <dgm:param type="nodeHorzAlign" val="r"/>
+            </dgm:alg>
+          </dgm:else>
+        </dgm:choose>
+        <dgm:shape xmlns:r="http://schemas.openxmlformats.org/officeDocument/2006/relationships" r:blip="">
+          <dgm:adjLst/>
+        </dgm:shape>
+        <dgm:presOf/>
+        <dgm:constrLst/>
+        <dgm:ruleLst/>
+        <dgm:layoutNode name="parentLeftMargin">
+          <dgm:alg type="sp"/>
+          <dgm:shape xmlns:r="http://schemas.openxmlformats.org/officeDocument/2006/relationships" type="rect" r:blip="" hideGeom="1">
+            <dgm:adjLst/>
+          </dgm:shape>
+          <dgm:presOf axis="self"/>
+          <dgm:constrLst>
+            <dgm:constr type="h"/>
+          </dgm:constrLst>
+          <dgm:ruleLst/>
+        </dgm:layoutNode>
+        <dgm:layoutNode name="parentText" styleLbl="node1">
+          <dgm:varLst>
+            <dgm:chMax val="0"/>
+            <dgm:bulletEnabled val="1"/>
+          </dgm:varLst>
+          <dgm:choose name="Name7">
+            <dgm:if name="Name8" func="var" arg="dir" op="equ" val="norm">
+              <dgm:alg type="tx">
+                <dgm:param type="parTxLTRAlign" val="l"/>
+                <dgm:param type="parTxRTLAlign" val="l"/>
+              </dgm:alg>
+            </dgm:if>
+            <dgm:else name="Name9">
+              <dgm:alg type="tx">
+                <dgm:param type="parTxLTRAlign" val="r"/>
+                <dgm:param type="parTxRTLAlign" val="r"/>
+              </dgm:alg>
+            </dgm:else>
+          </dgm:choose>
+          <dgm:shape xmlns:r="http://schemas.openxmlformats.org/officeDocument/2006/relationships" type="roundRect" r:blip="">
+            <dgm:adjLst/>
+          </dgm:shape>
+          <dgm:presOf axis="self" ptType="node"/>
+          <dgm:constrLst>
+            <dgm:constr type="tMarg"/>
+            <dgm:constr type="bMarg"/>
+          </dgm:constrLst>
+          <dgm:ruleLst/>
+        </dgm:layoutNode>
+      </dgm:layoutNode>
+      <dgm:layoutNode name="negativeSpace">
+        <dgm:alg type="sp"/>
+        <dgm:shape xmlns:r="http://schemas.openxmlformats.org/officeDocument/2006/relationships" r:blip="">
+          <dgm:adjLst/>
+        </dgm:shape>
+        <dgm:presOf/>
+        <dgm:constrLst/>
+        <dgm:ruleLst/>
+      </dgm:layoutNode>
+      <dgm:layoutNode name="childText" styleLbl="conFgAcc1">
+        <dgm:varLst>
+          <dgm:bulletEnabled val="1"/>
+        </dgm:varLst>
+        <dgm:alg type="tx">
+          <dgm:param type="stBulletLvl" val="1"/>
+        </dgm:alg>
+        <dgm:shape xmlns:r="http://schemas.openxmlformats.org/officeDocument/2006/relationships" type="rect" r:blip="" zOrderOff="-2">
+          <dgm:adjLst/>
+        </dgm:shape>
+        <dgm:presOf axis="des" ptType="node"/>
+        <dgm:constrLst>
+          <dgm:constr type="secFontSz" refType="primFontSz"/>
+        </dgm:constrLst>
+        <dgm:ruleLst>
+          <dgm:rule type="h" val="INF" fact="NaN" max="NaN"/>
+        </dgm:ruleLst>
+      </dgm:layoutNode>
+      <dgm:forEach name="Name10" axis="followSib" ptType="sibTrans" cnt="1">
+        <dgm:layoutNode name="spaceBetweenRectangles">
+          <dgm:alg type="sp"/>
+          <dgm:shape xmlns:r="http://schemas.openxmlformats.org/officeDocument/2006/relationships" r:blip="">
+            <dgm:adjLst/>
+          </dgm:shape>
+          <dgm:presOf/>
+          <dgm:constrLst/>
+          <dgm:ruleLst/>
+        </dgm:layoutNode>
+      </dgm:forEach>
+    </dgm:forEach>
+  </dgm:layoutNode>
+</dgm:layoutDef>
+</file>
+
+<file path=ppt/diagrams/quickStyle1.xml><?xml version="1.0" encoding="utf-8"?>
+<dgm:styleDef xmlns:dgm="http://schemas.openxmlformats.org/drawingml/2006/diagram" xmlns:a="http://schemas.openxmlformats.org/drawingml/2006/main" uniqueId="urn:microsoft.com/office/officeart/2005/8/quickstyle/simple4">
+  <dgm:title val=""/>
+  <dgm:desc val=""/>
+  <dgm:catLst>
+    <dgm:cat type="simple" pri="10400"/>
+  </dgm:catLst>
+  <dgm:scene3d>
+    <a:camera prst="orthographicFront"/>
+    <a:lightRig rig="threePt" dir="t"/>
+  </dgm:scene3d>
+  <dgm:styleLbl name="node0">
+    <dgm:scene3d>
+      <a:camera prst="orthographicFront"/>
+      <a:lightRig rig="threePt" dir="t"/>
+    </dgm:scene3d>
+    <dgm:sp3d/>
+    <dgm:txPr/>
+    <dgm:style>
+      <a:lnRef idx="0">
+        <a:scrgbClr r="0" g="0" b="0"/>
+      </a:lnRef>
+      <a:fillRef idx="3">
+        <a:scrgbClr r="0" g="0" b="0"/>
+      </a:fillRef>
+      <a:effectRef idx="2">
+        <a:scrgbClr r="0" g="0" b="0"/>
+      </a:effectRef>
+      <a:fontRef idx="minor">
+        <a:schemeClr val="lt1"/>
+      </a:fontRef>
+    </dgm:style>
+  </dgm:styleLbl>
+  <dgm:styleLbl name="lnNode1">
+    <dgm:scene3d>
+      <a:camera prst="orthographicFront"/>
+      <a:lightRig rig="threePt" dir="t"/>
+    </dgm:scene3d>
+    <dgm:sp3d/>
+    <dgm:txPr/>
+    <dgm:style>
+      <a:lnRef idx="1">
+        <a:scrgbClr r="0" g="0" b="0"/>
+      </a:lnRef>
+      <a:fillRef idx="3">
+        <a:scrgbClr r="0" g="0" b="0"/>
+      </a:fillRef>
+      <a:effectRef idx="2">
+        <a:scrgbClr r="0" g="0" b="0"/>
+      </a:effectRef>
+      <a:fontRef idx="minor">
+        <a:schemeClr val="lt1"/>
+      </a:fontRef>
+    </dgm:style>
+  </dgm:styleLbl>
+  <dgm:styleLbl name="vennNode1">
+    <dgm:scene3d>
+      <a:camera prst="orthographicFront"/>
+      <a:lightRig rig="threePt" dir="t"/>
+    </dgm:scene3d>
+    <dgm:sp3d/>
+    <dgm:txPr/>
+    <dgm:style>
+      <a:lnRef idx="0">
+        <a:scrgbClr r="0" g="0" b="0"/>
+      </a:lnRef>
+      <a:fillRef idx="3">
+        <a:scrgbClr r="0" g="0" b="0"/>
+      </a:fillRef>
+      <a:effectRef idx="0">
+        <a:scrgbClr r="0" g="0" b="0"/>
+      </a:effectRef>
+      <a:fontRef idx="minor">
+        <a:schemeClr val="tx1"/>
+      </a:fontRef>
+    </dgm:style>
+  </dgm:styleLbl>
+  <dgm:styleLbl name="alignNode1">
+    <dgm:scene3d>
+      <a:camera prst="orthographicFront"/>
+      <a:lightRig rig="threePt" dir="t"/>
+    </dgm:scene3d>
+    <dgm:sp3d/>
+    <dgm:txPr/>
+    <dgm:style>
+      <a:lnRef idx="1">
+        <a:scrgbClr r="0" g="0" b="0"/>
+      </a:lnRef>
+      <a:fillRef idx="3">
+        <a:scrgbClr r="0" g="0" b="0"/>
+      </a:fillRef>
+      <a:effectRef idx="2">
+        <a:scrgbClr r="0" g="0" b="0"/>
+      </a:effectRef>
+      <a:fontRef idx="minor">
+        <a:schemeClr val="lt1"/>
+      </a:fontRef>
+    </dgm:style>
+  </dgm:styleLbl>
+  <dgm:styleLbl name="node1">
+    <dgm:scene3d>
+      <a:camera prst="orthographicFront"/>
+      <a:lightRig rig="threePt" dir="t"/>
+    </dgm:scene3d>
+    <dgm:sp3d/>
+    <dgm:txPr/>
+    <dgm:style>
+      <a:lnRef idx="0">
+        <a:scrgbClr r="0" g="0" b="0"/>
+      </a:lnRef>
+      <a:fillRef idx="3">
+        <a:scrgbClr r="0" g="0" b="0"/>
+      </a:fillRef>
+      <a:effectRef idx="2">
+        <a:scrgbClr r="0" g="0" b="0"/>
+      </a:effectRef>
+      <a:fontRef idx="minor">
+        <a:schemeClr val="lt1"/>
+      </a:fontRef>
+    </dgm:style>
+  </dgm:styleLbl>
+  <dgm:styleLbl name="node2">
+    <dgm:scene3d>
+      <a:camera prst="orthographicFront"/>
+      <a:lightRig rig="threePt" dir="t"/>
+    </dgm:scene3d>
+    <dgm:sp3d/>
+    <dgm:txPr/>
+    <dgm:style>
+      <a:lnRef idx="0">
+        <a:scrgbClr r="0" g="0" b="0"/>
+      </a:lnRef>
+      <a:fillRef idx="3">
+        <a:scrgbClr r="0" g="0" b="0"/>
+      </a:fillRef>
+      <a:effectRef idx="2">
+        <a:scrgbClr r="0" g="0" b="0"/>
+      </a:effectRef>
+      <a:fontRef idx="minor">
+        <a:schemeClr val="lt1"/>
+      </a:fontRef>
+    </dgm:style>
+  </dgm:styleLbl>
+  <dgm:styleLbl name="node3">
+    <dgm:scene3d>
+      <a:camera prst="orthographicFront"/>
+      <a:lightRig rig="threePt" dir="t"/>
+    </dgm:scene3d>
+    <dgm:sp3d/>
+    <dgm:txPr/>
+    <dgm:style>
+      <a:lnRef idx="0">
+        <a:scrgbClr r="0" g="0" b="0"/>
+      </a:lnRef>
+      <a:fillRef idx="3">
+        <a:scrgbClr r="0" g="0" b="0"/>
+      </a:fillRef>
+      <a:effectRef idx="2">
+        <a:scrgbClr r="0" g="0" b="0"/>
+      </a:effectRef>
+      <a:fontRef idx="minor">
+        <a:schemeClr val="lt1"/>
+      </a:fontRef>
+    </dgm:style>
+  </dgm:styleLbl>
+  <dgm:styleLbl name="node4">
+    <dgm:scene3d>
+      <a:camera prst="orthographicFront"/>
+      <a:lightRig rig="threePt" dir="t"/>
+    </dgm:scene3d>
+    <dgm:sp3d/>
+    <dgm:txPr/>
+    <dgm:style>
+      <a:lnRef idx="0">
+        <a:scrgbClr r="0" g="0" b="0"/>
+      </a:lnRef>
+      <a:fillRef idx="3">
+        <a:scrgbClr r="0" g="0" b="0"/>
+      </a:fillRef>
+      <a:effectRef idx="2">
+        <a:scrgbClr r="0" g="0" b="0"/>
+      </a:effectRef>
+      <a:fontRef idx="minor">
+        <a:schemeClr val="lt1"/>
+      </a:fontRef>
+    </dgm:style>
+  </dgm:styleLbl>
+  <dgm:styleLbl name="fgImgPlace1">
+    <dgm:scene3d>
+      <a:camera prst="orthographicFront"/>
+      <a:lightRig rig="threePt" dir="t"/>
+    </dgm:scene3d>
+    <dgm:sp3d/>
+    <dgm:txPr/>
+    <dgm:style>
+      <a:lnRef idx="0">
+        <a:scrgbClr r="0" g="0" b="0"/>
+      </a:lnRef>
+      <a:fillRef idx="1">
+        <a:scrgbClr r="0" g="0" b="0"/>
+      </a:fillRef>
+      <a:effectRef idx="2">
+        <a:scrgbClr r="0" g="0" b="0"/>
+      </a:effectRef>
+      <a:fontRef idx="minor"/>
+    </dgm:style>
+  </dgm:styleLbl>
+  <dgm:styleLbl name="alignImgPlace1">
+    <dgm:scene3d>
+      <a:camera prst="orthographicFront"/>
+      <a:lightRig rig="threePt" dir="t"/>
+    </dgm:scene3d>
+    <dgm:sp3d/>
+    <dgm:txPr/>
+    <dgm:style>
+      <a:lnRef idx="0">
+        <a:scrgbClr r="0" g="0" b="0"/>
+      </a:lnRef>
+      <a:fillRef idx="1">
+        <a:scrgbClr r="0" g="0" b="0"/>
+      </a:fillRef>
+      <a:effectRef idx="2">
+        <a:scrgbClr r="0" g="0" b="0"/>
+      </a:effectRef>
+      <a:fontRef idx="minor"/>
+    </dgm:style>
+  </dgm:styleLbl>
+  <dgm:styleLbl name="bgImgPlace1">
+    <dgm:scene3d>
+      <a:camera prst="orthographicFront"/>
+      <a:lightRig rig="threePt" dir="t"/>
+    </dgm:scene3d>
+    <dgm:sp3d/>
+    <dgm:txPr/>
+    <dgm:style>
+      <a:lnRef idx="0">
+        <a:scrgbClr r="0" g="0" b="0"/>
+      </a:lnRef>
+      <a:fillRef idx="1">
+        <a:scrgbClr r="0" g="0" b="0"/>
+      </a:fillRef>
+      <a:effectRef idx="2">
+        <a:scrgbClr r="0" g="0" b="0"/>
+      </a:effectRef>
+      <a:fontRef idx="minor"/>
+    </dgm:style>
+  </dgm:styleLbl>
+  <dgm:styleLbl name="sibTrans2D1">
+    <dgm:scene3d>
+      <a:camera prst="orthographicFront"/>
+      <a:lightRig rig="threePt" dir="t"/>
+    </dgm:scene3d>
+    <dgm:sp3d/>
+    <dgm:txPr/>
+    <dgm:style>
+      <a:lnRef idx="0">
+        <a:scrgbClr r="0" g="0" b="0"/>
+      </a:lnRef>
+      <a:fillRef idx="3">
+        <a:scrgbClr r="0" g="0" b="0"/>
+      </a:fillRef>
+      <a:effectRef idx="2">
+        <a:scrgbClr r="0" g="0" b="0"/>
+      </a:effectRef>
+      <a:fontRef idx="minor">
+        <a:schemeClr val="lt1"/>
+      </a:fontRef>
+    </dgm:style>
+  </dgm:styleLbl>
+  <dgm:styleLbl name="fgSibTrans2D1">
+    <dgm:scene3d>
+      <a:camera prst="orthographicFront"/>
+      <a:lightRig rig="threePt" dir="t"/>
+    </dgm:scene3d>
+    <dgm:sp3d/>
+    <dgm:txPr/>
+    <dgm:style>
+      <a:lnRef idx="0">
+        <a:scrgbClr r="0" g="0" b="0"/>
+      </a:lnRef>
+      <a:fillRef idx="3">
+        <a:scrgbClr r="0" g="0" b="0"/>
+      </a:fillRef>
+      <a:effectRef idx="2">
+        <a:scrgbClr r="0" g="0" b="0"/>
+      </a:effectRef>
+      <a:fontRef idx="minor">
+        <a:schemeClr val="lt1"/>
+      </a:fontRef>
+    </dgm:style>
+  </dgm:styleLbl>
+  <dgm:styleLbl name="bgSibTrans2D1">
+    <dgm:scene3d>
+      <a:camera prst="orthographicFront"/>
+      <a:lightRig rig="threePt" dir="t"/>
+    </dgm:scene3d>
+    <dgm:sp3d/>
+    <dgm:txPr/>
+    <dgm:style>
+      <a:lnRef idx="0">
+        <a:scrgbClr r="0" g="0" b="0"/>
+      </a:lnRef>
+      <a:fillRef idx="3">
+        <a:scrgbClr r="0" g="0" b="0"/>
+      </a:fillRef>
+      <a:effectRef idx="2">
+        <a:scrgbClr r="0" g="0" b="0"/>
+      </a:effectRef>
+      <a:fontRef idx="minor">
+        <a:schemeClr val="lt1"/>
+      </a:fontRef>
+    </dgm:style>
+  </dgm:styleLbl>
+  <dgm:styleLbl name="sibTrans1D1">
+    <dgm:scene3d>
+      <a:camera prst="orthographicFront"/>
+      <a:lightRig rig="threePt" dir="t"/>
+    </dgm:scene3d>
+    <dgm:sp3d/>
+    <dgm:txPr/>
+    <dgm:style>
+      <a:lnRef idx="1">
+        <a:scrgbClr r="0" g="0" b="0"/>
+      </a:lnRef>
+      <a:fillRef idx="0">
+        <a:scrgbClr r="0" g="0" b="0"/>
+      </a:fillRef>
+      <a:effectRef idx="0">
+        <a:scrgbClr r="0" g="0" b="0"/>
+      </a:effectRef>
+      <a:fontRef idx="minor"/>
+    </dgm:style>
+  </dgm:styleLbl>
+  <dgm:styleLbl name="callout">
+    <dgm:scene3d>
+      <a:camera prst="orthographicFront"/>
+      <a:lightRig rig="threePt" dir="t"/>
+    </dgm:scene3d>
+    <dgm:sp3d/>
+    <dgm:txPr/>
+    <dgm:style>
+      <a:lnRef idx="2">
+        <a:scrgbClr r="0" g="0" b="0"/>
+      </a:lnRef>
+      <a:fillRef idx="1">
+        <a:scrgbClr r="0" g="0" b="0"/>
+      </a:fillRef>
+      <a:effectRef idx="1">
+        <a:scrgbClr r="0" g="0" b="0"/>
+      </a:effectRef>
+      <a:fontRef idx="minor"/>
+    </dgm:style>
+  </dgm:styleLbl>
+  <dgm:styleLbl name="asst0">
+    <dgm:scene3d>
+      <a:camera prst="orthographicFront"/>
+      <a:lightRig rig="threePt" dir="t"/>
+    </dgm:scene3d>
+    <dgm:sp3d/>
+    <dgm:txPr/>
+    <dgm:style>
+      <a:lnRef idx="0">
+        <a:scrgbClr r="0" g="0" b="0"/>
+      </a:lnRef>
+      <a:fillRef idx="3">
+        <a:scrgbClr r="0" g="0" b="0"/>
+      </a:fillRef>
+      <a:effectRef idx="2">
+        <a:scrgbClr r="0" g="0" b="0"/>
+      </a:effectRef>
+      <a:fontRef idx="minor">
+        <a:schemeClr val="lt1"/>
+      </a:fontRef>
+    </dgm:style>
+  </dgm:styleLbl>
+  <dgm:styleLbl name="asst1">
+    <dgm:scene3d>
+      <a:camera prst="orthographicFront"/>
+      <a:lightRig rig="threePt" dir="t"/>
+    </dgm:scene3d>
+    <dgm:sp3d/>
+    <dgm:txPr/>
+    <dgm:style>
+      <a:lnRef idx="0">
+        <a:scrgbClr r="0" g="0" b="0"/>
+      </a:lnRef>
+      <a:fillRef idx="3">
+        <a:scrgbClr r="0" g="0" b="0"/>
+      </a:fillRef>
+      <a:effectRef idx="2">
+        <a:scrgbClr r="0" g="0" b="0"/>
+      </a:effectRef>
+      <a:fontRef idx="minor">
+        <a:schemeClr val="lt1"/>
+      </a:fontRef>
+    </dgm:style>
+  </dgm:styleLbl>
+  <dgm:styleLbl name="asst2">
+    <dgm:scene3d>
+      <a:camera prst="orthographicFront"/>
+      <a:lightRig rig="threePt" dir="t"/>
+    </dgm:scene3d>
+    <dgm:sp3d/>
+    <dgm:txPr/>
+    <dgm:style>
+      <a:lnRef idx="0">
+        <a:scrgbClr r="0" g="0" b="0"/>
+      </a:lnRef>
+      <a:fillRef idx="3">
+        <a:scrgbClr r="0" g="0" b="0"/>
+      </a:fillRef>
+      <a:effectRef idx="2">
+        <a:scrgbClr r="0" g="0" b="0"/>
+      </a:effectRef>
+      <a:fontRef idx="minor">
+        <a:schemeClr val="lt1"/>
+      </a:fontRef>
+    </dgm:style>
+  </dgm:styleLbl>
+  <dgm:styleLbl name="asst3">
+    <dgm:scene3d>
+      <a:camera prst="orthographicFront"/>
+      <a:lightRig rig="threePt" dir="t"/>
+    </dgm:scene3d>
+    <dgm:sp3d/>
+    <dgm:txPr/>
+    <dgm:style>
+      <a:lnRef idx="0">
+        <a:scrgbClr r="0" g="0" b="0"/>
+      </a:lnRef>
+      <a:fillRef idx="3">
+        <a:scrgbClr r="0" g="0" b="0"/>
+      </a:fillRef>
+      <a:effectRef idx="2">
+        <a:scrgbClr r="0" g="0" b="0"/>
+      </a:effectRef>
+      <a:fontRef idx="minor">
+        <a:schemeClr val="lt1"/>
+      </a:fontRef>
+    </dgm:style>
+  </dgm:styleLbl>
+  <dgm:styleLbl name="asst4">
+    <dgm:scene3d>
+      <a:camera prst="orthographicFront"/>
+      <a:lightRig rig="threePt" dir="t"/>
+    </dgm:scene3d>
+    <dgm:sp3d/>
+    <dgm:txPr/>
+    <dgm:style>
+      <a:lnRef idx="0">
+        <a:scrgbClr r="0" g="0" b="0"/>
+      </a:lnRef>
+      <a:fillRef idx="3">
+        <a:scrgbClr r="0" g="0" b="0"/>
+      </a:fillRef>
+      <a:effectRef idx="2">
+        <a:scrgbClr r="0" g="0" b="0"/>
+      </a:effectRef>
+      <a:fontRef idx="minor">
+        <a:schemeClr val="lt1"/>
+      </a:fontRef>
+    </dgm:style>
+  </dgm:styleLbl>
+  <dgm:styleLbl name="parChTrans2D1">
+    <dgm:scene3d>
+      <a:camera prst="orthographicFront"/>
+      <a:lightRig rig="threePt" dir="t"/>
+    </dgm:scene3d>
+    <dgm:sp3d/>
+    <dgm:txPr/>
+    <dgm:style>
+      <a:lnRef idx="0">
+        <a:scrgbClr r="0" g="0" b="0"/>
+      </a:lnRef>
+      <a:fillRef idx="3">
+        <a:scrgbClr r="0" g="0" b="0"/>
+      </a:fillRef>
+      <a:effectRef idx="2">
+        <a:scrgbClr r="0" g="0" b="0"/>
+      </a:effectRef>
+      <a:fontRef idx="minor">
+        <a:schemeClr val="lt1"/>
+      </a:fontRef>
+    </dgm:style>
+  </dgm:styleLbl>
+  <dgm:styleLbl name="parChTrans2D2">
+    <dgm:scene3d>
+      <a:camera prst="orthographicFront"/>
+      <a:lightRig rig="threePt" dir="t"/>
+    </dgm:scene3d>
+    <dgm:sp3d/>
+    <dgm:txPr/>
+    <dgm:style>
+      <a:lnRef idx="0">
+        <a:scrgbClr r="0" g="0" b="0"/>
+      </a:lnRef>
+      <a:fillRef idx="3">
+        <a:scrgbClr r="0" g="0" b="0"/>
+      </a:fillRef>
+      <a:effectRef idx="2">
+        <a:scrgbClr r="0" g="0" b="0"/>
+      </a:effectRef>
+      <a:fontRef idx="minor">
+        <a:schemeClr val="lt1"/>
+      </a:fontRef>
+    </dgm:style>
+  </dgm:styleLbl>
+  <dgm:styleLbl name="parChTrans2D3">
+    <dgm:scene3d>
+      <a:camera prst="orthographicFront"/>
+      <a:lightRig rig="threePt" dir="t"/>
+    </dgm:scene3d>
+    <dgm:sp3d/>
+    <dgm:txPr/>
+    <dgm:style>
+      <a:lnRef idx="1">
+        <a:scrgbClr r="0" g="0" b="0"/>
+      </a:lnRef>
+      <a:fillRef idx="3">
+        <a:scrgbClr r="0" g="0" b="0"/>
+      </a:fillRef>
+      <a:effectRef idx="2">
+        <a:scrgbClr r="0" g="0" b="0"/>
+      </a:effectRef>
+      <a:fontRef idx="minor">
+        <a:schemeClr val="lt1"/>
+      </a:fontRef>
+    </dgm:style>
+  </dgm:styleLbl>
+  <dgm:styleLbl name="parChTrans2D4">
+    <dgm:scene3d>
+      <a:camera prst="orthographicFront"/>
+      <a:lightRig rig="threePt" dir="t"/>
+    </dgm:scene3d>
+    <dgm:sp3d/>
+    <dgm:txPr/>
+    <dgm:style>
+      <a:lnRef idx="1">
+        <a:scrgbClr r="0" g="0" b="0"/>
+      </a:lnRef>
+      <a:fillRef idx="3">
+        <a:scrgbClr r="0" g="0" b="0"/>
+      </a:fillRef>
+      <a:effectRef idx="2">
+        <a:scrgbClr r="0" g="0" b="0"/>
+      </a:effectRef>
+      <a:fontRef idx="minor">
+        <a:schemeClr val="lt1"/>
+      </a:fontRef>
+    </dgm:style>
+  </dgm:styleLbl>
+  <dgm:styleLbl name="parChTrans1D1">
+    <dgm:scene3d>
+      <a:camera prst="orthographicFront"/>
+      <a:lightRig rig="threePt" dir="t"/>
+    </dgm:scene3d>
+    <dgm:sp3d/>
+    <dgm:txPr/>
+    <dgm:style>
+      <a:lnRef idx="1">
+        <a:scrgbClr r="0" g="0" b="0"/>
+      </a:lnRef>
+      <a:fillRef idx="0">
+        <a:scrgbClr r="0" g="0" b="0"/>
+      </a:fillRef>
+      <a:effectRef idx="0">
+        <a:scrgbClr r="0" g="0" b="0"/>
+      </a:effectRef>
+      <a:fontRef idx="minor"/>
+    </dgm:style>
+  </dgm:styleLbl>
+  <dgm:styleLbl name="parChTrans1D2">
+    <dgm:scene3d>
+      <a:camera prst="orthographicFront"/>
+      <a:lightRig rig="threePt" dir="t"/>
+    </dgm:scene3d>
+    <dgm:sp3d/>
+    <dgm:txPr/>
+    <dgm:style>
+      <a:lnRef idx="1">
+        <a:scrgbClr r="0" g="0" b="0"/>
+      </a:lnRef>
+      <a:fillRef idx="0">
+        <a:scrgbClr r="0" g="0" b="0"/>
+      </a:fillRef>
+      <a:effectRef idx="0">
+        <a:scrgbClr r="0" g="0" b="0"/>
+      </a:effectRef>
+      <a:fontRef idx="minor"/>
+    </dgm:style>
+  </dgm:styleLbl>
+  <dgm:styleLbl name="parChTrans1D3">
+    <dgm:scene3d>
+      <a:camera prst="orthographicFront"/>
+      <a:lightRig rig="threePt" dir="t"/>
+    </dgm:scene3d>
+    <dgm:sp3d/>
+    <dgm:txPr/>
+    <dgm:style>
+      <a:lnRef idx="1">
+        <a:scrgbClr r="0" g="0" b="0"/>
+      </a:lnRef>
+      <a:fillRef idx="0">
+        <a:scrgbClr r="0" g="0" b="0"/>
+      </a:fillRef>
+      <a:effectRef idx="0">
+        <a:scrgbClr r="0" g="0" b="0"/>
+      </a:effectRef>
+      <a:fontRef idx="minor"/>
+    </dgm:style>
+  </dgm:styleLbl>
+  <dgm:styleLbl name="parChTrans1D4">
+    <dgm:scene3d>
+      <a:camera prst="orthographicFront"/>
+      <a:lightRig rig="threePt" dir="t"/>
+    </dgm:scene3d>
+    <dgm:sp3d/>
+    <dgm:txPr/>
+    <dgm:style>
+      <a:lnRef idx="1">
+        <a:scrgbClr r="0" g="0" b="0"/>
+      </a:lnRef>
+      <a:fillRef idx="0">
+        <a:scrgbClr r="0" g="0" b="0"/>
+      </a:fillRef>
+      <a:effectRef idx="0">
+        <a:scrgbClr r="0" g="0" b="0"/>
+      </a:effectRef>
+      <a:fontRef idx="minor"/>
+    </dgm:style>
+  </dgm:styleLbl>
+  <dgm:styleLbl name="fgAcc1">
+    <dgm:scene3d>
+      <a:camera prst="orthographicFront"/>
+      <a:lightRig rig="threePt" dir="t"/>
+    </dgm:scene3d>
+    <dgm:sp3d/>
+    <dgm:txPr/>
+    <dgm:style>
+      <a:lnRef idx="1">
+        <a:scrgbClr r="0" g="0" b="0"/>
+      </a:lnRef>
+      <a:fillRef idx="1">
+        <a:scrgbClr r="0" g="0" b="0"/>
+      </a:fillRef>
+      <a:effectRef idx="0">
+        <a:scrgbClr r="0" g="0" b="0"/>
+      </a:effectRef>
+      <a:fontRef idx="minor"/>
+    </dgm:style>
+  </dgm:styleLbl>
+  <dgm:styleLbl name="conFgAcc1">
+    <dgm:scene3d>
+      <a:camera prst="orthographicFront"/>
+      <a:lightRig rig="threePt" dir="t"/>
+    </dgm:scene3d>
+    <dgm:sp3d/>
+    <dgm:txPr/>
+    <dgm:style>
+      <a:lnRef idx="1">
+        <a:scrgbClr r="0" g="0" b="0"/>
+      </a:lnRef>
+      <a:fillRef idx="1">
+        <a:scrgbClr r="0" g="0" b="0"/>
+      </a:fillRef>
+      <a:effectRef idx="0">
+        <a:scrgbClr r="0" g="0" b="0"/>
+      </a:effectRef>
+      <a:fontRef idx="minor"/>
+    </dgm:style>
+  </dgm:styleLbl>
+  <dgm:styleLbl name="alignAcc1">
+    <dgm:scene3d>
+      <a:camera prst="orthographicFront"/>
+      <a:lightRig rig="threePt" dir="t"/>
+    </dgm:scene3d>
+    <dgm:sp3d/>
+    <dgm:txPr/>
+    <dgm:style>
+      <a:lnRef idx="1">
+        <a:scrgbClr r="0" g="0" b="0"/>
+      </a:lnRef>
+      <a:fillRef idx="1">
+        <a:scrgbClr r="0" g="0" b="0"/>
+      </a:fillRef>
+      <a:effectRef idx="0">
+        <a:scrgbClr r="0" g="0" b="0"/>
+      </a:effectRef>
+      <a:fontRef idx="minor"/>
+    </dgm:style>
+  </dgm:styleLbl>
+  <dgm:styleLbl name="trAlignAcc1">
+    <dgm:scene3d>
+      <a:camera prst="orthographicFront"/>
+      <a:lightRig rig="threePt" dir="t"/>
+    </dgm:scene3d>
+    <dgm:sp3d/>
+    <dgm:txPr/>
+    <dgm:style>
+      <a:lnRef idx="1">
+        <a:scrgbClr r="0" g="0" b="0"/>
+      </a:lnRef>
+      <a:fillRef idx="1">
+        <a:scrgbClr r="0" g="0" b="0"/>
+      </a:fillRef>
+      <a:effectRef idx="0">
+        <a:scrgbClr r="0" g="0" b="0"/>
+      </a:effectRef>
+      <a:fontRef idx="minor"/>
+    </dgm:style>
+  </dgm:styleLbl>
+  <dgm:styleLbl name="bgAcc1">
+    <dgm:scene3d>
+      <a:camera prst="orthographicFront"/>
+      <a:lightRig rig="threePt" dir="t"/>
+    </dgm:scene3d>
+    <dgm:sp3d/>
+    <dgm:txPr/>
+    <dgm:style>
+      <a:lnRef idx="1">
+        <a:scrgbClr r="0" g="0" b="0"/>
+      </a:lnRef>
+      <a:fillRef idx="1">
+        <a:scrgbClr r="0" g="0" b="0"/>
+      </a:fillRef>
+      <a:effectRef idx="0">
+        <a:scrgbClr r="0" g="0" b="0"/>
+      </a:effectRef>
+      <a:fontRef idx="minor"/>
+    </dgm:style>
+  </dgm:styleLbl>
+  <dgm:styleLbl name="solidFgAcc1">
+    <dgm:scene3d>
+      <a:camera prst="orthographicFront"/>
+      <a:lightRig rig="threePt" dir="t"/>
+    </dgm:scene3d>
+    <dgm:sp3d/>
+    <dgm:txPr/>
+    <dgm:style>
+      <a:lnRef idx="1">
+        <a:scrgbClr r="0" g="0" b="0"/>
+      </a:lnRef>
+      <a:fillRef idx="1">
+        <a:scrgbClr r="0" g="0" b="0"/>
+      </a:fillRef>
+      <a:effectRef idx="0">
+        <a:scrgbClr r="0" g="0" b="0"/>
+      </a:effectRef>
+      <a:fontRef idx="minor"/>
+    </dgm:style>
+  </dgm:styleLbl>
+  <dgm:styleLbl name="solidAlignAcc1">
+    <dgm:scene3d>
+      <a:camera prst="orthographicFront"/>
+      <a:lightRig rig="threePt" dir="t"/>
+    </dgm:scene3d>
+    <dgm:sp3d/>
+    <dgm:txPr/>
+    <dgm:style>
+      <a:lnRef idx="1">
+        <a:scrgbClr r="0" g="0" b="0"/>
+      </a:lnRef>
+      <a:fillRef idx="1">
+        <a:scrgbClr r="0" g="0" b="0"/>
+      </a:fillRef>
+      <a:effectRef idx="0">
+        <a:scrgbClr r="0" g="0" b="0"/>
+      </a:effectRef>
+      <a:fontRef idx="minor"/>
+    </dgm:style>
+  </dgm:styleLbl>
+  <dgm:styleLbl name="solidBgAcc1">
+    <dgm:scene3d>
+      <a:camera prst="orthographicFront"/>
+      <a:lightRig rig="threePt" dir="t"/>
+    </dgm:scene3d>
+    <dgm:sp3d/>
+    <dgm:txPr/>
+    <dgm:style>
+      <a:lnRef idx="1">
+        <a:scrgbClr r="0" g="0" b="0"/>
+      </a:lnRef>
+      <a:fillRef idx="1">
+        <a:scrgbClr r="0" g="0" b="0"/>
+      </a:fillRef>
+      <a:effectRef idx="0">
+        <a:scrgbClr r="0" g="0" b="0"/>
+      </a:effectRef>
+      <a:fontRef idx="minor"/>
+    </dgm:style>
+  </dgm:styleLbl>
+  <dgm:styleLbl name="fgAccFollowNode1">
+    <dgm:scene3d>
+      <a:camera prst="orthographicFront"/>
+      <a:lightRig rig="threePt" dir="t"/>
+    </dgm:scene3d>
+    <dgm:sp3d/>
+    <dgm:txPr/>
+    <dgm:style>
+      <a:lnRef idx="1">
+        <a:scrgbClr r="0" g="0" b="0"/>
+      </a:lnRef>
+      <a:fillRef idx="1">
+        <a:scrgbClr r="0" g="0" b="0"/>
+      </a:fillRef>
+      <a:effectRef idx="0">
+        <a:scrgbClr r="0" g="0" b="0"/>
+      </a:effectRef>
+      <a:fontRef idx="minor"/>
+    </dgm:style>
+  </dgm:styleLbl>
+  <dgm:styleLbl name="alignAccFollowNode1">
+    <dgm:scene3d>
+      <a:camera prst="orthographicFront"/>
+      <a:lightRig rig="threePt" dir="t"/>
+    </dgm:scene3d>
+    <dgm:sp3d/>
+    <dgm:txPr/>
+    <dgm:style>
+      <a:lnRef idx="1">
+        <a:scrgbClr r="0" g="0" b="0"/>
+      </a:lnRef>
+      <a:fillRef idx="1">
+        <a:scrgbClr r="0" g="0" b="0"/>
+      </a:fillRef>
+      <a:effectRef idx="0">
+        <a:scrgbClr r="0" g="0" b="0"/>
+      </a:effectRef>
+      <a:fontRef idx="minor"/>
+    </dgm:style>
+  </dgm:styleLbl>
+  <dgm:styleLbl name="bgAccFollowNode1">
+    <dgm:scene3d>
+      <a:camera prst="orthographicFront"/>
+      <a:lightRig rig="threePt" dir="t"/>
+    </dgm:scene3d>
+    <dgm:sp3d/>
+    <dgm:txPr/>
+    <dgm:style>
+      <a:lnRef idx="1">
+        <a:scrgbClr r="0" g="0" b="0"/>
+      </a:lnRef>
+      <a:fillRef idx="1">
+        <a:scrgbClr r="0" g="0" b="0"/>
+      </a:fillRef>
+      <a:effectRef idx="0">
+        <a:scrgbClr r="0" g="0" b="0"/>
+      </a:effectRef>
+      <a:fontRef idx="minor"/>
+    </dgm:style>
+  </dgm:styleLbl>
+  <dgm:styleLbl name="fgAcc0">
+    <dgm:scene3d>
+      <a:camera prst="orthographicFront"/>
+      <a:lightRig rig="threePt" dir="t"/>
+    </dgm:scene3d>
+    <dgm:sp3d/>
+    <dgm:txPr/>
+    <dgm:style>
+      <a:lnRef idx="1">
+        <a:scrgbClr r="0" g="0" b="0"/>
+      </a:lnRef>
+      <a:fillRef idx="1">
+        <a:scrgbClr r="0" g="0" b="0"/>
+      </a:fillRef>
+      <a:effectRef idx="0">
+        <a:scrgbClr r="0" g="0" b="0"/>
+      </a:effectRef>
+      <a:fontRef idx="minor"/>
+    </dgm:style>
+  </dgm:styleLbl>
+  <dgm:styleLbl name="fgAcc2">
+    <dgm:scene3d>
+      <a:camera prst="orthographicFront"/>
+      <a:lightRig rig="threePt" dir="t"/>
+    </dgm:scene3d>
+    <dgm:sp3d/>
+    <dgm:txPr/>
+    <dgm:style>
+      <a:lnRef idx="1">
+        <a:scrgbClr r="0" g="0" b="0"/>
+      </a:lnRef>
+      <a:fillRef idx="1">
+        <a:scrgbClr r="0" g="0" b="0"/>
+      </a:fillRef>
+      <a:effectRef idx="0">
+        <a:scrgbClr r="0" g="0" b="0"/>
+      </a:effectRef>
+      <a:fontRef idx="minor"/>
+    </dgm:style>
+  </dgm:styleLbl>
+  <dgm:styleLbl name="fgAcc3">
+    <dgm:scene3d>
+      <a:camera prst="orthographicFront"/>
+      <a:lightRig rig="threePt" dir="t"/>
+    </dgm:scene3d>
+    <dgm:sp3d/>
+    <dgm:txPr/>
+    <dgm:style>
+      <a:lnRef idx="1">
+        <a:scrgbClr r="0" g="0" b="0"/>
+      </a:lnRef>
+      <a:fillRef idx="1">
+        <a:scrgbClr r="0" g="0" b="0"/>
+      </a:fillRef>
+      <a:effectRef idx="0">
+        <a:scrgbClr r="0" g="0" b="0"/>
+      </a:effectRef>
+      <a:fontRef idx="minor"/>
+    </dgm:style>
+  </dgm:styleLbl>
+  <dgm:styleLbl name="fgAcc4">
+    <dgm:scene3d>
+      <a:camera prst="orthographicFront"/>
+      <a:lightRig rig="threePt" dir="t"/>
+    </dgm:scene3d>
+    <dgm:sp3d/>
+    <dgm:txPr/>
+    <dgm:style>
+      <a:lnRef idx="1">
+        <a:scrgbClr r="0" g="0" b="0"/>
+      </a:lnRef>
+      <a:fillRef idx="1">
+        <a:scrgbClr r="0" g="0" b="0"/>
+      </a:fillRef>
+      <a:effectRef idx="0">
+        <a:scrgbClr r="0" g="0" b="0"/>
+      </a:effectRef>
+      <a:fontRef idx="minor"/>
+    </dgm:style>
+  </dgm:styleLbl>
+  <dgm:styleLbl name="bgShp">
+    <dgm:scene3d>
+      <a:camera prst="orthographicFront"/>
+      <a:lightRig rig="threePt" dir="t"/>
+    </dgm:scene3d>
+    <dgm:sp3d/>
+    <dgm:txPr/>
+    <dgm:style>
+      <a:lnRef idx="0">
+        <a:scrgbClr r="0" g="0" b="0"/>
+      </a:lnRef>
+      <a:fillRef idx="1">
+        <a:scrgbClr r="0" g="0" b="0"/>
+      </a:fillRef>
+      <a:effectRef idx="2">
+        <a:scrgbClr r="0" g="0" b="0"/>
+      </a:effectRef>
+      <a:fontRef idx="minor"/>
+    </dgm:style>
+  </dgm:styleLbl>
+  <dgm:styleLbl name="dkBgShp">
+    <dgm:scene3d>
+      <a:camera prst="orthographicFront"/>
+      <a:lightRig rig="threePt" dir="t"/>
+    </dgm:scene3d>
+    <dgm:sp3d/>
+    <dgm:txPr/>
+    <dgm:style>
+      <a:lnRef idx="0">
+        <a:scrgbClr r="0" g="0" b="0"/>
+      </a:lnRef>
+      <a:fillRef idx="1">
+        <a:scrgbClr r="0" g="0" b="0"/>
+      </a:fillRef>
+      <a:effectRef idx="2">
+        <a:scrgbClr r="0" g="0" b="0"/>
+      </a:effectRef>
+      <a:fontRef idx="minor"/>
+    </dgm:style>
+  </dgm:styleLbl>
+  <dgm:styleLbl name="trBgShp">
+    <dgm:scene3d>
+      <a:camera prst="orthographicFront"/>
+      <a:lightRig rig="threePt" dir="t"/>
+    </dgm:scene3d>
+    <dgm:sp3d/>
+    <dgm:txPr/>
+    <dgm:style>
+      <a:lnRef idx="0">
+        <a:scrgbClr r="0" g="0" b="0"/>
+      </a:lnRef>
+      <a:fillRef idx="1">
+        <a:scrgbClr r="0" g="0" b="0"/>
+      </a:fillRef>
+      <a:effectRef idx="0">
+        <a:scrgbClr r="0" g="0" b="0"/>
+      </a:effectRef>
+      <a:fontRef idx="minor"/>
+    </dgm:style>
+  </dgm:styleLbl>
+  <dgm:styleLbl name="fgShp">
+    <dgm:scene3d>
+      <a:camera prst="orthographicFront"/>
+      <a:lightRig rig="threePt" dir="t"/>
+    </dgm:scene3d>
+    <dgm:sp3d/>
+    <dgm:txPr/>
+    <dgm:style>
+      <a:lnRef idx="0">
+        <a:scrgbClr r="0" g="0" b="0"/>
+      </a:lnRef>
+      <a:fillRef idx="3">
+        <a:scrgbClr r="0" g="0" b="0"/>
+      </a:fillRef>
+      <a:effectRef idx="2">
+        <a:scrgbClr r="0" g="0" b="0"/>
+      </a:effectRef>
+      <a:fontRef idx="minor"/>
+    </dgm:style>
+  </dgm:styleLbl>
+  <dgm:styleLbl name="revTx">
+    <dgm:scene3d>
+      <a:camera prst="orthographicFront"/>
+      <a:lightRig rig="threePt" dir="t"/>
+    </dgm:scene3d>
+    <dgm:sp3d/>
+    <dgm:txPr/>
+    <dgm:style>
+      <a:lnRef idx="0">
+        <a:scrgbClr r="0" g="0" b="0"/>
+      </a:lnRef>
+      <a:fillRef idx="0">
+        <a:scrgbClr r="0" g="0" b="0"/>
+      </a:fillRef>
+      <a:effectRef idx="0">
+        <a:scrgbClr r="0" g="0" b="0"/>
+      </a:effectRef>
+      <a:fontRef idx="minor"/>
+    </dgm:style>
+  </dgm:styleLbl>
+</dgm:styleDef>
+</file>
+
+<file path=ppt/notesMasters/notesMaster1.xml><?xml version="1.0" encoding="utf-8"?>
+<p:notesMaster xmlns:a="http://schemas.openxmlformats.org/drawingml/2006/main" xmlns:r="http://schemas.openxmlformats.org/officeDocument/2006/relationships" xmlns:p="http://schemas.openxmlformats.org/presentationml/2006/main">
+  <p:cSld>
+    <p:bg>
+      <p:bgRef idx="1001">
+        <a:schemeClr val="bg1"/>
+      </p:bgRef>
+    </p:bg>
+    <p:spTree>
+      <p:nvGrpSpPr>
+        <p:cNvPr id="1" name=""/>
+        <p:cNvGrpSpPr/>
+        <p:nvPr/>
+      </p:nvGrpSpPr>
+      <p:grpSpPr>
+        <a:xfrm>
+          <a:off x="0" y="0"/>
+          <a:ext cx="0" cy="0"/>
+          <a:chOff x="0" y="0"/>
+          <a:chExt cx="0" cy="0"/>
+        </a:xfrm>
+      </p:grpSpPr>
+      <p:sp>
+        <p:nvSpPr>
+          <p:cNvPr id="2" name="Header Placeholder 1"/>
+          <p:cNvSpPr>
+            <a:spLocks noGrp="1"/>
+          </p:cNvSpPr>
+          <p:nvPr>
+            <p:ph type="hdr" sz="quarter"/>
+          </p:nvPr>
+        </p:nvSpPr>
+        <p:spPr>
+          <a:xfrm>
+            <a:off x="0" y="0"/>
+            <a:ext cx="2971800" cy="458788"/>
+          </a:xfrm>
+          <a:prstGeom prst="rect">
+            <a:avLst/>
+          </a:prstGeom>
+        </p:spPr>
+        <p:txBody>
+          <a:bodyPr vert="horz" lIns="91440" tIns="45720" rIns="91440" bIns="45720" rtlCol="0"/>
+          <a:lstStyle>
+            <a:lvl1pPr algn="l">
+              <a:defRPr sz="1200"/>
+            </a:lvl1pPr>
+          </a:lstStyle>
+          <a:p>
+            <a:endParaRPr lang="en-US"/>
+          </a:p>
+        </p:txBody>
+      </p:sp>
+      <p:sp>
+        <p:nvSpPr>
+          <p:cNvPr id="3" name="Date Placeholder 2"/>
+          <p:cNvSpPr>
+            <a:spLocks noGrp="1"/>
+          </p:cNvSpPr>
+          <p:nvPr>
+            <p:ph type="dt" idx="1"/>
+          </p:nvPr>
+        </p:nvSpPr>
+        <p:spPr>
+          <a:xfrm>
+            <a:off x="3884613" y="0"/>
+            <a:ext cx="2971800" cy="458788"/>
+          </a:xfrm>
+          <a:prstGeom prst="rect">
+            <a:avLst/>
+          </a:prstGeom>
+        </p:spPr>
+        <p:txBody>
+          <a:bodyPr vert="horz" lIns="91440" tIns="45720" rIns="91440" bIns="45720" rtlCol="0"/>
+          <a:lstStyle>
+            <a:lvl1pPr algn="r">
+              <a:defRPr sz="1200"/>
+            </a:lvl1pPr>
+          </a:lstStyle>
+          <a:p>
+            <a:fld id="{AC44E174-B33E-0A46-B0EA-E040EA075F5D}" type="datetimeFigureOut">
+              <a:rPr lang="en-US" smtClean="0"/>
+              <a:t>12/11/16</a:t>
+            </a:fld>
+            <a:endParaRPr lang="en-US"/>
+          </a:p>
+        </p:txBody>
+      </p:sp>
+      <p:sp>
+        <p:nvSpPr>
+          <p:cNvPr id="4" name="Slide Image Placeholder 3"/>
+          <p:cNvSpPr>
+            <a:spLocks noGrp="1" noRot="1" noChangeAspect="1"/>
+          </p:cNvSpPr>
+          <p:nvPr>
+            <p:ph type="sldImg" idx="2"/>
+          </p:nvPr>
+        </p:nvSpPr>
+        <p:spPr>
+          <a:xfrm>
+            <a:off x="1371600" y="1143000"/>
+            <a:ext cx="4114800" cy="3086100"/>
+          </a:xfrm>
+          <a:prstGeom prst="rect">
+            <a:avLst/>
+          </a:prstGeom>
+          <a:noFill/>
+          <a:ln w="12700">
+            <a:solidFill>
+              <a:prstClr val="black"/>
+            </a:solidFill>
+          </a:ln>
+        </p:spPr>
+        <p:txBody>
+          <a:bodyPr vert="horz" lIns="91440" tIns="45720" rIns="91440" bIns="45720" rtlCol="0" anchor="ctr"/>
+          <a:lstStyle/>
+          <a:p>
+            <a:endParaRPr lang="en-US"/>
+          </a:p>
+        </p:txBody>
+      </p:sp>
+      <p:sp>
+        <p:nvSpPr>
+          <p:cNvPr id="5" name="Notes Placeholder 4"/>
+          <p:cNvSpPr>
+            <a:spLocks noGrp="1"/>
+          </p:cNvSpPr>
+          <p:nvPr>
+            <p:ph type="body" sz="quarter" idx="3"/>
+          </p:nvPr>
+        </p:nvSpPr>
+        <p:spPr>
+          <a:xfrm>
+            <a:off x="685800" y="4400550"/>
+            <a:ext cx="5486400" cy="3600450"/>
+          </a:xfrm>
+          <a:prstGeom prst="rect">
+            <a:avLst/>
+          </a:prstGeom>
+        </p:spPr>
+        <p:txBody>
+          <a:bodyPr vert="horz" lIns="91440" tIns="45720" rIns="91440" bIns="45720" rtlCol="0"/>
+          <a:lstStyle/>
+          <a:p>
+            <a:pPr lvl="0"/>
+            <a:r>
+              <a:rPr lang="en-US" smtClean="0"/>
+              <a:t>Click to edit Master text styles</a:t>
+            </a:r>
+          </a:p>
+          <a:p>
+            <a:pPr lvl="1"/>
+            <a:r>
+              <a:rPr lang="en-US" smtClean="0"/>
+              <a:t>Second level</a:t>
+            </a:r>
+          </a:p>
+          <a:p>
+            <a:pPr lvl="2"/>
+            <a:r>
+              <a:rPr lang="en-US" smtClean="0"/>
+              <a:t>Third level</a:t>
+            </a:r>
+          </a:p>
+          <a:p>
+            <a:pPr lvl="3"/>
+            <a:r>
+              <a:rPr lang="en-US" smtClean="0"/>
+              <a:t>Fourth level</a:t>
+            </a:r>
+          </a:p>
+          <a:p>
+            <a:pPr lvl="4"/>
+            <a:r>
+              <a:rPr lang="en-US" smtClean="0"/>
+              <a:t>Fifth level</a:t>
+            </a:r>
+            <a:endParaRPr lang="en-US"/>
+          </a:p>
+        </p:txBody>
+      </p:sp>
+      <p:sp>
+        <p:nvSpPr>
+          <p:cNvPr id="6" name="Footer Placeholder 5"/>
+          <p:cNvSpPr>
+            <a:spLocks noGrp="1"/>
+          </p:cNvSpPr>
+          <p:nvPr>
+            <p:ph type="ftr" sz="quarter" idx="4"/>
+          </p:nvPr>
+        </p:nvSpPr>
+        <p:spPr>
+          <a:xfrm>
+            <a:off x="0" y="8685213"/>
+            <a:ext cx="2971800" cy="458787"/>
+          </a:xfrm>
+          <a:prstGeom prst="rect">
+            <a:avLst/>
+          </a:prstGeom>
+        </p:spPr>
+        <p:txBody>
+          <a:bodyPr vert="horz" lIns="91440" tIns="45720" rIns="91440" bIns="45720" rtlCol="0" anchor="b"/>
+          <a:lstStyle>
+            <a:lvl1pPr algn="l">
+              <a:defRPr sz="1200"/>
+            </a:lvl1pPr>
+          </a:lstStyle>
+          <a:p>
+            <a:endParaRPr lang="en-US"/>
+          </a:p>
+        </p:txBody>
+      </p:sp>
+      <p:sp>
+        <p:nvSpPr>
+          <p:cNvPr id="7" name="Slide Number Placeholder 6"/>
+          <p:cNvSpPr>
+            <a:spLocks noGrp="1"/>
+          </p:cNvSpPr>
+          <p:nvPr>
+            <p:ph type="sldNum" sz="quarter" idx="5"/>
+          </p:nvPr>
+        </p:nvSpPr>
+        <p:spPr>
+          <a:xfrm>
+            <a:off x="3884613" y="8685213"/>
+            <a:ext cx="2971800" cy="458787"/>
+          </a:xfrm>
+          <a:prstGeom prst="rect">
+            <a:avLst/>
+          </a:prstGeom>
+        </p:spPr>
+        <p:txBody>
+          <a:bodyPr vert="horz" lIns="91440" tIns="45720" rIns="91440" bIns="45720" rtlCol="0" anchor="b"/>
+          <a:lstStyle>
+            <a:lvl1pPr algn="r">
+              <a:defRPr sz="1200"/>
+            </a:lvl1pPr>
+          </a:lstStyle>
+          <a:p>
+            <a:fld id="{99400663-AB83-104B-A845-5AC10AEB7A22}" type="slidenum">
+              <a:rPr lang="en-US" smtClean="0"/>
+              <a:t>‹#›</a:t>
+            </a:fld>
+            <a:endParaRPr lang="en-US"/>
+          </a:p>
+        </p:txBody>
+      </p:sp>
+    </p:spTree>
+    <p:extLst>
+      <p:ext uri="{BB962C8B-B14F-4D97-AF65-F5344CB8AC3E}">
+        <p14:creationId xmlns:p14="http://schemas.microsoft.com/office/powerpoint/2010/main" val="1195928052"/>
+      </p:ext>
+    </p:extLst>
+  </p:cSld>
+  <p:clrMap bg1="lt1" tx1="dk1" bg2="lt2" tx2="dk2" accent1="accent1" accent2="accent2" accent3="accent3" accent4="accent4" accent5="accent5" accent6="accent6" hlink="hlink" folHlink="folHlink"/>
+  <p:notesStyle>
+    <a:lvl1pPr marL="0" algn="l" defTabSz="914400" rtl="0" eaLnBrk="1" latinLnBrk="0" hangingPunct="1">
+      <a:defRPr sz="1200" kern="1200">
+        <a:solidFill>
+          <a:schemeClr val="tx1"/>
+        </a:solidFill>
+        <a:latin typeface="+mn-lt"/>
+        <a:ea typeface="+mn-ea"/>
+        <a:cs typeface="+mn-cs"/>
+      </a:defRPr>
+    </a:lvl1pPr>
+    <a:lvl2pPr marL="457200" algn="l" defTabSz="914400" rtl="0" eaLnBrk="1" latinLnBrk="0" hangingPunct="1">
+      <a:defRPr sz="1200" kern="1200">
+        <a:solidFill>
+          <a:schemeClr val="tx1"/>
+        </a:solidFill>
+        <a:latin typeface="+mn-lt"/>
+        <a:ea typeface="+mn-ea"/>
+        <a:cs typeface="+mn-cs"/>
+      </a:defRPr>
+    </a:lvl2pPr>
+    <a:lvl3pPr marL="914400" algn="l" defTabSz="914400" rtl="0" eaLnBrk="1" latinLnBrk="0" hangingPunct="1">
+      <a:defRPr sz="1200" kern="1200">
+        <a:solidFill>
+          <a:schemeClr val="tx1"/>
+        </a:solidFill>
+        <a:latin typeface="+mn-lt"/>
+        <a:ea typeface="+mn-ea"/>
+        <a:cs typeface="+mn-cs"/>
+      </a:defRPr>
+    </a:lvl3pPr>
+    <a:lvl4pPr marL="1371600" algn="l" defTabSz="914400" rtl="0" eaLnBrk="1" latinLnBrk="0" hangingPunct="1">
+      <a:defRPr sz="1200" kern="1200">
+        <a:solidFill>
+          <a:schemeClr val="tx1"/>
+        </a:solidFill>
+        <a:latin typeface="+mn-lt"/>
+        <a:ea typeface="+mn-ea"/>
+        <a:cs typeface="+mn-cs"/>
+      </a:defRPr>
+    </a:lvl4pPr>
+    <a:lvl5pPr marL="1828800" algn="l" defTabSz="914400" rtl="0" eaLnBrk="1" latinLnBrk="0" hangingPunct="1">
+      <a:defRPr sz="1200" kern="1200">
+        <a:solidFill>
+          <a:schemeClr val="tx1"/>
+        </a:solidFill>
+        <a:latin typeface="+mn-lt"/>
+        <a:ea typeface="+mn-ea"/>
+        <a:cs typeface="+mn-cs"/>
+      </a:defRPr>
+    </a:lvl5pPr>
+    <a:lvl6pPr marL="2286000" algn="l" defTabSz="914400" rtl="0" eaLnBrk="1" latinLnBrk="0" hangingPunct="1">
+      <a:defRPr sz="1200" kern="1200">
+        <a:solidFill>
+          <a:schemeClr val="tx1"/>
+        </a:solidFill>
+        <a:latin typeface="+mn-lt"/>
+        <a:ea typeface="+mn-ea"/>
+        <a:cs typeface="+mn-cs"/>
+      </a:defRPr>
+    </a:lvl6pPr>
+    <a:lvl7pPr marL="2743200" algn="l" defTabSz="914400" rtl="0" eaLnBrk="1" latinLnBrk="0" hangingPunct="1">
+      <a:defRPr sz="1200" kern="1200">
+        <a:solidFill>
+          <a:schemeClr val="tx1"/>
+        </a:solidFill>
+        <a:latin typeface="+mn-lt"/>
+        <a:ea typeface="+mn-ea"/>
+        <a:cs typeface="+mn-cs"/>
+      </a:defRPr>
+    </a:lvl7pPr>
+    <a:lvl8pPr marL="3200400" algn="l" defTabSz="914400" rtl="0" eaLnBrk="1" latinLnBrk="0" hangingPunct="1">
+      <a:defRPr sz="1200" kern="1200">
+        <a:solidFill>
+          <a:schemeClr val="tx1"/>
+        </a:solidFill>
+        <a:latin typeface="+mn-lt"/>
+        <a:ea typeface="+mn-ea"/>
+        <a:cs typeface="+mn-cs"/>
+      </a:defRPr>
+    </a:lvl8pPr>
+    <a:lvl9pPr marL="3657600" algn="l" defTabSz="914400" rtl="0" eaLnBrk="1" latinLnBrk="0" hangingPunct="1">
+      <a:defRPr sz="1200" kern="1200">
+        <a:solidFill>
+          <a:schemeClr val="tx1"/>
+        </a:solidFill>
+        <a:latin typeface="+mn-lt"/>
+        <a:ea typeface="+mn-ea"/>
+        <a:cs typeface="+mn-cs"/>
+      </a:defRPr>
+    </a:lvl9pPr>
+  </p:notesStyle>
+</p:notesMaster>
 </file>
 
 <file path=ppt/slideLayouts/slideLayout1.xml><?xml version="1.0" encoding="utf-8"?>
@@ -32501,23 +35993,23 @@
     </p:spTree>
     <p:extLst>
       <p:ext uri="{BB962C8B-B14F-4D97-AF65-F5344CB8AC3E}">
-        <p14:creationId xmlns:p14="http://schemas.microsoft.com/office/powerpoint/2010/main" val="977761301"/>
+        <p14:creationId xmlns:p14="http://schemas.microsoft.com/office/powerpoint/2010/main" val="973270607"/>
       </p:ext>
     </p:extLst>
   </p:cSld>
   <p:clrMap bg1="lt1" tx1="dk1" bg2="lt2" tx2="dk2" accent1="accent1" accent2="accent2" accent3="accent3" accent4="accent4" accent5="accent5" accent6="accent6" hlink="hlink" folHlink="folHlink"/>
   <p:sldLayoutIdLst>
-    <p:sldLayoutId id="2147484075" r:id="rId1"/>
-    <p:sldLayoutId id="2147484076" r:id="rId2"/>
-    <p:sldLayoutId id="2147484077" r:id="rId3"/>
-    <p:sldLayoutId id="2147484078" r:id="rId4"/>
-    <p:sldLayoutId id="2147484079" r:id="rId5"/>
-    <p:sldLayoutId id="2147484080" r:id="rId6"/>
-    <p:sldLayoutId id="2147484081" r:id="rId7"/>
-    <p:sldLayoutId id="2147484082" r:id="rId8"/>
-    <p:sldLayoutId id="2147484083" r:id="rId9"/>
-    <p:sldLayoutId id="2147484084" r:id="rId10"/>
-    <p:sldLayoutId id="2147484085" r:id="rId11"/>
+    <p:sldLayoutId id="2147484123" r:id="rId1"/>
+    <p:sldLayoutId id="2147484124" r:id="rId2"/>
+    <p:sldLayoutId id="2147484125" r:id="rId3"/>
+    <p:sldLayoutId id="2147484126" r:id="rId4"/>
+    <p:sldLayoutId id="2147484127" r:id="rId5"/>
+    <p:sldLayoutId id="2147484128" r:id="rId6"/>
+    <p:sldLayoutId id="2147484129" r:id="rId7"/>
+    <p:sldLayoutId id="2147484130" r:id="rId8"/>
+    <p:sldLayoutId id="2147484131" r:id="rId9"/>
+    <p:sldLayoutId id="2147484132" r:id="rId10"/>
+    <p:sldLayoutId id="2147484133" r:id="rId11"/>
   </p:sldLayoutIdLst>
   <p:txStyles>
     <p:titleStyle>
@@ -32835,11 +36327,11 @@
           <a:lstStyle/>
           <a:p>
             <a:r>
-              <a:rPr lang="en-US" smtClean="0"/>
+              <a:rPr lang="en-US" dirty="0" smtClean="0"/>
               <a:t>Brain-</a:t>
             </a:r>
             <a:r>
-              <a:rPr lang="en-US" smtClean="0"/>
+              <a:rPr lang="en-US" dirty="0" smtClean="0"/>
               <a:t>Controlled </a:t>
             </a:r>
             <a:r>
@@ -32883,10 +36375,619 @@
   <p:clrMapOvr>
     <a:masterClrMapping/>
   </p:clrMapOvr>
+  <p:timing>
+    <p:tnLst>
+      <p:par>
+        <p:cTn id="1" dur="indefinite" restart="never" nodeType="tmRoot"/>
+      </p:par>
+    </p:tnLst>
+  </p:timing>
+</p:sld>
+</file>
+
+<file path=ppt/slides/slide10.xml><?xml version="1.0" encoding="utf-8"?>
+<p:sld xmlns:a="http://schemas.openxmlformats.org/drawingml/2006/main" xmlns:r="http://schemas.openxmlformats.org/officeDocument/2006/relationships" xmlns:p="http://schemas.openxmlformats.org/presentationml/2006/main">
+  <p:cSld>
+    <p:spTree>
+      <p:nvGrpSpPr>
+        <p:cNvPr id="1" name=""/>
+        <p:cNvGrpSpPr/>
+        <p:nvPr/>
+      </p:nvGrpSpPr>
+      <p:grpSpPr>
+        <a:xfrm>
+          <a:off x="0" y="0"/>
+          <a:ext cx="0" cy="0"/>
+          <a:chOff x="0" y="0"/>
+          <a:chExt cx="0" cy="0"/>
+        </a:xfrm>
+      </p:grpSpPr>
+      <p:graphicFrame>
+        <p:nvGraphicFramePr>
+          <p:cNvPr id="6" name="Content Placeholder 5"/>
+          <p:cNvGraphicFramePr>
+            <a:graphicFrameLocks noGrp="1"/>
+          </p:cNvGraphicFramePr>
+          <p:nvPr>
+            <p:ph idx="1"/>
+            <p:extLst>
+              <p:ext uri="{D42A27DB-BD31-4B8C-83A1-F6EECF244321}">
+                <p14:modId xmlns:p14="http://schemas.microsoft.com/office/powerpoint/2010/main" val="51831910"/>
+              </p:ext>
+            </p:extLst>
+          </p:nvPr>
+        </p:nvGraphicFramePr>
+        <p:xfrm>
+          <a:off x="628650" y="609600"/>
+          <a:ext cx="7886700" cy="5567363"/>
+        </p:xfrm>
+        <a:graphic>
+          <a:graphicData uri="http://schemas.openxmlformats.org/drawingml/2006/diagram">
+            <dgm:relIds xmlns:dgm="http://schemas.openxmlformats.org/drawingml/2006/diagram" xmlns:r="http://schemas.openxmlformats.org/officeDocument/2006/relationships" r:dm="rId2" r:lo="rId3" r:qs="rId4" r:cs="rId5"/>
+          </a:graphicData>
+        </a:graphic>
+      </p:graphicFrame>
+    </p:spTree>
+    <p:extLst>
+      <p:ext uri="{BB962C8B-B14F-4D97-AF65-F5344CB8AC3E}">
+        <p14:creationId xmlns:p14="http://schemas.microsoft.com/office/powerpoint/2010/main" val="817981949"/>
+      </p:ext>
+    </p:extLst>
+  </p:cSld>
+  <p:clrMapOvr>
+    <a:masterClrMapping/>
+  </p:clrMapOvr>
+  <p:timing>
+    <p:tnLst>
+      <p:par>
+        <p:cTn id="1" dur="indefinite" restart="never" nodeType="tmRoot"/>
+      </p:par>
+    </p:tnLst>
+  </p:timing>
 </p:sld>
 </file>
 
 <file path=ppt/slides/slide2.xml><?xml version="1.0" encoding="utf-8"?>
+<p:sld xmlns:a="http://schemas.openxmlformats.org/drawingml/2006/main" xmlns:r="http://schemas.openxmlformats.org/officeDocument/2006/relationships" xmlns:p="http://schemas.openxmlformats.org/presentationml/2006/main">
+  <p:cSld>
+    <p:spTree>
+      <p:nvGrpSpPr>
+        <p:cNvPr id="1" name=""/>
+        <p:cNvGrpSpPr/>
+        <p:nvPr/>
+      </p:nvGrpSpPr>
+      <p:grpSpPr>
+        <a:xfrm>
+          <a:off x="0" y="0"/>
+          <a:ext cx="0" cy="0"/>
+          <a:chOff x="0" y="0"/>
+          <a:chExt cx="0" cy="0"/>
+        </a:xfrm>
+      </p:grpSpPr>
+      <p:pic>
+        <p:nvPicPr>
+          <p:cNvPr id="4" name="Picture 3"/>
+          <p:cNvPicPr>
+            <a:picLocks noChangeAspect="1"/>
+          </p:cNvPicPr>
+          <p:nvPr/>
+        </p:nvPicPr>
+        <p:blipFill rotWithShape="1">
+          <a:blip r:embed="rId2">
+            <a:extLst>
+              <a:ext uri="{28A0092B-C50C-407E-A947-70E740481C1C}">
+                <a14:useLocalDpi xmlns:a14="http://schemas.microsoft.com/office/drawing/2010/main" val="0"/>
+              </a:ext>
+            </a:extLst>
+          </a:blip>
+          <a:srcRect t="19484" b="12500"/>
+          <a:stretch/>
+        </p:blipFill>
+        <p:spPr>
+          <a:xfrm>
+            <a:off x="0" y="0"/>
+            <a:ext cx="9144000" cy="6858000"/>
+          </a:xfrm>
+          <a:prstGeom prst="rect">
+            <a:avLst/>
+          </a:prstGeom>
+        </p:spPr>
+      </p:pic>
+    </p:spTree>
+    <p:extLst>
+      <p:ext uri="{BB962C8B-B14F-4D97-AF65-F5344CB8AC3E}">
+        <p14:creationId xmlns:p14="http://schemas.microsoft.com/office/powerpoint/2010/main" val="1251886598"/>
+      </p:ext>
+    </p:extLst>
+  </p:cSld>
+  <p:clrMapOvr>
+    <a:masterClrMapping/>
+  </p:clrMapOvr>
+  <p:timing>
+    <p:tnLst>
+      <p:par>
+        <p:cTn id="1" dur="indefinite" restart="never" nodeType="tmRoot"/>
+      </p:par>
+    </p:tnLst>
+  </p:timing>
+</p:sld>
+</file>
+
+<file path=ppt/slides/slide3.xml><?xml version="1.0" encoding="utf-8"?>
+<p:sld xmlns:a="http://schemas.openxmlformats.org/drawingml/2006/main" xmlns:r="http://schemas.openxmlformats.org/officeDocument/2006/relationships" xmlns:p="http://schemas.openxmlformats.org/presentationml/2006/main">
+  <p:cSld>
+    <p:spTree>
+      <p:nvGrpSpPr>
+        <p:cNvPr id="1" name=""/>
+        <p:cNvGrpSpPr/>
+        <p:nvPr/>
+      </p:nvGrpSpPr>
+      <p:grpSpPr>
+        <a:xfrm>
+          <a:off x="0" y="0"/>
+          <a:ext cx="0" cy="0"/>
+          <a:chOff x="0" y="0"/>
+          <a:chExt cx="0" cy="0"/>
+        </a:xfrm>
+      </p:grpSpPr>
+      <p:pic>
+        <p:nvPicPr>
+          <p:cNvPr id="4" name="Picture 3"/>
+          <p:cNvPicPr>
+            <a:picLocks noChangeAspect="1"/>
+          </p:cNvPicPr>
+          <p:nvPr/>
+        </p:nvPicPr>
+        <p:blipFill>
+          <a:blip r:embed="rId2">
+            <a:extLst>
+              <a:ext uri="{28A0092B-C50C-407E-A947-70E740481C1C}">
+                <a14:useLocalDpi xmlns:a14="http://schemas.microsoft.com/office/drawing/2010/main" val="0"/>
+              </a:ext>
+            </a:extLst>
+          </a:blip>
+          <a:stretch>
+            <a:fillRect/>
+          </a:stretch>
+        </p:blipFill>
+        <p:spPr>
+          <a:xfrm>
+            <a:off x="2286000" y="0"/>
+            <a:ext cx="7475288" cy="6858000"/>
+          </a:xfrm>
+          <a:prstGeom prst="rect">
+            <a:avLst/>
+          </a:prstGeom>
+        </p:spPr>
+      </p:pic>
+      <p:sp>
+        <p:nvSpPr>
+          <p:cNvPr id="2" name="Title 1"/>
+          <p:cNvSpPr>
+            <a:spLocks noGrp="1"/>
+          </p:cNvSpPr>
+          <p:nvPr>
+            <p:ph type="title"/>
+          </p:nvPr>
+        </p:nvSpPr>
+        <p:spPr/>
+        <p:txBody>
+          <a:bodyPr/>
+          <a:lstStyle/>
+          <a:p>
+            <a:r>
+              <a:rPr lang="en-US" dirty="0" smtClean="0"/>
+              <a:t>Technology</a:t>
+            </a:r>
+            <a:endParaRPr lang="en-US" dirty="0"/>
+          </a:p>
+        </p:txBody>
+      </p:sp>
+    </p:spTree>
+    <p:extLst>
+      <p:ext uri="{BB962C8B-B14F-4D97-AF65-F5344CB8AC3E}">
+        <p14:creationId xmlns:p14="http://schemas.microsoft.com/office/powerpoint/2010/main" val="1875013366"/>
+      </p:ext>
+    </p:extLst>
+  </p:cSld>
+  <p:clrMapOvr>
+    <a:masterClrMapping/>
+  </p:clrMapOvr>
+  <p:timing>
+    <p:tnLst>
+      <p:par>
+        <p:cTn id="1" dur="indefinite" restart="never" nodeType="tmRoot"/>
+      </p:par>
+    </p:tnLst>
+  </p:timing>
+</p:sld>
+</file>
+
+<file path=ppt/slides/slide4.xml><?xml version="1.0" encoding="utf-8"?>
+<p:sld xmlns:a="http://schemas.openxmlformats.org/drawingml/2006/main" xmlns:r="http://schemas.openxmlformats.org/officeDocument/2006/relationships" xmlns:p="http://schemas.openxmlformats.org/presentationml/2006/main">
+  <p:cSld>
+    <p:spTree>
+      <p:nvGrpSpPr>
+        <p:cNvPr id="1" name=""/>
+        <p:cNvGrpSpPr/>
+        <p:nvPr/>
+      </p:nvGrpSpPr>
+      <p:grpSpPr>
+        <a:xfrm>
+          <a:off x="0" y="0"/>
+          <a:ext cx="0" cy="0"/>
+          <a:chOff x="0" y="0"/>
+          <a:chExt cx="0" cy="0"/>
+        </a:xfrm>
+      </p:grpSpPr>
+      <p:sp>
+        <p:nvSpPr>
+          <p:cNvPr id="2" name="Title 1"/>
+          <p:cNvSpPr>
+            <a:spLocks noGrp="1"/>
+          </p:cNvSpPr>
+          <p:nvPr>
+            <p:ph type="title"/>
+          </p:nvPr>
+        </p:nvSpPr>
+        <p:spPr>
+          <a:xfrm>
+            <a:off x="628650" y="3581400"/>
+            <a:ext cx="7886700" cy="2852737"/>
+          </a:xfrm>
+        </p:spPr>
+        <p:txBody>
+          <a:bodyPr/>
+          <a:lstStyle/>
+          <a:p>
+            <a:pPr algn="ctr"/>
+            <a:r>
+              <a:rPr lang="en-US" dirty="0" smtClean="0"/>
+              <a:t>Web APIs</a:t>
+            </a:r>
+            <a:endParaRPr lang="en-US" dirty="0"/>
+          </a:p>
+        </p:txBody>
+      </p:sp>
+      <p:pic>
+        <p:nvPicPr>
+          <p:cNvPr id="4" name="Picture 3"/>
+          <p:cNvPicPr>
+            <a:picLocks noChangeAspect="1"/>
+          </p:cNvPicPr>
+          <p:nvPr/>
+        </p:nvPicPr>
+        <p:blipFill>
+          <a:blip r:embed="rId2">
+            <a:extLst>
+              <a:ext uri="{28A0092B-C50C-407E-A947-70E740481C1C}">
+                <a14:useLocalDpi xmlns:a14="http://schemas.microsoft.com/office/drawing/2010/main" val="0"/>
+              </a:ext>
+            </a:extLst>
+          </a:blip>
+          <a:stretch>
+            <a:fillRect/>
+          </a:stretch>
+        </p:blipFill>
+        <p:spPr>
+          <a:xfrm>
+            <a:off x="0" y="-4763"/>
+            <a:ext cx="9144000" cy="5212732"/>
+          </a:xfrm>
+          <a:prstGeom prst="rect">
+            <a:avLst/>
+          </a:prstGeom>
+        </p:spPr>
+      </p:pic>
+    </p:spTree>
+    <p:extLst>
+      <p:ext uri="{BB962C8B-B14F-4D97-AF65-F5344CB8AC3E}">
+        <p14:creationId xmlns:p14="http://schemas.microsoft.com/office/powerpoint/2010/main" val="1906825691"/>
+      </p:ext>
+    </p:extLst>
+  </p:cSld>
+  <p:clrMapOvr>
+    <a:masterClrMapping/>
+  </p:clrMapOvr>
+  <p:timing>
+    <p:tnLst>
+      <p:par>
+        <p:cTn id="1" dur="indefinite" restart="never" nodeType="tmRoot"/>
+      </p:par>
+    </p:tnLst>
+  </p:timing>
+</p:sld>
+</file>
+
+<file path=ppt/slides/slide5.xml><?xml version="1.0" encoding="utf-8"?>
+<p:sld xmlns:a="http://schemas.openxmlformats.org/drawingml/2006/main" xmlns:r="http://schemas.openxmlformats.org/officeDocument/2006/relationships" xmlns:p="http://schemas.openxmlformats.org/presentationml/2006/main">
+  <p:cSld>
+    <p:spTree>
+      <p:nvGrpSpPr>
+        <p:cNvPr id="1" name=""/>
+        <p:cNvGrpSpPr/>
+        <p:nvPr/>
+      </p:nvGrpSpPr>
+      <p:grpSpPr>
+        <a:xfrm>
+          <a:off x="0" y="0"/>
+          <a:ext cx="0" cy="0"/>
+          <a:chOff x="0" y="0"/>
+          <a:chExt cx="0" cy="0"/>
+        </a:xfrm>
+      </p:grpSpPr>
+      <p:pic>
+        <p:nvPicPr>
+          <p:cNvPr id="4" name="Picture 3"/>
+          <p:cNvPicPr>
+            <a:picLocks noChangeAspect="1"/>
+          </p:cNvPicPr>
+          <p:nvPr/>
+        </p:nvPicPr>
+        <p:blipFill rotWithShape="1">
+          <a:blip r:embed="rId2">
+            <a:extLst>
+              <a:ext uri="{28A0092B-C50C-407E-A947-70E740481C1C}">
+                <a14:useLocalDpi xmlns:a14="http://schemas.microsoft.com/office/drawing/2010/main" val="0"/>
+              </a:ext>
+            </a:extLst>
+          </a:blip>
+          <a:srcRect b="25038"/>
+          <a:stretch/>
+        </p:blipFill>
+        <p:spPr>
+          <a:xfrm>
+            <a:off x="863598" y="2209800"/>
+            <a:ext cx="7400925" cy="4648200"/>
+          </a:xfrm>
+          <a:prstGeom prst="rect">
+            <a:avLst/>
+          </a:prstGeom>
+        </p:spPr>
+      </p:pic>
+      <p:sp>
+        <p:nvSpPr>
+          <p:cNvPr id="2" name="Title 1"/>
+          <p:cNvSpPr>
+            <a:spLocks noGrp="1"/>
+          </p:cNvSpPr>
+          <p:nvPr>
+            <p:ph type="title"/>
+          </p:nvPr>
+        </p:nvSpPr>
+        <p:spPr>
+          <a:xfrm>
+            <a:off x="620710" y="1157288"/>
+            <a:ext cx="7886700" cy="1023937"/>
+          </a:xfrm>
+        </p:spPr>
+        <p:txBody>
+          <a:bodyPr/>
+          <a:lstStyle/>
+          <a:p>
+            <a:pPr algn="ctr"/>
+            <a:r>
+              <a:rPr lang="en-US" dirty="0" smtClean="0"/>
+              <a:t>iRobot</a:t>
+            </a:r>
+            <a:endParaRPr lang="en-US" dirty="0"/>
+          </a:p>
+        </p:txBody>
+      </p:sp>
+    </p:spTree>
+    <p:extLst>
+      <p:ext uri="{BB962C8B-B14F-4D97-AF65-F5344CB8AC3E}">
+        <p14:creationId xmlns:p14="http://schemas.microsoft.com/office/powerpoint/2010/main" val="419351107"/>
+      </p:ext>
+    </p:extLst>
+  </p:cSld>
+  <p:clrMapOvr>
+    <a:masterClrMapping/>
+  </p:clrMapOvr>
+  <p:timing>
+    <p:tnLst>
+      <p:par>
+        <p:cTn id="1" dur="indefinite" restart="never" nodeType="tmRoot"/>
+      </p:par>
+    </p:tnLst>
+  </p:timing>
+</p:sld>
+</file>
+
+<file path=ppt/slides/slide6.xml><?xml version="1.0" encoding="utf-8"?>
+<p:sld xmlns:a="http://schemas.openxmlformats.org/drawingml/2006/main" xmlns:r="http://schemas.openxmlformats.org/officeDocument/2006/relationships" xmlns:p="http://schemas.openxmlformats.org/presentationml/2006/main">
+  <p:cSld>
+    <p:spTree>
+      <p:nvGrpSpPr>
+        <p:cNvPr id="1" name=""/>
+        <p:cNvGrpSpPr/>
+        <p:nvPr/>
+      </p:nvGrpSpPr>
+      <p:grpSpPr>
+        <a:xfrm>
+          <a:off x="0" y="0"/>
+          <a:ext cx="0" cy="0"/>
+          <a:chOff x="0" y="0"/>
+          <a:chExt cx="0" cy="0"/>
+        </a:xfrm>
+      </p:grpSpPr>
+      <p:pic>
+        <p:nvPicPr>
+          <p:cNvPr id="6" name="Picture 5"/>
+          <p:cNvPicPr>
+            <a:picLocks noChangeAspect="1"/>
+          </p:cNvPicPr>
+          <p:nvPr/>
+        </p:nvPicPr>
+        <p:blipFill>
+          <a:blip r:embed="rId2">
+            <a:extLst>
+              <a:ext uri="{28A0092B-C50C-407E-A947-70E740481C1C}">
+                <a14:useLocalDpi xmlns:a14="http://schemas.microsoft.com/office/drawing/2010/main" val="0"/>
+              </a:ext>
+            </a:extLst>
+          </a:blip>
+          <a:stretch>
+            <a:fillRect/>
+          </a:stretch>
+        </p:blipFill>
+        <p:spPr>
+          <a:xfrm>
+            <a:off x="0" y="-233363"/>
+            <a:ext cx="9144000" cy="5143500"/>
+          </a:xfrm>
+          <a:prstGeom prst="rect">
+            <a:avLst/>
+          </a:prstGeom>
+        </p:spPr>
+      </p:pic>
+      <p:sp>
+        <p:nvSpPr>
+          <p:cNvPr id="2" name="Title 1"/>
+          <p:cNvSpPr>
+            <a:spLocks noGrp="1"/>
+          </p:cNvSpPr>
+          <p:nvPr>
+            <p:ph type="title"/>
+          </p:nvPr>
+        </p:nvSpPr>
+        <p:spPr>
+          <a:xfrm>
+            <a:off x="628650" y="3352800"/>
+            <a:ext cx="7886700" cy="2852737"/>
+          </a:xfrm>
+        </p:spPr>
+        <p:txBody>
+          <a:bodyPr/>
+          <a:lstStyle/>
+          <a:p>
+            <a:pPr algn="ctr"/>
+            <a:r>
+              <a:rPr lang="en-US" dirty="0" smtClean="0"/>
+              <a:t>Speech Recognition</a:t>
+            </a:r>
+            <a:endParaRPr lang="en-US" dirty="0"/>
+          </a:p>
+        </p:txBody>
+      </p:sp>
+    </p:spTree>
+    <p:extLst>
+      <p:ext uri="{BB962C8B-B14F-4D97-AF65-F5344CB8AC3E}">
+        <p14:creationId xmlns:p14="http://schemas.microsoft.com/office/powerpoint/2010/main" val="176164346"/>
+      </p:ext>
+    </p:extLst>
+  </p:cSld>
+  <p:clrMapOvr>
+    <a:masterClrMapping/>
+  </p:clrMapOvr>
+  <p:timing>
+    <p:tnLst>
+      <p:par>
+        <p:cTn id="1" dur="indefinite" restart="never" nodeType="tmRoot"/>
+      </p:par>
+    </p:tnLst>
+  </p:timing>
+</p:sld>
+</file>
+
+<file path=ppt/slides/slide7.xml><?xml version="1.0" encoding="utf-8"?>
+<p:sld xmlns:a="http://schemas.openxmlformats.org/drawingml/2006/main" xmlns:r="http://schemas.openxmlformats.org/officeDocument/2006/relationships" xmlns:p="http://schemas.openxmlformats.org/presentationml/2006/main">
+  <p:cSld>
+    <p:spTree>
+      <p:nvGrpSpPr>
+        <p:cNvPr id="1" name=""/>
+        <p:cNvGrpSpPr/>
+        <p:nvPr/>
+      </p:nvGrpSpPr>
+      <p:grpSpPr>
+        <a:xfrm>
+          <a:off x="0" y="0"/>
+          <a:ext cx="0" cy="0"/>
+          <a:chOff x="0" y="0"/>
+          <a:chExt cx="0" cy="0"/>
+        </a:xfrm>
+      </p:grpSpPr>
+      <p:pic>
+        <p:nvPicPr>
+          <p:cNvPr id="4" name="Picture 3"/>
+          <p:cNvPicPr>
+            <a:picLocks noChangeAspect="1"/>
+          </p:cNvPicPr>
+          <p:nvPr/>
+        </p:nvPicPr>
+        <p:blipFill>
+          <a:blip r:embed="rId2">
+            <a:extLst>
+              <a:ext uri="{28A0092B-C50C-407E-A947-70E740481C1C}">
+                <a14:useLocalDpi xmlns:a14="http://schemas.microsoft.com/office/drawing/2010/main" val="0"/>
+              </a:ext>
+            </a:extLst>
+          </a:blip>
+          <a:stretch>
+            <a:fillRect/>
+          </a:stretch>
+        </p:blipFill>
+        <p:spPr>
+          <a:xfrm>
+            <a:off x="457200" y="1219200"/>
+            <a:ext cx="7620000" cy="4838700"/>
+          </a:xfrm>
+          <a:prstGeom prst="rect">
+            <a:avLst/>
+          </a:prstGeom>
+        </p:spPr>
+      </p:pic>
+      <p:sp>
+        <p:nvSpPr>
+          <p:cNvPr id="2" name="Title 1"/>
+          <p:cNvSpPr>
+            <a:spLocks noGrp="1"/>
+          </p:cNvSpPr>
+          <p:nvPr>
+            <p:ph type="title"/>
+          </p:nvPr>
+        </p:nvSpPr>
+        <p:spPr>
+          <a:xfrm>
+            <a:off x="5500688" y="990600"/>
+            <a:ext cx="2576512" cy="904876"/>
+          </a:xfrm>
+        </p:spPr>
+        <p:txBody>
+          <a:bodyPr>
+            <a:normAutofit fontScale="90000"/>
+          </a:bodyPr>
+          <a:lstStyle/>
+          <a:p>
+            <a:r>
+              <a:rPr lang="en-US" dirty="0" smtClean="0"/>
+              <a:t>EMOTIV</a:t>
+            </a:r>
+            <a:endParaRPr lang="en-US" dirty="0"/>
+          </a:p>
+        </p:txBody>
+      </p:sp>
+    </p:spTree>
+    <p:extLst>
+      <p:ext uri="{BB962C8B-B14F-4D97-AF65-F5344CB8AC3E}">
+        <p14:creationId xmlns:p14="http://schemas.microsoft.com/office/powerpoint/2010/main" val="2090905752"/>
+      </p:ext>
+    </p:extLst>
+  </p:cSld>
+  <p:clrMapOvr>
+    <a:masterClrMapping/>
+  </p:clrMapOvr>
+  <p:timing>
+    <p:tnLst>
+      <p:par>
+        <p:cTn id="1" dur="indefinite" restart="never" nodeType="tmRoot"/>
+      </p:par>
+    </p:tnLst>
+  </p:timing>
+</p:sld>
+</file>
+
+<file path=ppt/slides/slide8.xml><?xml version="1.0" encoding="utf-8"?>
 <p:sld xmlns:a="http://schemas.openxmlformats.org/drawingml/2006/main" xmlns:r="http://schemas.openxmlformats.org/officeDocument/2006/relationships" xmlns:p="http://schemas.openxmlformats.org/presentationml/2006/main">
   <p:cSld>
     <p:spTree>
@@ -32918,39 +37019,126 @@
           <a:bodyPr/>
           <a:lstStyle/>
           <a:p>
-            <a:endParaRPr lang="en-US"/>
-          </a:p>
-        </p:txBody>
-      </p:sp>
-      <p:sp>
-        <p:nvSpPr>
-          <p:cNvPr id="3" name="Content Placeholder 2"/>
-          <p:cNvSpPr>
-            <a:spLocks noGrp="1"/>
-          </p:cNvSpPr>
-          <p:nvPr>
-            <p:ph idx="1"/>
-          </p:nvPr>
-        </p:nvSpPr>
-        <p:spPr/>
-        <p:txBody>
-          <a:bodyPr/>
-          <a:lstStyle/>
-          <a:p>
-            <a:endParaRPr lang="en-US"/>
+            <a:r>
+              <a:rPr lang="en-US" dirty="0" smtClean="0"/>
+              <a:t>Video</a:t>
+            </a:r>
+            <a:endParaRPr lang="en-US" dirty="0"/>
           </a:p>
         </p:txBody>
       </p:sp>
     </p:spTree>
     <p:extLst>
       <p:ext uri="{BB962C8B-B14F-4D97-AF65-F5344CB8AC3E}">
-        <p14:creationId xmlns:p14="http://schemas.microsoft.com/office/powerpoint/2010/main" val="195323232"/>
+        <p14:creationId xmlns:p14="http://schemas.microsoft.com/office/powerpoint/2010/main" val="144334117"/>
       </p:ext>
     </p:extLst>
   </p:cSld>
   <p:clrMapOvr>
     <a:masterClrMapping/>
   </p:clrMapOvr>
+  <p:timing>
+    <p:tnLst>
+      <p:par>
+        <p:cTn id="1" dur="indefinite" restart="never" nodeType="tmRoot"/>
+      </p:par>
+    </p:tnLst>
+  </p:timing>
+</p:sld>
+</file>
+
+<file path=ppt/slides/slide9.xml><?xml version="1.0" encoding="utf-8"?>
+<p:sld xmlns:a="http://schemas.openxmlformats.org/drawingml/2006/main" xmlns:r="http://schemas.openxmlformats.org/officeDocument/2006/relationships" xmlns:p="http://schemas.openxmlformats.org/presentationml/2006/main">
+  <p:cSld>
+    <p:spTree>
+      <p:nvGrpSpPr>
+        <p:cNvPr id="1" name=""/>
+        <p:cNvGrpSpPr/>
+        <p:nvPr/>
+      </p:nvGrpSpPr>
+      <p:grpSpPr>
+        <a:xfrm>
+          <a:off x="0" y="0"/>
+          <a:ext cx="0" cy="0"/>
+          <a:chOff x="0" y="0"/>
+          <a:chExt cx="0" cy="0"/>
+        </a:xfrm>
+      </p:grpSpPr>
+      <p:pic>
+        <p:nvPicPr>
+          <p:cNvPr id="4" name="Picture 3"/>
+          <p:cNvPicPr>
+            <a:picLocks noChangeAspect="1"/>
+          </p:cNvPicPr>
+          <p:nvPr/>
+        </p:nvPicPr>
+        <p:blipFill rotWithShape="1">
+          <a:blip r:embed="rId2">
+            <a:extLst>
+              <a:ext uri="{28A0092B-C50C-407E-A947-70E740481C1C}">
+                <a14:useLocalDpi xmlns:a14="http://schemas.microsoft.com/office/drawing/2010/main" val="0"/>
+              </a:ext>
+            </a:extLst>
+          </a:blip>
+          <a:srcRect t="18531"/>
+          <a:stretch/>
+        </p:blipFill>
+        <p:spPr>
+          <a:xfrm>
+            <a:off x="0" y="4762"/>
+            <a:ext cx="9161404" cy="4719638"/>
+          </a:xfrm>
+          <a:prstGeom prst="rect">
+            <a:avLst/>
+          </a:prstGeom>
+        </p:spPr>
+      </p:pic>
+      <p:sp>
+        <p:nvSpPr>
+          <p:cNvPr id="2" name="Title 1"/>
+          <p:cNvSpPr>
+            <a:spLocks noGrp="1"/>
+          </p:cNvSpPr>
+          <p:nvPr>
+            <p:ph type="title"/>
+          </p:nvPr>
+        </p:nvSpPr>
+        <p:spPr>
+          <a:xfrm>
+            <a:off x="637352" y="3048000"/>
+            <a:ext cx="7886700" cy="2852737"/>
+          </a:xfrm>
+        </p:spPr>
+        <p:txBody>
+          <a:bodyPr/>
+          <a:lstStyle/>
+          <a:p>
+            <a:pPr algn="ctr"/>
+            <a:r>
+              <a:rPr lang="en-US" dirty="0" smtClean="0"/>
+              <a:t>Implementation</a:t>
+            </a:r>
+            <a:endParaRPr lang="en-US" dirty="0"/>
+          </a:p>
+        </p:txBody>
+      </p:sp>
+    </p:spTree>
+    <p:extLst>
+      <p:ext uri="{BB962C8B-B14F-4D97-AF65-F5344CB8AC3E}">
+        <p14:creationId xmlns:p14="http://schemas.microsoft.com/office/powerpoint/2010/main" val="1663317691"/>
+      </p:ext>
+    </p:extLst>
+  </p:cSld>
+  <p:clrMapOvr>
+    <a:masterClrMapping/>
+  </p:clrMapOvr>
+  <p:timing>
+    <p:tnLst>
+      <p:par>
+        <p:cTn id="1" dur="indefinite" restart="never" nodeType="tmRoot"/>
+      </p:par>
+    </p:tnLst>
+  </p:timing>
 </p:sld>
 </file>
 
@@ -36257,4 +40445,265 @@
     </a:ext>
   </a:extLst>
 </a:theme>
+</file>
+
+<file path=ppt/theme/theme6.xml><?xml version="1.0" encoding="utf-8"?>
+<a:theme xmlns:a="http://schemas.openxmlformats.org/drawingml/2006/main" name="Office Theme">
+  <a:themeElements>
+    <a:clrScheme name="Office">
+      <a:dk1>
+        <a:sysClr val="windowText" lastClr="000000"/>
+      </a:dk1>
+      <a:lt1>
+        <a:sysClr val="window" lastClr="FFFFFF"/>
+      </a:lt1>
+      <a:dk2>
+        <a:srgbClr val="44546A"/>
+      </a:dk2>
+      <a:lt2>
+        <a:srgbClr val="E7E6E6"/>
+      </a:lt2>
+      <a:accent1>
+        <a:srgbClr val="4472C4"/>
+      </a:accent1>
+      <a:accent2>
+        <a:srgbClr val="ED7D31"/>
+      </a:accent2>
+      <a:accent3>
+        <a:srgbClr val="A5A5A5"/>
+      </a:accent3>
+      <a:accent4>
+        <a:srgbClr val="FFC000"/>
+      </a:accent4>
+      <a:accent5>
+        <a:srgbClr val="5B9BD5"/>
+      </a:accent5>
+      <a:accent6>
+        <a:srgbClr val="70AD47"/>
+      </a:accent6>
+      <a:hlink>
+        <a:srgbClr val="0563C1"/>
+      </a:hlink>
+      <a:folHlink>
+        <a:srgbClr val="954F72"/>
+      </a:folHlink>
+    </a:clrScheme>
+    <a:fontScheme name="Office">
+      <a:majorFont>
+        <a:latin typeface="Calibri Light" panose="020F0302020204030204"/>
+        <a:ea typeface=""/>
+        <a:cs typeface=""/>
+        <a:font script="Jpan" typeface="Yu Gothic Light"/>
+        <a:font script="Hang" typeface="맑은 고딕"/>
+        <a:font script="Hans" typeface="DengXian Light"/>
+        <a:font script="Hant" typeface="新細明體"/>
+        <a:font script="Arab" typeface="Times New Roman"/>
+        <a:font script="Hebr" typeface="Times New Roman"/>
+        <a:font script="Thai" typeface="Angsana New"/>
+        <a:font script="Ethi" typeface="Nyala"/>
+        <a:font script="Beng" typeface="Vrinda"/>
+        <a:font script="Gujr" typeface="Shruti"/>
+        <a:font script="Khmr" typeface="MoolBoran"/>
+        <a:font script="Knda" typeface="Tunga"/>
+        <a:font script="Guru" typeface="Raavi"/>
+        <a:font script="Cans" typeface="Euphemia"/>
+        <a:font script="Cher" typeface="Plantagenet Cherokee"/>
+        <a:font script="Yiii" typeface="Microsoft Yi Baiti"/>
+        <a:font script="Tibt" typeface="Microsoft Himalaya"/>
+        <a:font script="Thaa" typeface="MV Boli"/>
+        <a:font script="Deva" typeface="Mangal"/>
+        <a:font script="Telu" typeface="Gautami"/>
+        <a:font script="Taml" typeface="Latha"/>
+        <a:font script="Syrc" typeface="Estrangelo Edessa"/>
+        <a:font script="Orya" typeface="Kalinga"/>
+        <a:font script="Mlym" typeface="Kartika"/>
+        <a:font script="Laoo" typeface="DokChampa"/>
+        <a:font script="Sinh" typeface="Iskoola Pota"/>
+        <a:font script="Mong" typeface="Mongolian Baiti"/>
+        <a:font script="Viet" typeface="Times New Roman"/>
+        <a:font script="Uigh" typeface="Microsoft Uighur"/>
+        <a:font script="Geor" typeface="Sylfaen"/>
+      </a:majorFont>
+      <a:minorFont>
+        <a:latin typeface="Calibri" panose="020F0502020204030204"/>
+        <a:ea typeface=""/>
+        <a:cs typeface=""/>
+        <a:font script="Jpan" typeface="Yu Gothic"/>
+        <a:font script="Hang" typeface="맑은 고딕"/>
+        <a:font script="Hans" typeface="DengXian"/>
+        <a:font script="Hant" typeface="新細明體"/>
+        <a:font script="Arab" typeface="Arial"/>
+        <a:font script="Hebr" typeface="Arial"/>
+        <a:font script="Thai" typeface="Cordia New"/>
+        <a:font script="Ethi" typeface="Nyala"/>
+        <a:font script="Beng" typeface="Vrinda"/>
+        <a:font script="Gujr" typeface="Shruti"/>
+        <a:font script="Khmr" typeface="DaunPenh"/>
+        <a:font script="Knda" typeface="Tunga"/>
+        <a:font script="Guru" typeface="Raavi"/>
+        <a:font script="Cans" typeface="Euphemia"/>
+        <a:font script="Cher" typeface="Plantagenet Cherokee"/>
+        <a:font script="Yiii" typeface="Microsoft Yi Baiti"/>
+        <a:font script="Tibt" typeface="Microsoft Himalaya"/>
+        <a:font script="Thaa" typeface="MV Boli"/>
+        <a:font script="Deva" typeface="Mangal"/>
+        <a:font script="Telu" typeface="Gautami"/>
+        <a:font script="Taml" typeface="Latha"/>
+        <a:font script="Syrc" typeface="Estrangelo Edessa"/>
+        <a:font script="Orya" typeface="Kalinga"/>
+        <a:font script="Mlym" typeface="Kartika"/>
+        <a:font script="Laoo" typeface="DokChampa"/>
+        <a:font script="Sinh" typeface="Iskoola Pota"/>
+        <a:font script="Mong" typeface="Mongolian Baiti"/>
+        <a:font script="Viet" typeface="Arial"/>
+        <a:font script="Uigh" typeface="Microsoft Uighur"/>
+        <a:font script="Geor" typeface="Sylfaen"/>
+      </a:minorFont>
+    </a:fontScheme>
+    <a:fmtScheme name="Office">
+      <a:fillStyleLst>
+        <a:solidFill>
+          <a:schemeClr val="phClr"/>
+        </a:solidFill>
+        <a:gradFill rotWithShape="1">
+          <a:gsLst>
+            <a:gs pos="0">
+              <a:schemeClr val="phClr">
+                <a:lumMod val="110000"/>
+                <a:satMod val="105000"/>
+                <a:tint val="67000"/>
+              </a:schemeClr>
+            </a:gs>
+            <a:gs pos="50000">
+              <a:schemeClr val="phClr">
+                <a:lumMod val="105000"/>
+                <a:satMod val="103000"/>
+                <a:tint val="73000"/>
+              </a:schemeClr>
+            </a:gs>
+            <a:gs pos="100000">
+              <a:schemeClr val="phClr">
+                <a:lumMod val="105000"/>
+                <a:satMod val="109000"/>
+                <a:tint val="81000"/>
+              </a:schemeClr>
+            </a:gs>
+          </a:gsLst>
+          <a:lin ang="5400000" scaled="0"/>
+        </a:gradFill>
+        <a:gradFill rotWithShape="1">
+          <a:gsLst>
+            <a:gs pos="0">
+              <a:schemeClr val="phClr">
+                <a:satMod val="103000"/>
+                <a:lumMod val="102000"/>
+                <a:tint val="94000"/>
+              </a:schemeClr>
+            </a:gs>
+            <a:gs pos="50000">
+              <a:schemeClr val="phClr">
+                <a:satMod val="110000"/>
+                <a:lumMod val="100000"/>
+                <a:shade val="100000"/>
+              </a:schemeClr>
+            </a:gs>
+            <a:gs pos="100000">
+              <a:schemeClr val="phClr">
+                <a:lumMod val="99000"/>
+                <a:satMod val="120000"/>
+                <a:shade val="78000"/>
+              </a:schemeClr>
+            </a:gs>
+          </a:gsLst>
+          <a:lin ang="5400000" scaled="0"/>
+        </a:gradFill>
+      </a:fillStyleLst>
+      <a:lnStyleLst>
+        <a:ln w="6350" cap="flat" cmpd="sng" algn="ctr">
+          <a:solidFill>
+            <a:schemeClr val="phClr"/>
+          </a:solidFill>
+          <a:prstDash val="solid"/>
+          <a:miter lim="800000"/>
+        </a:ln>
+        <a:ln w="12700" cap="flat" cmpd="sng" algn="ctr">
+          <a:solidFill>
+            <a:schemeClr val="phClr"/>
+          </a:solidFill>
+          <a:prstDash val="solid"/>
+          <a:miter lim="800000"/>
+        </a:ln>
+        <a:ln w="19050" cap="flat" cmpd="sng" algn="ctr">
+          <a:solidFill>
+            <a:schemeClr val="phClr"/>
+          </a:solidFill>
+          <a:prstDash val="solid"/>
+          <a:miter lim="800000"/>
+        </a:ln>
+      </a:lnStyleLst>
+      <a:effectStyleLst>
+        <a:effectStyle>
+          <a:effectLst/>
+        </a:effectStyle>
+        <a:effectStyle>
+          <a:effectLst/>
+        </a:effectStyle>
+        <a:effectStyle>
+          <a:effectLst>
+            <a:outerShdw blurRad="57150" dist="19050" dir="5400000" algn="ctr" rotWithShape="0">
+              <a:srgbClr val="000000">
+                <a:alpha val="63000"/>
+              </a:srgbClr>
+            </a:outerShdw>
+          </a:effectLst>
+        </a:effectStyle>
+      </a:effectStyleLst>
+      <a:bgFillStyleLst>
+        <a:solidFill>
+          <a:schemeClr val="phClr"/>
+        </a:solidFill>
+        <a:solidFill>
+          <a:schemeClr val="phClr">
+            <a:tint val="95000"/>
+            <a:satMod val="170000"/>
+          </a:schemeClr>
+        </a:solidFill>
+        <a:gradFill rotWithShape="1">
+          <a:gsLst>
+            <a:gs pos="0">
+              <a:schemeClr val="phClr">
+                <a:tint val="93000"/>
+                <a:satMod val="150000"/>
+                <a:shade val="98000"/>
+                <a:lumMod val="102000"/>
+              </a:schemeClr>
+            </a:gs>
+            <a:gs pos="50000">
+              <a:schemeClr val="phClr">
+                <a:tint val="98000"/>
+                <a:satMod val="130000"/>
+                <a:shade val="90000"/>
+                <a:lumMod val="103000"/>
+              </a:schemeClr>
+            </a:gs>
+            <a:gs pos="100000">
+              <a:schemeClr val="phClr">
+                <a:shade val="63000"/>
+                <a:satMod val="120000"/>
+              </a:schemeClr>
+            </a:gs>
+          </a:gsLst>
+          <a:lin ang="5400000" scaled="0"/>
+        </a:gradFill>
+      </a:bgFillStyleLst>
+    </a:fmtScheme>
+  </a:themeElements>
+  <a:objectDefaults/>
+  <a:extraClrSchemeLst/>
+  <a:extLst>
+    <a:ext uri="{05A4C25C-085E-4340-85A3-A5531E510DB2}">
+      <thm15:themeFamily xmlns:thm15="http://schemas.microsoft.com/office/thememl/2012/main" name="Office Theme" id="{62F939B6-93AF-4DB8-9C6B-D6C7DFDC589F}" vid="{4A3C46E8-61CC-4603-A589-7422A47A8E4A}"/>
+    </a:ext>
+  </a:extLst>
+</a:theme>
 </file>
--- a/presentation/final_presentation.pptx
+++ b/presentation/final_presentation.pptx
@@ -9,19 +9,20 @@
     <p:sldMasterId id="2147484122" r:id="rId5"/>
   </p:sldMasterIdLst>
   <p:notesMasterIdLst>
-    <p:notesMasterId r:id="rId16"/>
+    <p:notesMasterId r:id="rId17"/>
   </p:notesMasterIdLst>
   <p:sldIdLst>
     <p:sldId id="256" r:id="rId6"/>
     <p:sldId id="257" r:id="rId7"/>
     <p:sldId id="258" r:id="rId8"/>
-    <p:sldId id="262" r:id="rId9"/>
+    <p:sldId id="259" r:id="rId9"/>
     <p:sldId id="261" r:id="rId10"/>
     <p:sldId id="260" r:id="rId11"/>
-    <p:sldId id="259" r:id="rId12"/>
+    <p:sldId id="262" r:id="rId12"/>
     <p:sldId id="263" r:id="rId13"/>
     <p:sldId id="265" r:id="rId14"/>
     <p:sldId id="264" r:id="rId15"/>
+    <p:sldId id="266" r:id="rId16"/>
   </p:sldIdLst>
   <p:sldSz cx="9144000" cy="6858000" type="screen4x3"/>
   <p:notesSz cx="6858000" cy="9144000"/>
@@ -1185,6 +1186,13 @@
         </dgm:presLayoutVars>
       </dgm:prSet>
       <dgm:spPr/>
+      <dgm:t>
+        <a:bodyPr/>
+        <a:lstStyle/>
+        <a:p>
+          <a:endParaRPr lang="en-US"/>
+        </a:p>
+      </dgm:t>
     </dgm:pt>
     <dgm:pt modelId="{62E823C7-051A-B14A-A506-887A9CB9CF07}" type="pres">
       <dgm:prSet presAssocID="{55DD615F-34EE-3F46-AA25-0B75F070D99E}" presName="parentLin" presStyleCnt="0"/>
@@ -1193,6 +1201,13 @@
     <dgm:pt modelId="{90DFC6DA-F0CD-F142-9842-E5B690CB777C}" type="pres">
       <dgm:prSet presAssocID="{55DD615F-34EE-3F46-AA25-0B75F070D99E}" presName="parentLeftMargin" presStyleLbl="node1" presStyleIdx="0" presStyleCnt="4"/>
       <dgm:spPr/>
+      <dgm:t>
+        <a:bodyPr/>
+        <a:lstStyle/>
+        <a:p>
+          <a:endParaRPr lang="en-US"/>
+        </a:p>
+      </dgm:t>
     </dgm:pt>
     <dgm:pt modelId="{FA93F558-4EE1-164F-A645-A1871FD8A6E3}" type="pres">
       <dgm:prSet presAssocID="{55DD615F-34EE-3F46-AA25-0B75F070D99E}" presName="parentText" presStyleLbl="node1" presStyleIdx="0" presStyleCnt="4">
@@ -1233,6 +1248,13 @@
     <dgm:pt modelId="{3C690C1C-6221-DF4C-AC7B-C98B804840AC}" type="pres">
       <dgm:prSet presAssocID="{1F633B24-9E60-2840-BAF6-1F2EF0A05005}" presName="parentLeftMargin" presStyleLbl="node1" presStyleIdx="0" presStyleCnt="4"/>
       <dgm:spPr/>
+      <dgm:t>
+        <a:bodyPr/>
+        <a:lstStyle/>
+        <a:p>
+          <a:endParaRPr lang="en-US"/>
+        </a:p>
+      </dgm:t>
     </dgm:pt>
     <dgm:pt modelId="{DD9A73EE-3E74-4147-87A7-D5D42E5BD946}" type="pres">
       <dgm:prSet presAssocID="{1F633B24-9E60-2840-BAF6-1F2EF0A05005}" presName="parentText" presStyleLbl="node1" presStyleIdx="1" presStyleCnt="4">
@@ -1273,6 +1295,13 @@
     <dgm:pt modelId="{FA06A813-020F-CD4B-9748-42117992610F}" type="pres">
       <dgm:prSet presAssocID="{A3D0B1EA-B856-6242-A423-5EE369F2DAC0}" presName="parentLeftMargin" presStyleLbl="node1" presStyleIdx="1" presStyleCnt="4"/>
       <dgm:spPr/>
+      <dgm:t>
+        <a:bodyPr/>
+        <a:lstStyle/>
+        <a:p>
+          <a:endParaRPr lang="en-US"/>
+        </a:p>
+      </dgm:t>
     </dgm:pt>
     <dgm:pt modelId="{3EBE824C-896F-634A-816A-EC6F971FEA5E}" type="pres">
       <dgm:prSet presAssocID="{A3D0B1EA-B856-6242-A423-5EE369F2DAC0}" presName="parentText" presStyleLbl="node1" presStyleIdx="2" presStyleCnt="4">
@@ -1313,6 +1342,13 @@
     <dgm:pt modelId="{D769CBE5-5A80-4240-A924-27E5E26CE757}" type="pres">
       <dgm:prSet presAssocID="{25817188-6F6F-014D-9520-05969BA36CA8}" presName="parentLeftMargin" presStyleLbl="node1" presStyleIdx="2" presStyleCnt="4"/>
       <dgm:spPr/>
+      <dgm:t>
+        <a:bodyPr/>
+        <a:lstStyle/>
+        <a:p>
+          <a:endParaRPr lang="en-US"/>
+        </a:p>
+      </dgm:t>
     </dgm:pt>
     <dgm:pt modelId="{33242AD7-DB1B-8043-B119-580377F66446}" type="pres">
       <dgm:prSet presAssocID="{25817188-6F6F-014D-9520-05969BA36CA8}" presName="parentText" presStyleLbl="node1" presStyleIdx="3" presStyleCnt="4">
@@ -1344,19 +1380,19 @@
     </dgm:pt>
   </dgm:ptLst>
   <dgm:cxnLst>
-    <dgm:cxn modelId="{378A061E-D6D7-B849-823E-56E0979ABC91}" srcId="{CE1E91F1-2839-0C40-9A8D-A524A922D3E4}" destId="{1F633B24-9E60-2840-BAF6-1F2EF0A05005}" srcOrd="1" destOrd="0" parTransId="{FAD4A59E-BB67-C244-B02C-21D904ABE64D}" sibTransId="{7FBBD907-88D1-A74D-9253-049A74709A4E}"/>
-    <dgm:cxn modelId="{2B395FB4-FBF1-124D-AC9A-9A079544B225}" type="presOf" srcId="{A3D0B1EA-B856-6242-A423-5EE369F2DAC0}" destId="{3EBE824C-896F-634A-816A-EC6F971FEA5E}" srcOrd="1" destOrd="0" presId="urn:microsoft.com/office/officeart/2005/8/layout/list1"/>
-    <dgm:cxn modelId="{D299F437-CE51-5B49-83B4-81802F8C71D0}" type="presOf" srcId="{25817188-6F6F-014D-9520-05969BA36CA8}" destId="{D769CBE5-5A80-4240-A924-27E5E26CE757}" srcOrd="0" destOrd="0" presId="urn:microsoft.com/office/officeart/2005/8/layout/list1"/>
-    <dgm:cxn modelId="{EBFBC574-236A-C742-BA4D-8E337A9A7A18}" srcId="{CE1E91F1-2839-0C40-9A8D-A524A922D3E4}" destId="{55DD615F-34EE-3F46-AA25-0B75F070D99E}" srcOrd="0" destOrd="0" parTransId="{118891D0-FFD7-2549-946A-0CE0BDCD8272}" sibTransId="{A61947D6-015D-4645-A97F-8547EA996E47}"/>
-    <dgm:cxn modelId="{970A8395-9347-0545-8990-D9C2352DA85F}" type="presOf" srcId="{1F633B24-9E60-2840-BAF6-1F2EF0A05005}" destId="{DD9A73EE-3E74-4147-87A7-D5D42E5BD946}" srcOrd="1" destOrd="0" presId="urn:microsoft.com/office/officeart/2005/8/layout/list1"/>
-    <dgm:cxn modelId="{6B7A885C-51C3-034E-BC27-31CFA931A97F}" type="presOf" srcId="{55DD615F-34EE-3F46-AA25-0B75F070D99E}" destId="{FA93F558-4EE1-164F-A645-A1871FD8A6E3}" srcOrd="1" destOrd="0" presId="urn:microsoft.com/office/officeart/2005/8/layout/list1"/>
-    <dgm:cxn modelId="{D4135B37-E846-0041-8AE3-823ED1AF7468}" type="presOf" srcId="{A3D0B1EA-B856-6242-A423-5EE369F2DAC0}" destId="{FA06A813-020F-CD4B-9748-42117992610F}" srcOrd="0" destOrd="0" presId="urn:microsoft.com/office/officeart/2005/8/layout/list1"/>
-    <dgm:cxn modelId="{708E4BED-24BB-344C-B744-C30666CBCB11}" srcId="{CE1E91F1-2839-0C40-9A8D-A524A922D3E4}" destId="{25817188-6F6F-014D-9520-05969BA36CA8}" srcOrd="3" destOrd="0" parTransId="{E9316381-F654-FA46-A134-B6B0762FAD7E}" sibTransId="{226143E9-C2EB-E54F-8255-8755AA8F8570}"/>
     <dgm:cxn modelId="{F0433668-541B-604C-8779-83B249335C46}" srcId="{CE1E91F1-2839-0C40-9A8D-A524A922D3E4}" destId="{A3D0B1EA-B856-6242-A423-5EE369F2DAC0}" srcOrd="2" destOrd="0" parTransId="{4A9BBC90-305C-5140-9AC6-16A3B39E61EF}" sibTransId="{27876884-484C-864C-A0BB-4DF79959E450}"/>
     <dgm:cxn modelId="{6782D368-90BD-E348-BF24-754367134AA4}" type="presOf" srcId="{1F633B24-9E60-2840-BAF6-1F2EF0A05005}" destId="{3C690C1C-6221-DF4C-AC7B-C98B804840AC}" srcOrd="0" destOrd="0" presId="urn:microsoft.com/office/officeart/2005/8/layout/list1"/>
     <dgm:cxn modelId="{5B0F6DB2-B15C-D148-98D7-39D9A6C2610A}" type="presOf" srcId="{25817188-6F6F-014D-9520-05969BA36CA8}" destId="{33242AD7-DB1B-8043-B119-580377F66446}" srcOrd="1" destOrd="0" presId="urn:microsoft.com/office/officeart/2005/8/layout/list1"/>
+    <dgm:cxn modelId="{708E4BED-24BB-344C-B744-C30666CBCB11}" srcId="{CE1E91F1-2839-0C40-9A8D-A524A922D3E4}" destId="{25817188-6F6F-014D-9520-05969BA36CA8}" srcOrd="3" destOrd="0" parTransId="{E9316381-F654-FA46-A134-B6B0762FAD7E}" sibTransId="{226143E9-C2EB-E54F-8255-8755AA8F8570}"/>
+    <dgm:cxn modelId="{6B7A885C-51C3-034E-BC27-31CFA931A97F}" type="presOf" srcId="{55DD615F-34EE-3F46-AA25-0B75F070D99E}" destId="{FA93F558-4EE1-164F-A645-A1871FD8A6E3}" srcOrd="1" destOrd="0" presId="urn:microsoft.com/office/officeart/2005/8/layout/list1"/>
+    <dgm:cxn modelId="{9D558059-8165-9D40-B857-82C051E1395F}" type="presOf" srcId="{CE1E91F1-2839-0C40-9A8D-A524A922D3E4}" destId="{736ED2A4-C45C-BC4F-8BA4-14389BE7FB31}" srcOrd="0" destOrd="0" presId="urn:microsoft.com/office/officeart/2005/8/layout/list1"/>
+    <dgm:cxn modelId="{D4135B37-E846-0041-8AE3-823ED1AF7468}" type="presOf" srcId="{A3D0B1EA-B856-6242-A423-5EE369F2DAC0}" destId="{FA06A813-020F-CD4B-9748-42117992610F}" srcOrd="0" destOrd="0" presId="urn:microsoft.com/office/officeart/2005/8/layout/list1"/>
     <dgm:cxn modelId="{93AAF193-129B-5E48-84AC-88E8BC48819F}" type="presOf" srcId="{55DD615F-34EE-3F46-AA25-0B75F070D99E}" destId="{90DFC6DA-F0CD-F142-9842-E5B690CB777C}" srcOrd="0" destOrd="0" presId="urn:microsoft.com/office/officeart/2005/8/layout/list1"/>
-    <dgm:cxn modelId="{9D558059-8165-9D40-B857-82C051E1395F}" type="presOf" srcId="{CE1E91F1-2839-0C40-9A8D-A524A922D3E4}" destId="{736ED2A4-C45C-BC4F-8BA4-14389BE7FB31}" srcOrd="0" destOrd="0" presId="urn:microsoft.com/office/officeart/2005/8/layout/list1"/>
+    <dgm:cxn modelId="{970A8395-9347-0545-8990-D9C2352DA85F}" type="presOf" srcId="{1F633B24-9E60-2840-BAF6-1F2EF0A05005}" destId="{DD9A73EE-3E74-4147-87A7-D5D42E5BD946}" srcOrd="1" destOrd="0" presId="urn:microsoft.com/office/officeart/2005/8/layout/list1"/>
+    <dgm:cxn modelId="{2B395FB4-FBF1-124D-AC9A-9A079544B225}" type="presOf" srcId="{A3D0B1EA-B856-6242-A423-5EE369F2DAC0}" destId="{3EBE824C-896F-634A-816A-EC6F971FEA5E}" srcOrd="1" destOrd="0" presId="urn:microsoft.com/office/officeart/2005/8/layout/list1"/>
+    <dgm:cxn modelId="{D299F437-CE51-5B49-83B4-81802F8C71D0}" type="presOf" srcId="{25817188-6F6F-014D-9520-05969BA36CA8}" destId="{D769CBE5-5A80-4240-A924-27E5E26CE757}" srcOrd="0" destOrd="0" presId="urn:microsoft.com/office/officeart/2005/8/layout/list1"/>
+    <dgm:cxn modelId="{378A061E-D6D7-B849-823E-56E0979ABC91}" srcId="{CE1E91F1-2839-0C40-9A8D-A524A922D3E4}" destId="{1F633B24-9E60-2840-BAF6-1F2EF0A05005}" srcOrd="1" destOrd="0" parTransId="{FAD4A59E-BB67-C244-B02C-21D904ABE64D}" sibTransId="{7FBBD907-88D1-A74D-9253-049A74709A4E}"/>
+    <dgm:cxn modelId="{EBFBC574-236A-C742-BA4D-8E337A9A7A18}" srcId="{CE1E91F1-2839-0C40-9A8D-A524A922D3E4}" destId="{55DD615F-34EE-3F46-AA25-0B75F070D99E}" srcOrd="0" destOrd="0" parTransId="{118891D0-FFD7-2549-946A-0CE0BDCD8272}" sibTransId="{A61947D6-015D-4645-A97F-8547EA996E47}"/>
     <dgm:cxn modelId="{37341422-B849-924B-A377-981829679AE8}" type="presParOf" srcId="{736ED2A4-C45C-BC4F-8BA4-14389BE7FB31}" destId="{62E823C7-051A-B14A-A506-887A9CB9CF07}" srcOrd="0" destOrd="0" presId="urn:microsoft.com/office/officeart/2005/8/layout/list1"/>
     <dgm:cxn modelId="{63AEDC92-6490-FF46-833F-B98AC3A8D39D}" type="presParOf" srcId="{62E823C7-051A-B14A-A506-887A9CB9CF07}" destId="{90DFC6DA-F0CD-F142-9842-E5B690CB777C}" srcOrd="0" destOrd="0" presId="urn:microsoft.com/office/officeart/2005/8/layout/list1"/>
     <dgm:cxn modelId="{DEA4ABAE-EED2-FF4D-AD18-1063323AE627}" type="presParOf" srcId="{62E823C7-051A-B14A-A506-887A9CB9CF07}" destId="{FA93F558-4EE1-164F-A645-A1871FD8A6E3}" srcOrd="1" destOrd="0" presId="urn:microsoft.com/office/officeart/2005/8/layout/list1"/>
@@ -3352,7 +3388,7 @@
           <a:p>
             <a:fld id="{AC44E174-B33E-0A46-B0EA-E040EA075F5D}" type="datetimeFigureOut">
               <a:rPr lang="en-US" smtClean="0"/>
-              <a:t>12/11/16</a:t>
+              <a:t>12/14/16</a:t>
             </a:fld>
             <a:endParaRPr lang="en-US"/>
           </a:p>
@@ -3758,7 +3794,7 @@
             <a:fld id="{1D8BD707-D9CF-40AE-B4C6-C98DA3205C09}" type="datetimeFigureOut">
               <a:rPr lang="en-US" smtClean="0"/>
               <a:pPr/>
-              <a:t>12/11/16</a:t>
+              <a:t>12/14/16</a:t>
             </a:fld>
             <a:endParaRPr lang="en-US"/>
           </a:p>
@@ -3944,7 +3980,7 @@
             <a:fld id="{1D8BD707-D9CF-40AE-B4C6-C98DA3205C09}" type="datetimeFigureOut">
               <a:rPr lang="en-US" smtClean="0"/>
               <a:pPr/>
-              <a:t>12/11/16</a:t>
+              <a:t>12/14/16</a:t>
             </a:fld>
             <a:endParaRPr lang="en-US"/>
           </a:p>
@@ -4140,7 +4176,7 @@
             <a:fld id="{1D8BD707-D9CF-40AE-B4C6-C98DA3205C09}" type="datetimeFigureOut">
               <a:rPr lang="en-US" smtClean="0"/>
               <a:pPr/>
-              <a:t>12/11/16</a:t>
+              <a:t>12/14/16</a:t>
             </a:fld>
             <a:endParaRPr lang="en-US"/>
           </a:p>
@@ -6145,7 +6181,7 @@
             <a:fld id="{1D8BD707-D9CF-40AE-B4C6-C98DA3205C09}" type="datetimeFigureOut">
               <a:rPr lang="en-US" smtClean="0"/>
               <a:pPr/>
-              <a:t>12/11/16</a:t>
+              <a:t>12/14/16</a:t>
             </a:fld>
             <a:endParaRPr lang="en-US"/>
           </a:p>
@@ -8547,7 +8583,7 @@
             <a:fld id="{1D8BD707-D9CF-40AE-B4C6-C98DA3205C09}" type="datetimeFigureOut">
               <a:rPr lang="en-US" smtClean="0"/>
               <a:pPr/>
-              <a:t>12/11/16</a:t>
+              <a:t>12/14/16</a:t>
             </a:fld>
             <a:endParaRPr lang="en-US"/>
           </a:p>
@@ -11171,7 +11207,7 @@
             <a:fld id="{1D8BD707-D9CF-40AE-B4C6-C98DA3205C09}" type="datetimeFigureOut">
               <a:rPr lang="en-US" smtClean="0"/>
               <a:pPr/>
-              <a:t>12/11/16</a:t>
+              <a:t>12/14/16</a:t>
             </a:fld>
             <a:endParaRPr lang="en-US"/>
           </a:p>
@@ -13864,7 +13900,7 @@
             <a:fld id="{1D8BD707-D9CF-40AE-B4C6-C98DA3205C09}" type="datetimeFigureOut">
               <a:rPr lang="en-US" smtClean="0"/>
               <a:pPr/>
-              <a:t>12/11/16</a:t>
+              <a:t>12/14/16</a:t>
             </a:fld>
             <a:endParaRPr lang="en-US"/>
           </a:p>
@@ -15110,7 +15146,7 @@
             <a:fld id="{1D8BD707-D9CF-40AE-B4C6-C98DA3205C09}" type="datetimeFigureOut">
               <a:rPr lang="en-US" smtClean="0"/>
               <a:pPr/>
-              <a:t>12/11/16</a:t>
+              <a:t>12/14/16</a:t>
             </a:fld>
             <a:endParaRPr lang="en-US"/>
           </a:p>
@@ -15221,7 +15257,7 @@
             <a:fld id="{1D8BD707-D9CF-40AE-B4C6-C98DA3205C09}" type="datetimeFigureOut">
               <a:rPr lang="en-US" smtClean="0"/>
               <a:pPr/>
-              <a:t>12/11/16</a:t>
+              <a:t>12/14/16</a:t>
             </a:fld>
             <a:endParaRPr lang="en-US"/>
           </a:p>
@@ -15514,7 +15550,7 @@
             <a:fld id="{1D8BD707-D9CF-40AE-B4C6-C98DA3205C09}" type="datetimeFigureOut">
               <a:rPr lang="en-US" smtClean="0"/>
               <a:pPr/>
-              <a:t>12/11/16</a:t>
+              <a:t>12/14/16</a:t>
             </a:fld>
             <a:endParaRPr lang="en-US"/>
           </a:p>
@@ -15788,7 +15824,7 @@
             <a:fld id="{1D8BD707-D9CF-40AE-B4C6-C98DA3205C09}" type="datetimeFigureOut">
               <a:rPr lang="en-US" smtClean="0"/>
               <a:pPr/>
-              <a:t>12/11/16</a:t>
+              <a:t>12/14/16</a:t>
             </a:fld>
             <a:endParaRPr lang="en-US"/>
           </a:p>
@@ -19854,7 +19890,7 @@
             <a:fld id="{1D8BD707-D9CF-40AE-B4C6-C98DA3205C09}" type="datetimeFigureOut">
               <a:rPr lang="en-US" smtClean="0"/>
               <a:pPr/>
-              <a:t>12/11/16</a:t>
+              <a:t>12/14/16</a:t>
             </a:fld>
             <a:endParaRPr lang="en-US"/>
           </a:p>
@@ -35905,7 +35941,7 @@
             <a:fld id="{1D8BD707-D9CF-40AE-B4C6-C98DA3205C09}" type="datetimeFigureOut">
               <a:rPr lang="en-US" smtClean="0"/>
               <a:pPr/>
-              <a:t>12/11/16</a:t>
+              <a:t>12/14/16</a:t>
             </a:fld>
             <a:endParaRPr lang="en-US"/>
           </a:p>
@@ -36328,15 +36364,7 @@
           <a:p>
             <a:r>
               <a:rPr lang="en-US" dirty="0" smtClean="0"/>
-              <a:t>Brain-</a:t>
-            </a:r>
-            <a:r>
-              <a:rPr lang="en-US" dirty="0" smtClean="0"/>
-              <a:t>Controlled </a:t>
-            </a:r>
-            <a:r>
-              <a:rPr lang="en-US" dirty="0" smtClean="0"/>
-              <a:t>Wheelchair</a:t>
+              <a:t>Brain-Controlled Wheelchair</a:t>
             </a:r>
             <a:endParaRPr lang="en-US" dirty="0"/>
           </a:p>
@@ -36447,6 +36475,89 @@
 </p:sld>
 </file>
 
+<file path=ppt/slides/slide11.xml><?xml version="1.0" encoding="utf-8"?>
+<p:sld xmlns:a="http://schemas.openxmlformats.org/drawingml/2006/main" xmlns:r="http://schemas.openxmlformats.org/officeDocument/2006/relationships" xmlns:p="http://schemas.openxmlformats.org/presentationml/2006/main">
+  <p:cSld>
+    <p:spTree>
+      <p:nvGrpSpPr>
+        <p:cNvPr id="1" name=""/>
+        <p:cNvGrpSpPr/>
+        <p:nvPr/>
+      </p:nvGrpSpPr>
+      <p:grpSpPr>
+        <a:xfrm>
+          <a:off x="0" y="0"/>
+          <a:ext cx="0" cy="0"/>
+          <a:chOff x="0" y="0"/>
+          <a:chExt cx="0" cy="0"/>
+        </a:xfrm>
+      </p:grpSpPr>
+      <p:pic>
+        <p:nvPicPr>
+          <p:cNvPr id="6" name="Picture 5"/>
+          <p:cNvPicPr>
+            <a:picLocks noChangeAspect="1"/>
+          </p:cNvPicPr>
+          <p:nvPr/>
+        </p:nvPicPr>
+        <p:blipFill>
+          <a:blip r:embed="rId2">
+            <a:extLst>
+              <a:ext uri="{28A0092B-C50C-407E-A947-70E740481C1C}">
+                <a14:useLocalDpi xmlns:a14="http://schemas.microsoft.com/office/drawing/2010/main" val="0"/>
+              </a:ext>
+            </a:extLst>
+          </a:blip>
+          <a:stretch>
+            <a:fillRect/>
+          </a:stretch>
+        </p:blipFill>
+        <p:spPr>
+          <a:xfrm>
+            <a:off x="4064000" y="152400"/>
+            <a:ext cx="5080000" cy="6489700"/>
+          </a:xfrm>
+          <a:prstGeom prst="rect">
+            <a:avLst/>
+          </a:prstGeom>
+        </p:spPr>
+      </p:pic>
+      <p:sp>
+        <p:nvSpPr>
+          <p:cNvPr id="4" name="Title 3"/>
+          <p:cNvSpPr>
+            <a:spLocks noGrp="1"/>
+          </p:cNvSpPr>
+          <p:nvPr>
+            <p:ph type="title"/>
+          </p:nvPr>
+        </p:nvSpPr>
+        <p:spPr/>
+        <p:txBody>
+          <a:bodyPr/>
+          <a:lstStyle/>
+          <a:p>
+            <a:r>
+              <a:rPr lang="en-US" dirty="0" smtClean="0"/>
+              <a:t>Limitations</a:t>
+            </a:r>
+            <a:endParaRPr lang="en-US" dirty="0"/>
+          </a:p>
+        </p:txBody>
+      </p:sp>
+    </p:spTree>
+    <p:extLst>
+      <p:ext uri="{BB962C8B-B14F-4D97-AF65-F5344CB8AC3E}">
+        <p14:creationId xmlns:p14="http://schemas.microsoft.com/office/powerpoint/2010/main" val="108247629"/>
+      </p:ext>
+    </p:extLst>
+  </p:cSld>
+  <p:clrMapOvr>
+    <a:masterClrMapping/>
+  </p:clrMapOvr>
+</p:sld>
+</file>
+
 <file path=ppt/slides/slide2.xml><?xml version="1.0" encoding="utf-8"?>
 <p:sld xmlns:a="http://schemas.openxmlformats.org/drawingml/2006/main" xmlns:r="http://schemas.openxmlformats.org/officeDocument/2006/relationships" xmlns:p="http://schemas.openxmlformats.org/presentationml/2006/main">
   <p:cSld>
@@ -36493,6 +36604,54 @@
           </a:prstGeom>
         </p:spPr>
       </p:pic>
+      <p:sp>
+        <p:nvSpPr>
+          <p:cNvPr id="3" name="Title 1"/>
+          <p:cNvSpPr txBox="1">
+            <a:spLocks/>
+          </p:cNvSpPr>
+          <p:nvPr/>
+        </p:nvSpPr>
+        <p:spPr>
+          <a:xfrm>
+            <a:off x="628650" y="4800600"/>
+            <a:ext cx="7886700" cy="752476"/>
+          </a:xfrm>
+          <a:prstGeom prst="rect">
+            <a:avLst/>
+          </a:prstGeom>
+        </p:spPr>
+        <p:txBody>
+          <a:bodyPr/>
+          <a:lstStyle>
+            <a:lvl1pPr algn="l" defTabSz="914400" rtl="0" eaLnBrk="1" latinLnBrk="0" hangingPunct="1">
+              <a:lnSpc>
+                <a:spcPct val="90000"/>
+              </a:lnSpc>
+              <a:spcBef>
+                <a:spcPct val="0"/>
+              </a:spcBef>
+              <a:buNone/>
+              <a:defRPr sz="4400" kern="1200">
+                <a:solidFill>
+                  <a:schemeClr val="tx1"/>
+                </a:solidFill>
+                <a:latin typeface="+mj-lt"/>
+                <a:ea typeface="+mj-ea"/>
+                <a:cs typeface="+mj-cs"/>
+              </a:defRPr>
+            </a:lvl1pPr>
+          </a:lstStyle>
+          <a:p>
+            <a:pPr algn="ctr"/>
+            <a:r>
+              <a:rPr lang="en-US" smtClean="0"/>
+              <a:t>Scenario</a:t>
+            </a:r>
+            <a:endParaRPr lang="en-US" dirty="0"/>
+          </a:p>
+        </p:txBody>
+      </p:sp>
     </p:spTree>
     <p:extLst>
       <p:ext uri="{BB962C8B-B14F-4D97-AF65-F5344CB8AC3E}">
@@ -36620,35 +36779,6 @@
           <a:chExt cx="0" cy="0"/>
         </a:xfrm>
       </p:grpSpPr>
-      <p:sp>
-        <p:nvSpPr>
-          <p:cNvPr id="2" name="Title 1"/>
-          <p:cNvSpPr>
-            <a:spLocks noGrp="1"/>
-          </p:cNvSpPr>
-          <p:nvPr>
-            <p:ph type="title"/>
-          </p:nvPr>
-        </p:nvSpPr>
-        <p:spPr>
-          <a:xfrm>
-            <a:off x="628650" y="3581400"/>
-            <a:ext cx="7886700" cy="2852737"/>
-          </a:xfrm>
-        </p:spPr>
-        <p:txBody>
-          <a:bodyPr/>
-          <a:lstStyle/>
-          <a:p>
-            <a:pPr algn="ctr"/>
-            <a:r>
-              <a:rPr lang="en-US" dirty="0" smtClean="0"/>
-              <a:t>Web APIs</a:t>
-            </a:r>
-            <a:endParaRPr lang="en-US" dirty="0"/>
-          </a:p>
-        </p:txBody>
-      </p:sp>
       <p:pic>
         <p:nvPicPr>
           <p:cNvPr id="4" name="Picture 3"/>
@@ -36671,18 +36801,48 @@
         </p:blipFill>
         <p:spPr>
           <a:xfrm>
-            <a:off x="0" y="-4763"/>
-            <a:ext cx="9144000" cy="5212732"/>
+            <a:off x="457200" y="1219200"/>
+            <a:ext cx="7620000" cy="4838700"/>
           </a:xfrm>
           <a:prstGeom prst="rect">
             <a:avLst/>
           </a:prstGeom>
         </p:spPr>
       </p:pic>
+      <p:sp>
+        <p:nvSpPr>
+          <p:cNvPr id="2" name="Title 1"/>
+          <p:cNvSpPr>
+            <a:spLocks noGrp="1"/>
+          </p:cNvSpPr>
+          <p:nvPr>
+            <p:ph type="title"/>
+          </p:nvPr>
+        </p:nvSpPr>
+        <p:spPr>
+          <a:xfrm>
+            <a:off x="5500688" y="990600"/>
+            <a:ext cx="2576512" cy="904876"/>
+          </a:xfrm>
+        </p:spPr>
+        <p:txBody>
+          <a:bodyPr>
+            <a:normAutofit fontScale="90000"/>
+          </a:bodyPr>
+          <a:lstStyle/>
+          <a:p>
+            <a:r>
+              <a:rPr lang="en-US" dirty="0" smtClean="0"/>
+              <a:t>EMOTIV</a:t>
+            </a:r>
+            <a:endParaRPr lang="en-US" dirty="0"/>
+          </a:p>
+        </p:txBody>
+      </p:sp>
     </p:spTree>
     <p:extLst>
       <p:ext uri="{BB962C8B-B14F-4D97-AF65-F5344CB8AC3E}">
-        <p14:creationId xmlns:p14="http://schemas.microsoft.com/office/powerpoint/2010/main" val="1906825691"/>
+        <p14:creationId xmlns:p14="http://schemas.microsoft.com/office/powerpoint/2010/main" val="2090905752"/>
       </p:ext>
     </p:extLst>
   </p:cSld>
@@ -36907,6 +37067,35 @@
           <a:chExt cx="0" cy="0"/>
         </a:xfrm>
       </p:grpSpPr>
+      <p:sp>
+        <p:nvSpPr>
+          <p:cNvPr id="2" name="Title 1"/>
+          <p:cNvSpPr>
+            <a:spLocks noGrp="1"/>
+          </p:cNvSpPr>
+          <p:nvPr>
+            <p:ph type="title"/>
+          </p:nvPr>
+        </p:nvSpPr>
+        <p:spPr>
+          <a:xfrm>
+            <a:off x="628650" y="3581400"/>
+            <a:ext cx="7886700" cy="2852737"/>
+          </a:xfrm>
+        </p:spPr>
+        <p:txBody>
+          <a:bodyPr/>
+          <a:lstStyle/>
+          <a:p>
+            <a:pPr algn="ctr"/>
+            <a:r>
+              <a:rPr lang="en-US" dirty="0" smtClean="0"/>
+              <a:t>Web APIs</a:t>
+            </a:r>
+            <a:endParaRPr lang="en-US" dirty="0"/>
+          </a:p>
+        </p:txBody>
+      </p:sp>
       <p:pic>
         <p:nvPicPr>
           <p:cNvPr id="4" name="Picture 3"/>
@@ -36929,48 +37118,18 @@
         </p:blipFill>
         <p:spPr>
           <a:xfrm>
-            <a:off x="457200" y="1219200"/>
-            <a:ext cx="7620000" cy="4838700"/>
+            <a:off x="0" y="-4763"/>
+            <a:ext cx="9144000" cy="5212732"/>
           </a:xfrm>
           <a:prstGeom prst="rect">
             <a:avLst/>
           </a:prstGeom>
         </p:spPr>
       </p:pic>
-      <p:sp>
-        <p:nvSpPr>
-          <p:cNvPr id="2" name="Title 1"/>
-          <p:cNvSpPr>
-            <a:spLocks noGrp="1"/>
-          </p:cNvSpPr>
-          <p:nvPr>
-            <p:ph type="title"/>
-          </p:nvPr>
-        </p:nvSpPr>
-        <p:spPr>
-          <a:xfrm>
-            <a:off x="5500688" y="990600"/>
-            <a:ext cx="2576512" cy="904876"/>
-          </a:xfrm>
-        </p:spPr>
-        <p:txBody>
-          <a:bodyPr>
-            <a:normAutofit fontScale="90000"/>
-          </a:bodyPr>
-          <a:lstStyle/>
-          <a:p>
-            <a:r>
-              <a:rPr lang="en-US" dirty="0" smtClean="0"/>
-              <a:t>EMOTIV</a:t>
-            </a:r>
-            <a:endParaRPr lang="en-US" dirty="0"/>
-          </a:p>
-        </p:txBody>
-      </p:sp>
     </p:spTree>
     <p:extLst>
       <p:ext uri="{BB962C8B-B14F-4D97-AF65-F5344CB8AC3E}">
-        <p14:creationId xmlns:p14="http://schemas.microsoft.com/office/powerpoint/2010/main" val="2090905752"/>
+        <p14:creationId xmlns:p14="http://schemas.microsoft.com/office/powerpoint/2010/main" val="1906825691"/>
       </p:ext>
     </p:extLst>
   </p:cSld>
